--- a/content/soap-web-services/kopr-soap-web-services.pptx
+++ b/content/soap-web-services/kopr-soap-web-services.pptx
@@ -5,7 +5,7 @@
     <p:sldMasterId id="2147483648" r:id="rId1"/>
   </p:sldMasterIdLst>
   <p:notesMasterIdLst>
-    <p:notesMasterId r:id="rId63"/>
+    <p:notesMasterId r:id="rId60"/>
   </p:notesMasterIdLst>
   <p:sldIdLst>
     <p:sldId id="256" r:id="rId2"/>
@@ -39,36 +39,33 @@
     <p:sldId id="291" r:id="rId30"/>
     <p:sldId id="292" r:id="rId31"/>
     <p:sldId id="403" r:id="rId32"/>
-    <p:sldId id="390" r:id="rId33"/>
-    <p:sldId id="389" r:id="rId34"/>
-    <p:sldId id="300" r:id="rId35"/>
-    <p:sldId id="404" r:id="rId36"/>
-    <p:sldId id="358" r:id="rId37"/>
-    <p:sldId id="405" r:id="rId38"/>
-    <p:sldId id="301" r:id="rId39"/>
-    <p:sldId id="360" r:id="rId40"/>
-    <p:sldId id="407" r:id="rId41"/>
-    <p:sldId id="307" r:id="rId42"/>
-    <p:sldId id="411" r:id="rId43"/>
-    <p:sldId id="410" r:id="rId44"/>
-    <p:sldId id="309" r:id="rId45"/>
-    <p:sldId id="310" r:id="rId46"/>
-    <p:sldId id="311" r:id="rId47"/>
-    <p:sldId id="412" r:id="rId48"/>
-    <p:sldId id="312" r:id="rId49"/>
-    <p:sldId id="313" r:id="rId50"/>
-    <p:sldId id="314" r:id="rId51"/>
-    <p:sldId id="315" r:id="rId52"/>
-    <p:sldId id="316" r:id="rId53"/>
-    <p:sldId id="317" r:id="rId54"/>
-    <p:sldId id="318" r:id="rId55"/>
-    <p:sldId id="319" r:id="rId56"/>
-    <p:sldId id="320" r:id="rId57"/>
-    <p:sldId id="388" r:id="rId58"/>
-    <p:sldId id="413" r:id="rId59"/>
-    <p:sldId id="321" r:id="rId60"/>
-    <p:sldId id="322" r:id="rId61"/>
-    <p:sldId id="323" r:id="rId62"/>
+    <p:sldId id="300" r:id="rId33"/>
+    <p:sldId id="404" r:id="rId34"/>
+    <p:sldId id="405" r:id="rId35"/>
+    <p:sldId id="301" r:id="rId36"/>
+    <p:sldId id="360" r:id="rId37"/>
+    <p:sldId id="407" r:id="rId38"/>
+    <p:sldId id="307" r:id="rId39"/>
+    <p:sldId id="411" r:id="rId40"/>
+    <p:sldId id="410" r:id="rId41"/>
+    <p:sldId id="309" r:id="rId42"/>
+    <p:sldId id="310" r:id="rId43"/>
+    <p:sldId id="311" r:id="rId44"/>
+    <p:sldId id="412" r:id="rId45"/>
+    <p:sldId id="312" r:id="rId46"/>
+    <p:sldId id="313" r:id="rId47"/>
+    <p:sldId id="314" r:id="rId48"/>
+    <p:sldId id="315" r:id="rId49"/>
+    <p:sldId id="316" r:id="rId50"/>
+    <p:sldId id="317" r:id="rId51"/>
+    <p:sldId id="318" r:id="rId52"/>
+    <p:sldId id="319" r:id="rId53"/>
+    <p:sldId id="320" r:id="rId54"/>
+    <p:sldId id="388" r:id="rId55"/>
+    <p:sldId id="413" r:id="rId56"/>
+    <p:sldId id="321" r:id="rId57"/>
+    <p:sldId id="322" r:id="rId58"/>
+    <p:sldId id="323" r:id="rId59"/>
   </p:sldIdLst>
   <p:sldSz cx="9144000" cy="6858000" type="screen4x3"/>
   <p:notesSz cx="6858000" cy="9144000"/>
@@ -211,11 +208,8 @@
             <p14:sldId id="291"/>
             <p14:sldId id="292"/>
             <p14:sldId id="403"/>
-            <p14:sldId id="390"/>
-            <p14:sldId id="389"/>
             <p14:sldId id="300"/>
             <p14:sldId id="404"/>
-            <p14:sldId id="358"/>
             <p14:sldId id="405"/>
             <p14:sldId id="301"/>
           </p14:sldIdLst>
@@ -3285,7 +3279,7 @@
           <a:p>
             <a:fld id="{E7E14B90-FC48-494B-ABB4-C7CAA3D3251A}" type="datetimeFigureOut">
               <a:rPr lang="sk-SK" smtClean="0"/>
-              <a:t>30.10.2022</a:t>
+              <a:t>1.11.2022</a:t>
             </a:fld>
             <a:endParaRPr lang="sk-SK"/>
           </a:p>
@@ -3980,7 +3974,7 @@
           <a:p>
             <a:fld id="{7F91776C-ADA2-49A3-B9C5-D05FF405A13B}" type="slidenum">
               <a:rPr lang="sk-SK" smtClean="0"/>
-              <a:t>42</a:t>
+              <a:t>39</a:t>
             </a:fld>
             <a:endParaRPr lang="sk-SK"/>
           </a:p>
@@ -4064,7 +4058,7 @@
           <a:p>
             <a:fld id="{7F91776C-ADA2-49A3-B9C5-D05FF405A13B}" type="slidenum">
               <a:rPr lang="sk-SK" smtClean="0"/>
-              <a:t>44</a:t>
+              <a:t>41</a:t>
             </a:fld>
             <a:endParaRPr lang="sk-SK"/>
           </a:p>
@@ -4148,7 +4142,7 @@
           <a:p>
             <a:fld id="{7F91776C-ADA2-49A3-B9C5-D05FF405A13B}" type="slidenum">
               <a:rPr lang="sk-SK" smtClean="0"/>
-              <a:t>45</a:t>
+              <a:t>42</a:t>
             </a:fld>
             <a:endParaRPr lang="sk-SK"/>
           </a:p>
@@ -4232,7 +4226,7 @@
           <a:p>
             <a:fld id="{7F91776C-ADA2-49A3-B9C5-D05FF405A13B}" type="slidenum">
               <a:rPr lang="sk-SK" smtClean="0"/>
-              <a:t>49</a:t>
+              <a:t>46</a:t>
             </a:fld>
             <a:endParaRPr lang="sk-SK"/>
           </a:p>
@@ -4316,7 +4310,7 @@
           <a:p>
             <a:fld id="{7F91776C-ADA2-49A3-B9C5-D05FF405A13B}" type="slidenum">
               <a:rPr lang="sk-SK" smtClean="0"/>
-              <a:t>51</a:t>
+              <a:t>48</a:t>
             </a:fld>
             <a:endParaRPr lang="sk-SK"/>
           </a:p>
@@ -4400,7 +4394,7 @@
           <a:p>
             <a:fld id="{7F91776C-ADA2-49A3-B9C5-D05FF405A13B}" type="slidenum">
               <a:rPr lang="sk-SK" smtClean="0"/>
-              <a:t>54</a:t>
+              <a:t>51</a:t>
             </a:fld>
             <a:endParaRPr lang="sk-SK"/>
           </a:p>
@@ -5312,7 +5306,7 @@
           <a:p>
             <a:fld id="{BE6408A6-CBB4-4D3C-8C28-F46547878EE8}" type="datetimeFigureOut">
               <a:rPr lang="sk-SK" smtClean="0"/>
-              <a:t>30.10.2022</a:t>
+              <a:t>1.11.2022</a:t>
             </a:fld>
             <a:endParaRPr lang="sk-SK"/>
           </a:p>
@@ -5480,7 +5474,7 @@
           <a:p>
             <a:fld id="{BE6408A6-CBB4-4D3C-8C28-F46547878EE8}" type="datetimeFigureOut">
               <a:rPr lang="sk-SK" smtClean="0"/>
-              <a:t>30.10.2022</a:t>
+              <a:t>1.11.2022</a:t>
             </a:fld>
             <a:endParaRPr lang="sk-SK"/>
           </a:p>
@@ -5658,7 +5652,7 @@
           <a:p>
             <a:fld id="{BE6408A6-CBB4-4D3C-8C28-F46547878EE8}" type="datetimeFigureOut">
               <a:rPr lang="sk-SK" smtClean="0"/>
-              <a:t>30.10.2022</a:t>
+              <a:t>1.11.2022</a:t>
             </a:fld>
             <a:endParaRPr lang="sk-SK"/>
           </a:p>
@@ -5834,7 +5828,7 @@
           <a:p>
             <a:fld id="{BE6408A6-CBB4-4D3C-8C28-F46547878EE8}" type="datetimeFigureOut">
               <a:rPr lang="sk-SK" smtClean="0"/>
-              <a:t>30.10.2022</a:t>
+              <a:t>1.11.2022</a:t>
             </a:fld>
             <a:endParaRPr lang="sk-SK"/>
           </a:p>
@@ -6111,7 +6105,7 @@
           <a:p>
             <a:fld id="{BE6408A6-CBB4-4D3C-8C28-F46547878EE8}" type="datetimeFigureOut">
               <a:rPr lang="sk-SK" smtClean="0"/>
-              <a:t>30.10.2022</a:t>
+              <a:t>1.11.2022</a:t>
             </a:fld>
             <a:endParaRPr lang="sk-SK"/>
           </a:p>
@@ -6396,7 +6390,7 @@
           <a:p>
             <a:fld id="{BE6408A6-CBB4-4D3C-8C28-F46547878EE8}" type="datetimeFigureOut">
               <a:rPr lang="sk-SK" smtClean="0"/>
-              <a:t>30.10.2022</a:t>
+              <a:t>1.11.2022</a:t>
             </a:fld>
             <a:endParaRPr lang="sk-SK"/>
           </a:p>
@@ -6815,7 +6809,7 @@
           <a:p>
             <a:fld id="{BE6408A6-CBB4-4D3C-8C28-F46547878EE8}" type="datetimeFigureOut">
               <a:rPr lang="sk-SK" smtClean="0"/>
-              <a:t>30.10.2022</a:t>
+              <a:t>1.11.2022</a:t>
             </a:fld>
             <a:endParaRPr lang="sk-SK"/>
           </a:p>
@@ -6932,7 +6926,7 @@
           <a:p>
             <a:fld id="{BE6408A6-CBB4-4D3C-8C28-F46547878EE8}" type="datetimeFigureOut">
               <a:rPr lang="sk-SK" smtClean="0"/>
-              <a:t>30.10.2022</a:t>
+              <a:t>1.11.2022</a:t>
             </a:fld>
             <a:endParaRPr lang="sk-SK"/>
           </a:p>
@@ -7027,7 +7021,7 @@
           <a:p>
             <a:fld id="{BE6408A6-CBB4-4D3C-8C28-F46547878EE8}" type="datetimeFigureOut">
               <a:rPr lang="sk-SK" smtClean="0"/>
-              <a:t>30.10.2022</a:t>
+              <a:t>1.11.2022</a:t>
             </a:fld>
             <a:endParaRPr lang="sk-SK"/>
           </a:p>
@@ -7302,7 +7296,7 @@
           <a:p>
             <a:fld id="{BE6408A6-CBB4-4D3C-8C28-F46547878EE8}" type="datetimeFigureOut">
               <a:rPr lang="sk-SK" smtClean="0"/>
-              <a:t>30.10.2022</a:t>
+              <a:t>1.11.2022</a:t>
             </a:fld>
             <a:endParaRPr lang="sk-SK"/>
           </a:p>
@@ -7554,7 +7548,7 @@
           <a:p>
             <a:fld id="{BE6408A6-CBB4-4D3C-8C28-F46547878EE8}" type="datetimeFigureOut">
               <a:rPr lang="sk-SK" smtClean="0"/>
-              <a:t>30.10.2022</a:t>
+              <a:t>1.11.2022</a:t>
             </a:fld>
             <a:endParaRPr lang="sk-SK"/>
           </a:p>
@@ -7768,7 +7762,7 @@
           <a:p>
             <a:fld id="{BE6408A6-CBB4-4D3C-8C28-F46547878EE8}" type="datetimeFigureOut">
               <a:rPr lang="sk-SK" smtClean="0"/>
-              <a:t>30.10.2022</a:t>
+              <a:t>1.11.2022</a:t>
             </a:fld>
             <a:endParaRPr lang="sk-SK"/>
           </a:p>
@@ -13802,7 +13796,35 @@
             <a:pPr marL="0" indent="0" algn="ctr">
               <a:buNone/>
             </a:pPr>
-            <a:endParaRPr lang="en-SK" sz="2800" dirty="0"/>
+            <a:r>
+              <a:rPr lang="en-GB" sz="2800" dirty="0">
+                <a:solidFill>
+                  <a:schemeClr val="bg1"/>
+                </a:solidFill>
+              </a:rPr>
+              <a:t>https://</a:t>
+            </a:r>
+            <a:r>
+              <a:rPr lang="en-GB" sz="2800" dirty="0" err="1">
+                <a:solidFill>
+                  <a:schemeClr val="bg1"/>
+                </a:solidFill>
+              </a:rPr>
+              <a:t>bit.ly</a:t>
+            </a:r>
+            <a:r>
+              <a:rPr lang="en-GB" sz="2800" dirty="0">
+                <a:solidFill>
+                  <a:schemeClr val="bg1"/>
+                </a:solidFill>
+              </a:rPr>
+              <a:t>/3foWz6S</a:t>
+            </a:r>
+            <a:endParaRPr lang="en-SK" sz="2800" dirty="0">
+              <a:solidFill>
+                <a:schemeClr val="bg1"/>
+              </a:solidFill>
+            </a:endParaRPr>
           </a:p>
         </p:txBody>
       </p:sp>
@@ -13838,13 +13860,7 @@
       </p:grpSpPr>
       <p:sp>
         <p:nvSpPr>
-          <p:cNvPr id="8" name="Title 7">
-            <a:extLst>
-              <a:ext uri="{FF2B5EF4-FFF2-40B4-BE49-F238E27FC236}">
-                <a16:creationId xmlns:a16="http://schemas.microsoft.com/office/drawing/2014/main" id="{0AD17F23-DE48-CF4F-A198-6A7F9ADD97A7}"/>
-              </a:ext>
-            </a:extLst>
-          </p:cNvPr>
+          <p:cNvPr id="2" name="Title 1"/>
           <p:cNvSpPr>
             <a:spLocks noGrp="1"/>
           </p:cNvSpPr>
@@ -13858,266 +13874,106 @@
           <a:lstStyle/>
           <a:p>
             <a:r>
-              <a:rPr lang="en-SK" dirty="0"/>
-              <a:t>Java 9 a 10?</a:t>
+              <a:rPr lang="sk-SK" dirty="0"/>
+              <a:t>Ako vytvoriť klienta v </a:t>
+            </a:r>
+            <a:r>
+              <a:rPr lang="sk-SK" dirty="0" err="1"/>
+              <a:t>main</a:t>
+            </a:r>
+            <a:r>
+              <a:rPr lang="sk-SK" dirty="0"/>
+              <a:t>()</a:t>
             </a:r>
           </a:p>
         </p:txBody>
       </p:sp>
       <p:sp>
         <p:nvSpPr>
-          <p:cNvPr id="10" name="Content Placeholder 9">
-            <a:extLst>
-              <a:ext uri="{FF2B5EF4-FFF2-40B4-BE49-F238E27FC236}">
-                <a16:creationId xmlns:a16="http://schemas.microsoft.com/office/drawing/2014/main" id="{F41416F5-627D-3B46-8648-A34CF9BCF529}"/>
-              </a:ext>
-            </a:extLst>
-          </p:cNvPr>
+          <p:cNvPr id="4" name="Content Placeholder 3"/>
           <p:cNvSpPr>
             <a:spLocks noGrp="1"/>
           </p:cNvSpPr>
           <p:nvPr>
-            <p:ph idx="4294967295"/>
+            <p:ph idx="1"/>
           </p:nvPr>
         </p:nvSpPr>
-        <p:spPr>
-          <a:xfrm>
-            <a:off x="457200" y="2348880"/>
-            <a:ext cx="8229600" cy="3777283"/>
-          </a:xfrm>
-        </p:spPr>
+        <p:spPr/>
         <p:txBody>
-          <a:bodyPr>
-            <a:normAutofit/>
-          </a:bodyPr>
+          <a:bodyPr/>
           <a:lstStyle/>
           <a:p>
             <a:r>
-              <a:rPr lang="en-SK" sz="3600" dirty="0"/>
-              <a:t>použite </a:t>
-            </a:r>
-            <a:r>
-              <a:rPr lang="en-SK" sz="3600" b="1" dirty="0">
-                <a:solidFill>
-                  <a:schemeClr val="accent6"/>
-                </a:solidFill>
-              </a:rPr>
-              <a:t>Maven plugin</a:t>
-            </a:r>
-            <a:endParaRPr lang="en-SK" sz="3600" dirty="0"/>
-          </a:p>
-        </p:txBody>
-      </p:sp>
-      <p:sp>
-        <p:nvSpPr>
-          <p:cNvPr id="2" name="Content Placeholder 5">
-            <a:extLst>
-              <a:ext uri="{FF2B5EF4-FFF2-40B4-BE49-F238E27FC236}">
-                <a16:creationId xmlns:a16="http://schemas.microsoft.com/office/drawing/2014/main" id="{591ECF7C-102A-8475-26AD-C3F15E9743BC}"/>
-              </a:ext>
-            </a:extLst>
-          </p:cNvPr>
-          <p:cNvSpPr txBox="1">
-            <a:spLocks/>
-          </p:cNvSpPr>
-          <p:nvPr/>
-        </p:nvSpPr>
-        <p:spPr>
-          <a:xfrm>
-            <a:off x="0" y="5440361"/>
-            <a:ext cx="9144000" cy="1417639"/>
-          </a:xfrm>
-          <a:prstGeom prst="rect">
-            <a:avLst/>
-          </a:prstGeom>
-          <a:solidFill>
-            <a:srgbClr val="9F2B00"/>
-          </a:solidFill>
-          <a:ln>
-            <a:noFill/>
-          </a:ln>
-        </p:spPr>
-        <p:txBody>
-          <a:bodyPr vert="horz" lIns="91440" tIns="45720" rIns="91440" bIns="45720" rtlCol="0" anchor="ctr">
-            <a:normAutofit/>
-          </a:bodyPr>
-          <a:lstStyle>
-            <a:lvl1pPr marL="342900" indent="-342900" algn="l" defTabSz="914400" rtl="0" eaLnBrk="1" latinLnBrk="0" hangingPunct="1">
-              <a:spcBef>
-                <a:spcPct val="20000"/>
-              </a:spcBef>
-              <a:buFont typeface="Arial" pitchFamily="34" charset="0"/>
-              <a:buChar char="•"/>
-              <a:defRPr sz="3200" kern="1200">
-                <a:solidFill>
-                  <a:schemeClr val="tx1"/>
-                </a:solidFill>
-                <a:latin typeface="Lato" panose="020F0502020204030203" pitchFamily="34" charset="0"/>
-                <a:ea typeface="Lato" panose="020F0502020204030203" pitchFamily="34" charset="0"/>
-                <a:cs typeface="Lato" panose="020F0502020204030203" pitchFamily="34" charset="0"/>
-              </a:defRPr>
-            </a:lvl1pPr>
-            <a:lvl2pPr marL="742950" indent="-285750" algn="l" defTabSz="914400" rtl="0" eaLnBrk="1" latinLnBrk="0" hangingPunct="1">
-              <a:spcBef>
-                <a:spcPct val="20000"/>
-              </a:spcBef>
-              <a:buFont typeface="Arial" pitchFamily="34" charset="0"/>
-              <a:buChar char="–"/>
-              <a:defRPr sz="2800" kern="1200">
-                <a:solidFill>
-                  <a:schemeClr val="tx1"/>
-                </a:solidFill>
-                <a:latin typeface="Lato" panose="020F0502020204030203" pitchFamily="34" charset="0"/>
-                <a:ea typeface="Lato" panose="020F0502020204030203" pitchFamily="34" charset="0"/>
-                <a:cs typeface="Lato" panose="020F0502020204030203" pitchFamily="34" charset="0"/>
-              </a:defRPr>
-            </a:lvl2pPr>
-            <a:lvl3pPr marL="1143000" indent="-228600" algn="l" defTabSz="914400" rtl="0" eaLnBrk="1" latinLnBrk="0" hangingPunct="1">
-              <a:spcBef>
-                <a:spcPct val="20000"/>
-              </a:spcBef>
-              <a:buFont typeface="Arial" pitchFamily="34" charset="0"/>
-              <a:buChar char="•"/>
-              <a:defRPr sz="2400" kern="1200">
-                <a:solidFill>
-                  <a:schemeClr val="tx1"/>
-                </a:solidFill>
-                <a:latin typeface="Lato" panose="020F0502020204030203" pitchFamily="34" charset="0"/>
-                <a:ea typeface="Lato" panose="020F0502020204030203" pitchFamily="34" charset="0"/>
-                <a:cs typeface="Lato" panose="020F0502020204030203" pitchFamily="34" charset="0"/>
-              </a:defRPr>
-            </a:lvl3pPr>
-            <a:lvl4pPr marL="1600200" indent="-228600" algn="l" defTabSz="914400" rtl="0" eaLnBrk="1" latinLnBrk="0" hangingPunct="1">
-              <a:spcBef>
-                <a:spcPct val="20000"/>
-              </a:spcBef>
-              <a:buFont typeface="Arial" pitchFamily="34" charset="0"/>
-              <a:buChar char="–"/>
-              <a:defRPr sz="2000" kern="1200">
-                <a:solidFill>
-                  <a:schemeClr val="tx1"/>
-                </a:solidFill>
-                <a:latin typeface="Lato" panose="020F0502020204030203" pitchFamily="34" charset="0"/>
-                <a:ea typeface="Lato" panose="020F0502020204030203" pitchFamily="34" charset="0"/>
-                <a:cs typeface="Lato" panose="020F0502020204030203" pitchFamily="34" charset="0"/>
-              </a:defRPr>
-            </a:lvl4pPr>
-            <a:lvl5pPr marL="2057400" indent="-228600" algn="l" defTabSz="914400" rtl="0" eaLnBrk="1" latinLnBrk="0" hangingPunct="1">
-              <a:spcBef>
-                <a:spcPct val="20000"/>
-              </a:spcBef>
-              <a:buFont typeface="Arial" pitchFamily="34" charset="0"/>
-              <a:buChar char="»"/>
-              <a:defRPr sz="2000" kern="1200">
-                <a:solidFill>
-                  <a:schemeClr val="tx1"/>
-                </a:solidFill>
-                <a:latin typeface="Lato" panose="020F0502020204030203" pitchFamily="34" charset="0"/>
-                <a:ea typeface="Lato" panose="020F0502020204030203" pitchFamily="34" charset="0"/>
-                <a:cs typeface="Lato" panose="020F0502020204030203" pitchFamily="34" charset="0"/>
-              </a:defRPr>
-            </a:lvl5pPr>
-            <a:lvl6pPr marL="2514600" indent="-228600" algn="l" defTabSz="914400" rtl="0" eaLnBrk="1" latinLnBrk="0" hangingPunct="1">
-              <a:spcBef>
-                <a:spcPct val="20000"/>
-              </a:spcBef>
-              <a:buFont typeface="Arial" pitchFamily="34" charset="0"/>
-              <a:buChar char="•"/>
-              <a:defRPr sz="2000" kern="1200">
-                <a:solidFill>
-                  <a:schemeClr val="tx1"/>
-                </a:solidFill>
-                <a:latin typeface="+mn-lt"/>
-                <a:ea typeface="+mn-ea"/>
-                <a:cs typeface="+mn-cs"/>
-              </a:defRPr>
-            </a:lvl6pPr>
-            <a:lvl7pPr marL="2971800" indent="-228600" algn="l" defTabSz="914400" rtl="0" eaLnBrk="1" latinLnBrk="0" hangingPunct="1">
-              <a:spcBef>
-                <a:spcPct val="20000"/>
-              </a:spcBef>
-              <a:buFont typeface="Arial" pitchFamily="34" charset="0"/>
-              <a:buChar char="•"/>
-              <a:defRPr sz="2000" kern="1200">
-                <a:solidFill>
-                  <a:schemeClr val="tx1"/>
-                </a:solidFill>
-                <a:latin typeface="+mn-lt"/>
-                <a:ea typeface="+mn-ea"/>
-                <a:cs typeface="+mn-cs"/>
-              </a:defRPr>
-            </a:lvl7pPr>
-            <a:lvl8pPr marL="3429000" indent="-228600" algn="l" defTabSz="914400" rtl="0" eaLnBrk="1" latinLnBrk="0" hangingPunct="1">
-              <a:spcBef>
-                <a:spcPct val="20000"/>
-              </a:spcBef>
-              <a:buFont typeface="Arial" pitchFamily="34" charset="0"/>
-              <a:buChar char="•"/>
-              <a:defRPr sz="2000" kern="1200">
-                <a:solidFill>
-                  <a:schemeClr val="tx1"/>
-                </a:solidFill>
-                <a:latin typeface="+mn-lt"/>
-                <a:ea typeface="+mn-ea"/>
-                <a:cs typeface="+mn-cs"/>
-              </a:defRPr>
-            </a:lvl8pPr>
-            <a:lvl9pPr marL="3886200" indent="-228600" algn="l" defTabSz="914400" rtl="0" eaLnBrk="1" latinLnBrk="0" hangingPunct="1">
-              <a:spcBef>
-                <a:spcPct val="20000"/>
-              </a:spcBef>
-              <a:buFont typeface="Arial" pitchFamily="34" charset="0"/>
-              <a:buChar char="•"/>
-              <a:defRPr sz="2000" kern="1200">
-                <a:solidFill>
-                  <a:schemeClr val="tx1"/>
-                </a:solidFill>
-                <a:latin typeface="+mn-lt"/>
-                <a:ea typeface="+mn-ea"/>
-                <a:cs typeface="+mn-cs"/>
-              </a:defRPr>
-            </a:lvl9pPr>
-          </a:lstStyle>
-          <a:p>
-            <a:pPr marL="0" indent="0" algn="ctr">
-              <a:buNone/>
-            </a:pPr>
-            <a:r>
-              <a:rPr lang="en-GB" sz="2800" dirty="0">
-                <a:solidFill>
-                  <a:schemeClr val="bg1"/>
-                </a:solidFill>
-              </a:rPr>
-              <a:t>https://</a:t>
-            </a:r>
-            <a:r>
-              <a:rPr lang="en-GB" sz="2800" dirty="0" err="1">
-                <a:solidFill>
-                  <a:schemeClr val="bg1"/>
-                </a:solidFill>
-              </a:rPr>
-              <a:t>bit.ly</a:t>
-            </a:r>
-            <a:r>
-              <a:rPr lang="en-GB" sz="2800" dirty="0">
-                <a:solidFill>
-                  <a:schemeClr val="bg1"/>
-                </a:solidFill>
-              </a:rPr>
-              <a:t>/2RJkgHD</a:t>
-            </a:r>
-            <a:endParaRPr lang="en-SK" sz="2800" dirty="0">
+              <a:rPr lang="sk-SK" dirty="0"/>
+              <a:t>stvoríme továreň na </a:t>
+            </a:r>
+            <a:r>
+              <a:rPr lang="sk-SK" dirty="0" err="1">
+                <a:solidFill>
+                  <a:srgbClr val="9F2B00"/>
+                </a:solidFill>
+              </a:rPr>
+              <a:t>webservisy</a:t>
+            </a:r>
+            <a:endParaRPr lang="sk-SK" dirty="0">
               <a:solidFill>
-                <a:schemeClr val="bg1"/>
+                <a:srgbClr val="9F2B00"/>
               </a:solidFill>
             </a:endParaRPr>
+          </a:p>
+          <a:p>
+            <a:r>
+              <a:rPr lang="sk-SK" dirty="0"/>
+              <a:t>továreň vyprodukuje </a:t>
+            </a:r>
+            <a:r>
+              <a:rPr lang="sk-SK" dirty="0">
+                <a:solidFill>
+                  <a:srgbClr val="9F2B00"/>
+                </a:solidFill>
+              </a:rPr>
+              <a:t>port</a:t>
+            </a:r>
+            <a:r>
+              <a:rPr lang="sk-SK" dirty="0"/>
+              <a:t> </a:t>
+            </a:r>
+          </a:p>
+          <a:p>
+            <a:pPr lvl="1"/>
+            <a:r>
+              <a:rPr lang="sk-SK" dirty="0" err="1"/>
+              <a:t>webservis</a:t>
+            </a:r>
+            <a:r>
+              <a:rPr lang="sk-SK" dirty="0"/>
+              <a:t> s operáciami</a:t>
+            </a:r>
+          </a:p>
+          <a:p>
+            <a:r>
+              <a:rPr lang="sk-SK" dirty="0"/>
+              <a:t>na porte voláme </a:t>
+            </a:r>
+            <a:r>
+              <a:rPr lang="sk-SK" dirty="0">
+                <a:solidFill>
+                  <a:srgbClr val="9F2B00"/>
+                </a:solidFill>
+              </a:rPr>
+              <a:t>metódy</a:t>
+            </a:r>
+            <a:r>
+              <a:rPr lang="sk-SK" dirty="0"/>
+              <a:t> zodpovedajúce operáciám</a:t>
+            </a:r>
           </a:p>
         </p:txBody>
       </p:sp>
     </p:spTree>
     <p:extLst>
       <p:ext uri="{BB962C8B-B14F-4D97-AF65-F5344CB8AC3E}">
-        <p14:creationId xmlns:p14="http://schemas.microsoft.com/office/powerpoint/2010/main" val="711464683"/>
+        <p14:creationId xmlns:p14="http://schemas.microsoft.com/office/powerpoint/2010/main" val="2780810274"/>
       </p:ext>
     </p:extLst>
   </p:cSld>
@@ -14146,492 +14002,6 @@
       </p:grpSpPr>
       <p:sp>
         <p:nvSpPr>
-          <p:cNvPr id="8" name="Title 7">
-            <a:extLst>
-              <a:ext uri="{FF2B5EF4-FFF2-40B4-BE49-F238E27FC236}">
-                <a16:creationId xmlns:a16="http://schemas.microsoft.com/office/drawing/2014/main" id="{0AD17F23-DE48-CF4F-A198-6A7F9ADD97A7}"/>
-              </a:ext>
-            </a:extLst>
-          </p:cNvPr>
-          <p:cNvSpPr>
-            <a:spLocks noGrp="1"/>
-          </p:cNvSpPr>
-          <p:nvPr>
-            <p:ph type="title"/>
-          </p:nvPr>
-        </p:nvSpPr>
-        <p:spPr/>
-        <p:txBody>
-          <a:bodyPr/>
-          <a:lstStyle/>
-          <a:p>
-            <a:r>
-              <a:rPr lang="en-SK" dirty="0"/>
-              <a:t>Java 6, 7 a 8?</a:t>
-            </a:r>
-          </a:p>
-        </p:txBody>
-      </p:sp>
-      <p:sp>
-        <p:nvSpPr>
-          <p:cNvPr id="10" name="Content Placeholder 9">
-            <a:extLst>
-              <a:ext uri="{FF2B5EF4-FFF2-40B4-BE49-F238E27FC236}">
-                <a16:creationId xmlns:a16="http://schemas.microsoft.com/office/drawing/2014/main" id="{F41416F5-627D-3B46-8648-A34CF9BCF529}"/>
-              </a:ext>
-            </a:extLst>
-          </p:cNvPr>
-          <p:cNvSpPr>
-            <a:spLocks noGrp="1"/>
-          </p:cNvSpPr>
-          <p:nvPr>
-            <p:ph idx="4294967295"/>
-          </p:nvPr>
-        </p:nvSpPr>
-        <p:spPr>
-          <a:xfrm>
-            <a:off x="457200" y="2348881"/>
-            <a:ext cx="8229600" cy="1080120"/>
-          </a:xfrm>
-        </p:spPr>
-        <p:txBody>
-          <a:bodyPr>
-            <a:normAutofit/>
-          </a:bodyPr>
-          <a:lstStyle/>
-          <a:p>
-            <a:r>
-              <a:rPr lang="en-SK" sz="3600" dirty="0"/>
-              <a:t>použite </a:t>
-            </a:r>
-            <a:r>
-              <a:rPr lang="en-SK" sz="3600" b="1" dirty="0">
-                <a:solidFill>
-                  <a:srgbClr val="D3750C"/>
-                </a:solidFill>
-              </a:rPr>
-              <a:t>SoapUI</a:t>
-            </a:r>
-            <a:r>
-              <a:rPr lang="en-SK" sz="3600" dirty="0"/>
-              <a:t> a </a:t>
-            </a:r>
-            <a:r>
-              <a:rPr lang="en-SK" sz="3600" b="1" dirty="0">
-                <a:solidFill>
-                  <a:srgbClr val="D3750C"/>
-                </a:solidFill>
-              </a:rPr>
-              <a:t>wsimport</a:t>
-            </a:r>
-            <a:r>
-              <a:rPr lang="en-SK" sz="3600" dirty="0"/>
-              <a:t> z JDK </a:t>
-            </a:r>
-          </a:p>
-        </p:txBody>
-      </p:sp>
-      <p:sp>
-        <p:nvSpPr>
-          <p:cNvPr id="2" name="Content Placeholder 5">
-            <a:extLst>
-              <a:ext uri="{FF2B5EF4-FFF2-40B4-BE49-F238E27FC236}">
-                <a16:creationId xmlns:a16="http://schemas.microsoft.com/office/drawing/2014/main" id="{ABD263AB-9154-4F56-F56F-911EDCF2DA84}"/>
-              </a:ext>
-            </a:extLst>
-          </p:cNvPr>
-          <p:cNvSpPr txBox="1">
-            <a:spLocks/>
-          </p:cNvSpPr>
-          <p:nvPr/>
-        </p:nvSpPr>
-        <p:spPr>
-          <a:xfrm>
-            <a:off x="0" y="5440361"/>
-            <a:ext cx="9144000" cy="1417639"/>
-          </a:xfrm>
-          <a:prstGeom prst="rect">
-            <a:avLst/>
-          </a:prstGeom>
-          <a:solidFill>
-            <a:srgbClr val="9F2B00"/>
-          </a:solidFill>
-          <a:ln>
-            <a:noFill/>
-          </a:ln>
-        </p:spPr>
-        <p:txBody>
-          <a:bodyPr vert="horz" lIns="91440" tIns="45720" rIns="91440" bIns="45720" rtlCol="0" anchor="ctr">
-            <a:normAutofit/>
-          </a:bodyPr>
-          <a:lstStyle>
-            <a:lvl1pPr marL="342900" indent="-342900" algn="l" defTabSz="914400" rtl="0" eaLnBrk="1" latinLnBrk="0" hangingPunct="1">
-              <a:spcBef>
-                <a:spcPct val="20000"/>
-              </a:spcBef>
-              <a:buFont typeface="Arial" pitchFamily="34" charset="0"/>
-              <a:buChar char="•"/>
-              <a:defRPr sz="3200" kern="1200">
-                <a:solidFill>
-                  <a:schemeClr val="tx1"/>
-                </a:solidFill>
-                <a:latin typeface="Lato" panose="020F0502020204030203" pitchFamily="34" charset="0"/>
-                <a:ea typeface="Lato" panose="020F0502020204030203" pitchFamily="34" charset="0"/>
-                <a:cs typeface="Lato" panose="020F0502020204030203" pitchFamily="34" charset="0"/>
-              </a:defRPr>
-            </a:lvl1pPr>
-            <a:lvl2pPr marL="742950" indent="-285750" algn="l" defTabSz="914400" rtl="0" eaLnBrk="1" latinLnBrk="0" hangingPunct="1">
-              <a:spcBef>
-                <a:spcPct val="20000"/>
-              </a:spcBef>
-              <a:buFont typeface="Arial" pitchFamily="34" charset="0"/>
-              <a:buChar char="–"/>
-              <a:defRPr sz="2800" kern="1200">
-                <a:solidFill>
-                  <a:schemeClr val="tx1"/>
-                </a:solidFill>
-                <a:latin typeface="Lato" panose="020F0502020204030203" pitchFamily="34" charset="0"/>
-                <a:ea typeface="Lato" panose="020F0502020204030203" pitchFamily="34" charset="0"/>
-                <a:cs typeface="Lato" panose="020F0502020204030203" pitchFamily="34" charset="0"/>
-              </a:defRPr>
-            </a:lvl2pPr>
-            <a:lvl3pPr marL="1143000" indent="-228600" algn="l" defTabSz="914400" rtl="0" eaLnBrk="1" latinLnBrk="0" hangingPunct="1">
-              <a:spcBef>
-                <a:spcPct val="20000"/>
-              </a:spcBef>
-              <a:buFont typeface="Arial" pitchFamily="34" charset="0"/>
-              <a:buChar char="•"/>
-              <a:defRPr sz="2400" kern="1200">
-                <a:solidFill>
-                  <a:schemeClr val="tx1"/>
-                </a:solidFill>
-                <a:latin typeface="Lato" panose="020F0502020204030203" pitchFamily="34" charset="0"/>
-                <a:ea typeface="Lato" panose="020F0502020204030203" pitchFamily="34" charset="0"/>
-                <a:cs typeface="Lato" panose="020F0502020204030203" pitchFamily="34" charset="0"/>
-              </a:defRPr>
-            </a:lvl3pPr>
-            <a:lvl4pPr marL="1600200" indent="-228600" algn="l" defTabSz="914400" rtl="0" eaLnBrk="1" latinLnBrk="0" hangingPunct="1">
-              <a:spcBef>
-                <a:spcPct val="20000"/>
-              </a:spcBef>
-              <a:buFont typeface="Arial" pitchFamily="34" charset="0"/>
-              <a:buChar char="–"/>
-              <a:defRPr sz="2000" kern="1200">
-                <a:solidFill>
-                  <a:schemeClr val="tx1"/>
-                </a:solidFill>
-                <a:latin typeface="Lato" panose="020F0502020204030203" pitchFamily="34" charset="0"/>
-                <a:ea typeface="Lato" panose="020F0502020204030203" pitchFamily="34" charset="0"/>
-                <a:cs typeface="Lato" panose="020F0502020204030203" pitchFamily="34" charset="0"/>
-              </a:defRPr>
-            </a:lvl4pPr>
-            <a:lvl5pPr marL="2057400" indent="-228600" algn="l" defTabSz="914400" rtl="0" eaLnBrk="1" latinLnBrk="0" hangingPunct="1">
-              <a:spcBef>
-                <a:spcPct val="20000"/>
-              </a:spcBef>
-              <a:buFont typeface="Arial" pitchFamily="34" charset="0"/>
-              <a:buChar char="»"/>
-              <a:defRPr sz="2000" kern="1200">
-                <a:solidFill>
-                  <a:schemeClr val="tx1"/>
-                </a:solidFill>
-                <a:latin typeface="Lato" panose="020F0502020204030203" pitchFamily="34" charset="0"/>
-                <a:ea typeface="Lato" panose="020F0502020204030203" pitchFamily="34" charset="0"/>
-                <a:cs typeface="Lato" panose="020F0502020204030203" pitchFamily="34" charset="0"/>
-              </a:defRPr>
-            </a:lvl5pPr>
-            <a:lvl6pPr marL="2514600" indent="-228600" algn="l" defTabSz="914400" rtl="0" eaLnBrk="1" latinLnBrk="0" hangingPunct="1">
-              <a:spcBef>
-                <a:spcPct val="20000"/>
-              </a:spcBef>
-              <a:buFont typeface="Arial" pitchFamily="34" charset="0"/>
-              <a:buChar char="•"/>
-              <a:defRPr sz="2000" kern="1200">
-                <a:solidFill>
-                  <a:schemeClr val="tx1"/>
-                </a:solidFill>
-                <a:latin typeface="+mn-lt"/>
-                <a:ea typeface="+mn-ea"/>
-                <a:cs typeface="+mn-cs"/>
-              </a:defRPr>
-            </a:lvl6pPr>
-            <a:lvl7pPr marL="2971800" indent="-228600" algn="l" defTabSz="914400" rtl="0" eaLnBrk="1" latinLnBrk="0" hangingPunct="1">
-              <a:spcBef>
-                <a:spcPct val="20000"/>
-              </a:spcBef>
-              <a:buFont typeface="Arial" pitchFamily="34" charset="0"/>
-              <a:buChar char="•"/>
-              <a:defRPr sz="2000" kern="1200">
-                <a:solidFill>
-                  <a:schemeClr val="tx1"/>
-                </a:solidFill>
-                <a:latin typeface="+mn-lt"/>
-                <a:ea typeface="+mn-ea"/>
-                <a:cs typeface="+mn-cs"/>
-              </a:defRPr>
-            </a:lvl7pPr>
-            <a:lvl8pPr marL="3429000" indent="-228600" algn="l" defTabSz="914400" rtl="0" eaLnBrk="1" latinLnBrk="0" hangingPunct="1">
-              <a:spcBef>
-                <a:spcPct val="20000"/>
-              </a:spcBef>
-              <a:buFont typeface="Arial" pitchFamily="34" charset="0"/>
-              <a:buChar char="•"/>
-              <a:defRPr sz="2000" kern="1200">
-                <a:solidFill>
-                  <a:schemeClr val="tx1"/>
-                </a:solidFill>
-                <a:latin typeface="+mn-lt"/>
-                <a:ea typeface="+mn-ea"/>
-                <a:cs typeface="+mn-cs"/>
-              </a:defRPr>
-            </a:lvl8pPr>
-            <a:lvl9pPr marL="3886200" indent="-228600" algn="l" defTabSz="914400" rtl="0" eaLnBrk="1" latinLnBrk="0" hangingPunct="1">
-              <a:spcBef>
-                <a:spcPct val="20000"/>
-              </a:spcBef>
-              <a:buFont typeface="Arial" pitchFamily="34" charset="0"/>
-              <a:buChar char="•"/>
-              <a:defRPr sz="2000" kern="1200">
-                <a:solidFill>
-                  <a:schemeClr val="tx1"/>
-                </a:solidFill>
-                <a:latin typeface="+mn-lt"/>
-                <a:ea typeface="+mn-ea"/>
-                <a:cs typeface="+mn-cs"/>
-              </a:defRPr>
-            </a:lvl9pPr>
-          </a:lstStyle>
-          <a:p>
-            <a:pPr marL="0" indent="0" algn="ctr">
-              <a:buNone/>
-            </a:pPr>
-            <a:r>
-              <a:rPr lang="en-GB" sz="2800" dirty="0">
-                <a:solidFill>
-                  <a:schemeClr val="bg1"/>
-                </a:solidFill>
-                <a:hlinkClick r:id="rId2">
-                  <a:extLst>
-                    <a:ext uri="{A12FA001-AC4F-418D-AE19-62706E023703}">
-                      <ahyp:hlinkClr xmlns:ahyp="http://schemas.microsoft.com/office/drawing/2018/hyperlinkcolor" val="tx"/>
-                    </a:ext>
-                  </a:extLst>
-                </a:hlinkClick>
-              </a:rPr>
-              <a:t>https://</a:t>
-            </a:r>
-            <a:r>
-              <a:rPr lang="en-GB" sz="2800" dirty="0" err="1">
-                <a:solidFill>
-                  <a:schemeClr val="bg1"/>
-                </a:solidFill>
-                <a:hlinkClick r:id="rId2">
-                  <a:extLst>
-                    <a:ext uri="{A12FA001-AC4F-418D-AE19-62706E023703}">
-                      <ahyp:hlinkClr xmlns:ahyp="http://schemas.microsoft.com/office/drawing/2018/hyperlinkcolor" val="tx"/>
-                    </a:ext>
-                  </a:extLst>
-                </a:hlinkClick>
-              </a:rPr>
-              <a:t>bit.ly</a:t>
-            </a:r>
-            <a:r>
-              <a:rPr lang="en-GB" sz="2800" dirty="0">
-                <a:solidFill>
-                  <a:schemeClr val="bg1"/>
-                </a:solidFill>
-                <a:hlinkClick r:id="rId2">
-                  <a:extLst>
-                    <a:ext uri="{A12FA001-AC4F-418D-AE19-62706E023703}">
-                      <ahyp:hlinkClr xmlns:ahyp="http://schemas.microsoft.com/office/drawing/2018/hyperlinkcolor" val="tx"/>
-                    </a:ext>
-                  </a:extLst>
-                </a:hlinkClick>
-              </a:rPr>
-              <a:t>/35Z9Hs6</a:t>
-            </a:r>
-            <a:endParaRPr lang="en-SK" sz="2800" dirty="0">
-              <a:solidFill>
-                <a:schemeClr val="bg1"/>
-              </a:solidFill>
-            </a:endParaRPr>
-          </a:p>
-        </p:txBody>
-      </p:sp>
-    </p:spTree>
-    <p:extLst>
-      <p:ext uri="{BB962C8B-B14F-4D97-AF65-F5344CB8AC3E}">
-        <p14:creationId xmlns:p14="http://schemas.microsoft.com/office/powerpoint/2010/main" val="4128256879"/>
-      </p:ext>
-    </p:extLst>
-  </p:cSld>
-  <p:clrMapOvr>
-    <a:masterClrMapping/>
-  </p:clrMapOvr>
-</p:sld>
-</file>
-
-<file path=ppt/slides/slide34.xml><?xml version="1.0" encoding="utf-8"?>
-<p:sld xmlns:a="http://schemas.openxmlformats.org/drawingml/2006/main" xmlns:r="http://schemas.openxmlformats.org/officeDocument/2006/relationships" xmlns:p="http://schemas.openxmlformats.org/presentationml/2006/main">
-  <p:cSld>
-    <p:spTree>
-      <p:nvGrpSpPr>
-        <p:cNvPr id="1" name=""/>
-        <p:cNvGrpSpPr/>
-        <p:nvPr/>
-      </p:nvGrpSpPr>
-      <p:grpSpPr>
-        <a:xfrm>
-          <a:off x="0" y="0"/>
-          <a:ext cx="0" cy="0"/>
-          <a:chOff x="0" y="0"/>
-          <a:chExt cx="0" cy="0"/>
-        </a:xfrm>
-      </p:grpSpPr>
-      <p:sp>
-        <p:nvSpPr>
-          <p:cNvPr id="2" name="Title 1"/>
-          <p:cNvSpPr>
-            <a:spLocks noGrp="1"/>
-          </p:cNvSpPr>
-          <p:nvPr>
-            <p:ph type="title"/>
-          </p:nvPr>
-        </p:nvSpPr>
-        <p:spPr/>
-        <p:txBody>
-          <a:bodyPr/>
-          <a:lstStyle/>
-          <a:p>
-            <a:r>
-              <a:rPr lang="sk-SK" dirty="0"/>
-              <a:t>Ako vytvoriť klienta v </a:t>
-            </a:r>
-            <a:r>
-              <a:rPr lang="sk-SK" dirty="0" err="1"/>
-              <a:t>main</a:t>
-            </a:r>
-            <a:r>
-              <a:rPr lang="sk-SK" dirty="0"/>
-              <a:t>()</a:t>
-            </a:r>
-          </a:p>
-        </p:txBody>
-      </p:sp>
-      <p:sp>
-        <p:nvSpPr>
-          <p:cNvPr id="4" name="Content Placeholder 3"/>
-          <p:cNvSpPr>
-            <a:spLocks noGrp="1"/>
-          </p:cNvSpPr>
-          <p:nvPr>
-            <p:ph idx="1"/>
-          </p:nvPr>
-        </p:nvSpPr>
-        <p:spPr/>
-        <p:txBody>
-          <a:bodyPr/>
-          <a:lstStyle/>
-          <a:p>
-            <a:r>
-              <a:rPr lang="sk-SK" dirty="0"/>
-              <a:t>stvoríme továreň na </a:t>
-            </a:r>
-            <a:r>
-              <a:rPr lang="sk-SK" dirty="0" err="1">
-                <a:solidFill>
-                  <a:srgbClr val="9F2B00"/>
-                </a:solidFill>
-              </a:rPr>
-              <a:t>webservisy</a:t>
-            </a:r>
-            <a:endParaRPr lang="sk-SK" dirty="0">
-              <a:solidFill>
-                <a:srgbClr val="9F2B00"/>
-              </a:solidFill>
-            </a:endParaRPr>
-          </a:p>
-          <a:p>
-            <a:r>
-              <a:rPr lang="sk-SK" dirty="0"/>
-              <a:t>továreň vyprodukuje </a:t>
-            </a:r>
-            <a:r>
-              <a:rPr lang="sk-SK" dirty="0">
-                <a:solidFill>
-                  <a:srgbClr val="9F2B00"/>
-                </a:solidFill>
-              </a:rPr>
-              <a:t>port</a:t>
-            </a:r>
-            <a:r>
-              <a:rPr lang="sk-SK" dirty="0"/>
-              <a:t> </a:t>
-            </a:r>
-          </a:p>
-          <a:p>
-            <a:pPr lvl="1"/>
-            <a:r>
-              <a:rPr lang="sk-SK" dirty="0" err="1"/>
-              <a:t>webservis</a:t>
-            </a:r>
-            <a:r>
-              <a:rPr lang="sk-SK" dirty="0"/>
-              <a:t> s operáciami</a:t>
-            </a:r>
-          </a:p>
-          <a:p>
-            <a:r>
-              <a:rPr lang="sk-SK" dirty="0"/>
-              <a:t>na porte voláme </a:t>
-            </a:r>
-            <a:r>
-              <a:rPr lang="sk-SK" dirty="0">
-                <a:solidFill>
-                  <a:srgbClr val="9F2B00"/>
-                </a:solidFill>
-              </a:rPr>
-              <a:t>metódy</a:t>
-            </a:r>
-            <a:r>
-              <a:rPr lang="sk-SK" dirty="0"/>
-              <a:t> zodpovedajúce operáciám</a:t>
-            </a:r>
-          </a:p>
-        </p:txBody>
-      </p:sp>
-    </p:spTree>
-    <p:extLst>
-      <p:ext uri="{BB962C8B-B14F-4D97-AF65-F5344CB8AC3E}">
-        <p14:creationId xmlns:p14="http://schemas.microsoft.com/office/powerpoint/2010/main" val="2780810274"/>
-      </p:ext>
-    </p:extLst>
-  </p:cSld>
-  <p:clrMapOvr>
-    <a:masterClrMapping/>
-  </p:clrMapOvr>
-</p:sld>
-</file>
-
-<file path=ppt/slides/slide35.xml><?xml version="1.0" encoding="utf-8"?>
-<p:sld xmlns:a="http://schemas.openxmlformats.org/drawingml/2006/main" xmlns:r="http://schemas.openxmlformats.org/officeDocument/2006/relationships" xmlns:p="http://schemas.openxmlformats.org/presentationml/2006/main">
-  <p:cSld>
-    <p:spTree>
-      <p:nvGrpSpPr>
-        <p:cNvPr id="1" name=""/>
-        <p:cNvGrpSpPr/>
-        <p:nvPr/>
-      </p:nvGrpSpPr>
-      <p:grpSpPr>
-        <a:xfrm>
-          <a:off x="0" y="0"/>
-          <a:ext cx="0" cy="0"/>
-          <a:chOff x="0" y="0"/>
-          <a:chExt cx="0" cy="0"/>
-        </a:xfrm>
-      </p:grpSpPr>
-      <p:sp>
-        <p:nvSpPr>
           <p:cNvPr id="11" name="Content Placeholder 5">
             <a:extLst>
               <a:ext uri="{FF2B5EF4-FFF2-40B4-BE49-F238E27FC236}">
@@ -15205,7 +14575,7 @@
 </p:sld>
 </file>
 
-<file path=ppt/slides/slide36.xml><?xml version="1.0" encoding="utf-8"?>
+<file path=ppt/slides/slide34.xml><?xml version="1.0" encoding="utf-8"?>
 <p:sld xmlns:a="http://schemas.openxmlformats.org/drawingml/2006/main" xmlns:r="http://schemas.openxmlformats.org/officeDocument/2006/relationships" xmlns:p="http://schemas.openxmlformats.org/presentationml/2006/main" showMasterSp="0">
   <p:cSld>
     <p:spTree>
@@ -15224,224 +14594,6 @@
       </p:grpSpPr>
       <p:sp>
         <p:nvSpPr>
-          <p:cNvPr id="3" name="Content Placeholder 2"/>
-          <p:cNvSpPr>
-            <a:spLocks noGrp="1"/>
-          </p:cNvSpPr>
-          <p:nvPr>
-            <p:ph sz="half" idx="1"/>
-          </p:nvPr>
-        </p:nvSpPr>
-        <p:spPr>
-          <a:xfrm>
-            <a:off x="20782" y="1303234"/>
-            <a:ext cx="3106688" cy="4525963"/>
-          </a:xfrm>
-        </p:spPr>
-        <p:txBody>
-          <a:bodyPr>
-            <a:normAutofit/>
-          </a:bodyPr>
-          <a:lstStyle/>
-          <a:p>
-            <a:pPr marL="0" indent="0" algn="ctr">
-              <a:buNone/>
-            </a:pPr>
-            <a:r>
-              <a:rPr lang="sk-SK" sz="3200" b="1" dirty="0" err="1">
-                <a:solidFill>
-                  <a:srgbClr val="D3750C"/>
-                </a:solidFill>
-              </a:rPr>
-              <a:t>Java</a:t>
-            </a:r>
-            <a:r>
-              <a:rPr lang="sk-SK" sz="3200" b="1" dirty="0">
-                <a:solidFill>
-                  <a:srgbClr val="D3750C"/>
-                </a:solidFill>
-              </a:rPr>
-              <a:t> server</a:t>
-            </a:r>
-          </a:p>
-          <a:p>
-            <a:r>
-              <a:rPr lang="sk-SK" sz="3200" dirty="0"/>
-              <a:t>JAX-WS</a:t>
-            </a:r>
-          </a:p>
-          <a:p>
-            <a:r>
-              <a:rPr lang="sk-SK" sz="3200" dirty="0"/>
-              <a:t>automaticky vygenerovaný popisovač WSDL</a:t>
-            </a:r>
-          </a:p>
-        </p:txBody>
-      </p:sp>
-      <p:sp>
-        <p:nvSpPr>
-          <p:cNvPr id="4" name="Content Placeholder 3"/>
-          <p:cNvSpPr>
-            <a:spLocks noGrp="1"/>
-          </p:cNvSpPr>
-          <p:nvPr>
-            <p:ph sz="half" idx="2"/>
-          </p:nvPr>
-        </p:nvSpPr>
-        <p:spPr>
-          <a:xfrm>
-            <a:off x="6150202" y="1303233"/>
-            <a:ext cx="2962672" cy="4525963"/>
-          </a:xfrm>
-        </p:spPr>
-        <p:txBody>
-          <a:bodyPr>
-            <a:normAutofit/>
-          </a:bodyPr>
-          <a:lstStyle/>
-          <a:p>
-            <a:pPr marL="0" indent="0" algn="ctr">
-              <a:buNone/>
-            </a:pPr>
-            <a:r>
-              <a:rPr lang="sk-SK" b="1" dirty="0" err="1">
-                <a:solidFill>
-                  <a:srgbClr val="D3750C"/>
-                </a:solidFill>
-              </a:rPr>
-              <a:t>Java</a:t>
-            </a:r>
-            <a:r>
-              <a:rPr lang="sk-SK" b="1" dirty="0">
-                <a:solidFill>
-                  <a:srgbClr val="D3750C"/>
-                </a:solidFill>
-              </a:rPr>
-              <a:t> klient</a:t>
-            </a:r>
-          </a:p>
-          <a:p>
-            <a:r>
-              <a:rPr lang="sk-SK" dirty="0"/>
-              <a:t>vygenerovaný z WSDL</a:t>
-            </a:r>
-          </a:p>
-          <a:p>
-            <a:r>
-              <a:rPr lang="sk-SK" dirty="0"/>
-              <a:t>cez </a:t>
-            </a:r>
-            <a:r>
-              <a:rPr lang="sk-SK" dirty="0" err="1"/>
-              <a:t>SoapUI</a:t>
-            </a:r>
-            <a:r>
-              <a:rPr lang="sk-SK" dirty="0"/>
-              <a:t> / </a:t>
-            </a:r>
-            <a:r>
-              <a:rPr lang="sk-SK" dirty="0" err="1"/>
-              <a:t>wsimport</a:t>
-            </a:r>
-            <a:endParaRPr lang="sk-SK" dirty="0"/>
-          </a:p>
-          <a:p>
-            <a:pPr marL="0" indent="0">
-              <a:buNone/>
-            </a:pPr>
-            <a:endParaRPr lang="sk-SK" dirty="0"/>
-          </a:p>
-        </p:txBody>
-      </p:sp>
-      <p:sp>
-        <p:nvSpPr>
-          <p:cNvPr id="5" name="BlokTextu 3"/>
-          <p:cNvSpPr txBox="1"/>
-          <p:nvPr/>
-        </p:nvSpPr>
-        <p:spPr>
-          <a:xfrm>
-            <a:off x="3239852" y="2492896"/>
-            <a:ext cx="2808312" cy="1872208"/>
-          </a:xfrm>
-          <a:prstGeom prst="leftRightArrow">
-            <a:avLst>
-              <a:gd name="adj1" fmla="val 50000"/>
-              <a:gd name="adj2" fmla="val 31858"/>
-            </a:avLst>
-          </a:prstGeom>
-          <a:solidFill>
-            <a:srgbClr val="9F2B00"/>
-          </a:solidFill>
-          <a:ln>
-            <a:noFill/>
-          </a:ln>
-          <a:effectLst/>
-        </p:spPr>
-        <p:style>
-          <a:lnRef idx="3">
-            <a:schemeClr val="lt1"/>
-          </a:lnRef>
-          <a:fillRef idx="1">
-            <a:schemeClr val="accent6"/>
-          </a:fillRef>
-          <a:effectRef idx="1">
-            <a:schemeClr val="accent6"/>
-          </a:effectRef>
-          <a:fontRef idx="minor">
-            <a:schemeClr val="lt1"/>
-          </a:fontRef>
-        </p:style>
-        <p:txBody>
-          <a:bodyPr wrap="square" rtlCol="0" anchor="ctr">
-            <a:noAutofit/>
-          </a:bodyPr>
-          <a:lstStyle/>
-          <a:p>
-            <a:pPr algn="ctr"/>
-            <a:r>
-              <a:rPr lang="sk-SK" sz="2400" dirty="0">
-                <a:latin typeface="Lato" panose="020F0502020204030203" pitchFamily="34" charset="0"/>
-                <a:ea typeface="Lato" panose="020F0502020204030203" pitchFamily="34" charset="0"/>
-                <a:cs typeface="Lato" panose="020F0502020204030203" pitchFamily="34" charset="0"/>
-              </a:rPr>
-              <a:t>WSDL</a:t>
-            </a:r>
-          </a:p>
-        </p:txBody>
-      </p:sp>
-    </p:spTree>
-    <p:extLst>
-      <p:ext uri="{BB962C8B-B14F-4D97-AF65-F5344CB8AC3E}">
-        <p14:creationId xmlns:p14="http://schemas.microsoft.com/office/powerpoint/2010/main" val="1704954908"/>
-      </p:ext>
-    </p:extLst>
-  </p:cSld>
-  <p:clrMapOvr>
-    <a:masterClrMapping/>
-  </p:clrMapOvr>
-</p:sld>
-</file>
-
-<file path=ppt/slides/slide37.xml><?xml version="1.0" encoding="utf-8"?>
-<p:sld xmlns:a="http://schemas.openxmlformats.org/drawingml/2006/main" xmlns:r="http://schemas.openxmlformats.org/officeDocument/2006/relationships" xmlns:p="http://schemas.openxmlformats.org/presentationml/2006/main" showMasterSp="0">
-  <p:cSld>
-    <p:spTree>
-      <p:nvGrpSpPr>
-        <p:cNvPr id="1" name=""/>
-        <p:cNvGrpSpPr/>
-        <p:nvPr/>
-      </p:nvGrpSpPr>
-      <p:grpSpPr>
-        <a:xfrm>
-          <a:off x="0" y="0"/>
-          <a:ext cx="0" cy="0"/>
-          <a:chOff x="0" y="0"/>
-          <a:chExt cx="0" cy="0"/>
-        </a:xfrm>
-      </p:grpSpPr>
-      <p:sp>
-        <p:nvSpPr>
           <p:cNvPr id="13" name="Title 12">
             <a:extLst>
               <a:ext uri="{FF2B5EF4-FFF2-40B4-BE49-F238E27FC236}">
@@ -15464,7 +14616,7 @@
             <a:pPr algn="ctr"/>
             <a:r>
               <a:rPr lang="en-SK" dirty="0"/>
-              <a:t>JAX-WS 2.0</a:t>
+              <a:t>JAX-WS</a:t>
             </a:r>
           </a:p>
         </p:txBody>
@@ -15995,7 +15147,7 @@
 </p:sld>
 </file>
 
-<file path=ppt/slides/slide38.xml><?xml version="1.0" encoding="utf-8"?>
+<file path=ppt/slides/slide35.xml><?xml version="1.0" encoding="utf-8"?>
 <p:sld xmlns:a="http://schemas.openxmlformats.org/drawingml/2006/main" xmlns:r="http://schemas.openxmlformats.org/officeDocument/2006/relationships" xmlns:p="http://schemas.openxmlformats.org/presentationml/2006/main">
   <p:cSld>
     <p:spTree>
@@ -16296,7 +15448,7 @@
 </p:sld>
 </file>
 
-<file path=ppt/slides/slide39.xml><?xml version="1.0" encoding="utf-8"?>
+<file path=ppt/slides/slide36.xml><?xml version="1.0" encoding="utf-8"?>
 <p:sld xmlns:a="http://schemas.openxmlformats.org/drawingml/2006/main" xmlns:r="http://schemas.openxmlformats.org/officeDocument/2006/relationships" xmlns:p="http://schemas.openxmlformats.org/presentationml/2006/main">
   <p:cSld>
     <p:spTree>
@@ -16358,7 +15510,7 @@
 </p:sld>
 </file>
 
-<file path=ppt/slides/slide4.xml><?xml version="1.0" encoding="utf-8"?>
+<file path=ppt/slides/slide37.xml><?xml version="1.0" encoding="utf-8"?>
 <p:sld xmlns:a="http://schemas.openxmlformats.org/drawingml/2006/main" xmlns:r="http://schemas.openxmlformats.org/officeDocument/2006/relationships" xmlns:p="http://schemas.openxmlformats.org/presentationml/2006/main">
   <p:cSld>
     <p:spTree>
@@ -16377,13 +15529,7 @@
       </p:grpSpPr>
       <p:sp>
         <p:nvSpPr>
-          <p:cNvPr id="2" name="Title 1">
-            <a:extLst>
-              <a:ext uri="{FF2B5EF4-FFF2-40B4-BE49-F238E27FC236}">
-                <a16:creationId xmlns:a16="http://schemas.microsoft.com/office/drawing/2014/main" id="{510082D6-8634-4E11-A444-B8001CA2C684}"/>
-              </a:ext>
-            </a:extLst>
-          </p:cNvPr>
+          <p:cNvPr id="2" name="Nadpis 1"/>
           <p:cNvSpPr>
             <a:spLocks noGrp="1"/>
           </p:cNvSpPr>
@@ -16393,185 +15539,212 @@
         </p:nvSpPr>
         <p:spPr/>
         <p:txBody>
-          <a:bodyPr/>
+          <a:bodyPr>
+            <a:normAutofit fontScale="90000"/>
+          </a:bodyPr>
           <a:lstStyle/>
           <a:p>
             <a:r>
-              <a:rPr lang="en-SK" dirty="0"/>
-              <a:t>Remote Procedure Call</a:t>
+              <a:rPr lang="sk-SK" dirty="0"/>
+              <a:t>Metadáta webovej služby: WSDL</a:t>
             </a:r>
           </a:p>
         </p:txBody>
       </p:sp>
       <p:sp>
         <p:nvSpPr>
-          <p:cNvPr id="4" name="Cube 3">
+          <p:cNvPr id="3" name="Zástupný symbol obsahu 2"/>
+          <p:cNvSpPr>
+            <a:spLocks noGrp="1"/>
+          </p:cNvSpPr>
+          <p:nvPr>
+            <p:ph idx="1"/>
+          </p:nvPr>
+        </p:nvSpPr>
+        <p:spPr/>
+        <p:txBody>
+          <a:bodyPr>
+            <a:normAutofit/>
+          </a:bodyPr>
+          <a:lstStyle/>
+          <a:p>
+            <a:pPr marL="0" indent="0">
+              <a:buNone/>
+              <a:tabLst>
+                <a:tab pos="2797175" algn="l"/>
+              </a:tabLst>
+            </a:pPr>
+            <a:r>
+              <a:rPr lang="sk-SK" b="1" dirty="0">
+                <a:solidFill>
+                  <a:srgbClr val="9F2B00"/>
+                </a:solidFill>
+              </a:rPr>
+              <a:t>operácie</a:t>
+            </a:r>
+            <a:r>
+              <a:rPr lang="sk-SK" dirty="0"/>
+              <a:t>	metódy</a:t>
+            </a:r>
+          </a:p>
+          <a:p>
+            <a:pPr marL="0" indent="0">
+              <a:buNone/>
+              <a:tabLst>
+                <a:tab pos="2797175" algn="l"/>
+              </a:tabLst>
+            </a:pPr>
+            <a:r>
+              <a:rPr lang="sk-SK" b="1" dirty="0">
+                <a:solidFill>
+                  <a:srgbClr val="9F2B00"/>
+                </a:solidFill>
+              </a:rPr>
+              <a:t>dátové typy</a:t>
+            </a:r>
+            <a:r>
+              <a:rPr lang="sk-SK" dirty="0"/>
+              <a:t>	vstupy a výstupy operácií</a:t>
+            </a:r>
+          </a:p>
+          <a:p>
+            <a:pPr marL="0" indent="0">
+              <a:buNone/>
+              <a:tabLst>
+                <a:tab pos="2797175" algn="l"/>
+              </a:tabLst>
+            </a:pPr>
+            <a:r>
+              <a:rPr lang="sk-SK" b="1" dirty="0">
+                <a:solidFill>
+                  <a:srgbClr val="9F2B00"/>
+                </a:solidFill>
+              </a:rPr>
+              <a:t>štýly</a:t>
+            </a:r>
+            <a:r>
+              <a:rPr lang="sk-SK" dirty="0"/>
+              <a:t>	prevod dát na správy</a:t>
+            </a:r>
+          </a:p>
+          <a:p>
+            <a:pPr marL="0" indent="0">
+              <a:buNone/>
+              <a:tabLst>
+                <a:tab pos="2797175" algn="l"/>
+              </a:tabLst>
+            </a:pPr>
+            <a:r>
+              <a:rPr lang="sk-SK" b="1" dirty="0" err="1">
+                <a:solidFill>
+                  <a:srgbClr val="9F2B00"/>
+                </a:solidFill>
+              </a:rPr>
+              <a:t>bindings</a:t>
+            </a:r>
+            <a:r>
+              <a:rPr lang="sk-SK" dirty="0"/>
+              <a:t>	sieťové protokoly</a:t>
+            </a:r>
+          </a:p>
+        </p:txBody>
+      </p:sp>
+    </p:spTree>
+    <p:extLst>
+      <p:ext uri="{BB962C8B-B14F-4D97-AF65-F5344CB8AC3E}">
+        <p14:creationId xmlns:p14="http://schemas.microsoft.com/office/powerpoint/2010/main" val="2715723870"/>
+      </p:ext>
+    </p:extLst>
+  </p:cSld>
+  <p:clrMapOvr>
+    <a:masterClrMapping/>
+  </p:clrMapOvr>
+</p:sld>
+</file>
+
+<file path=ppt/slides/slide38.xml><?xml version="1.0" encoding="utf-8"?>
+<p:sld xmlns:a="http://schemas.openxmlformats.org/drawingml/2006/main" xmlns:r="http://schemas.openxmlformats.org/officeDocument/2006/relationships" xmlns:p="http://schemas.openxmlformats.org/presentationml/2006/main">
+  <p:cSld>
+    <p:spTree>
+      <p:nvGrpSpPr>
+        <p:cNvPr id="1" name=""/>
+        <p:cNvGrpSpPr/>
+        <p:nvPr/>
+      </p:nvGrpSpPr>
+      <p:grpSpPr>
+        <a:xfrm>
+          <a:off x="0" y="0"/>
+          <a:ext cx="0" cy="0"/>
+          <a:chOff x="0" y="0"/>
+          <a:chExt cx="0" cy="0"/>
+        </a:xfrm>
+      </p:grpSpPr>
+      <p:sp>
+        <p:nvSpPr>
+          <p:cNvPr id="2" name="Nadpis 1"/>
+          <p:cNvSpPr>
+            <a:spLocks noGrp="1"/>
+          </p:cNvSpPr>
+          <p:nvPr>
+            <p:ph type="title"/>
+          </p:nvPr>
+        </p:nvSpPr>
+        <p:spPr/>
+        <p:txBody>
+          <a:bodyPr>
+            <a:normAutofit fontScale="90000"/>
+          </a:bodyPr>
+          <a:lstStyle/>
+          <a:p>
+            <a:r>
+              <a:rPr lang="sk-SK" dirty="0"/>
+              <a:t>Metadáta webovej služby: WSDL</a:t>
+            </a:r>
+          </a:p>
+        </p:txBody>
+      </p:sp>
+      <p:sp>
+        <p:nvSpPr>
+          <p:cNvPr id="3" name="Zástupný symbol obsahu 2"/>
+          <p:cNvSpPr>
+            <a:spLocks noGrp="1"/>
+          </p:cNvSpPr>
+          <p:nvPr>
+            <p:ph idx="1"/>
+          </p:nvPr>
+        </p:nvSpPr>
+        <p:spPr/>
+        <p:txBody>
+          <a:bodyPr>
+            <a:normAutofit/>
+          </a:bodyPr>
+          <a:lstStyle/>
+          <a:p>
+            <a:r>
+              <a:rPr lang="sk-SK" dirty="0"/>
+              <a:t>XML formát pre čítanie strojom</a:t>
+            </a:r>
+          </a:p>
+          <a:p>
+            <a:r>
+              <a:rPr lang="sk-SK" dirty="0"/>
+              <a:t>strojová a typovo exaktná dokumentácia k službe</a:t>
+            </a:r>
+          </a:p>
+          <a:p>
+            <a:r>
+              <a:rPr lang="sk-SK" dirty="0"/>
+              <a:t>prameň pre generovanie klientov!</a:t>
+            </a:r>
+          </a:p>
+        </p:txBody>
+      </p:sp>
+      <p:sp>
+        <p:nvSpPr>
+          <p:cNvPr id="7" name="Content Placeholder 5">
             <a:extLst>
               <a:ext uri="{FF2B5EF4-FFF2-40B4-BE49-F238E27FC236}">
-                <a16:creationId xmlns:a16="http://schemas.microsoft.com/office/drawing/2014/main" id="{8234BF1D-2B88-D508-BC9F-0A68CCE77C6C}"/>
-              </a:ext>
-            </a:extLst>
-          </p:cNvPr>
-          <p:cNvSpPr/>
-          <p:nvPr/>
-        </p:nvSpPr>
-        <p:spPr>
-          <a:xfrm>
-            <a:off x="539551" y="1989060"/>
-            <a:ext cx="2879879" cy="2879879"/>
-          </a:xfrm>
-          <a:prstGeom prst="cube">
-            <a:avLst/>
-          </a:prstGeom>
-          <a:solidFill>
-            <a:srgbClr val="D3750C"/>
-          </a:solidFill>
-          <a:ln>
-            <a:solidFill>
-              <a:srgbClr val="ADA7A7"/>
-            </a:solidFill>
-          </a:ln>
-        </p:spPr>
-        <p:style>
-          <a:lnRef idx="2">
-            <a:schemeClr val="accent1">
-              <a:shade val="50000"/>
-            </a:schemeClr>
-          </a:lnRef>
-          <a:fillRef idx="1">
-            <a:schemeClr val="accent1"/>
-          </a:fillRef>
-          <a:effectRef idx="0">
-            <a:schemeClr val="accent1"/>
-          </a:effectRef>
-          <a:fontRef idx="minor">
-            <a:schemeClr val="lt1"/>
-          </a:fontRef>
-        </p:style>
-        <p:txBody>
-          <a:bodyPr rtlCol="0" anchor="ctr"/>
-          <a:lstStyle/>
-          <a:p>
-            <a:pPr algn="ctr"/>
-            <a:r>
-              <a:rPr lang="en-SK" sz="2000" dirty="0">
-                <a:latin typeface="Lato" panose="020F0502020204030203" pitchFamily="34" charset="0"/>
-                <a:ea typeface="Lato" panose="020F0502020204030203" pitchFamily="34" charset="0"/>
-                <a:cs typeface="Lato" panose="020F0502020204030203" pitchFamily="34" charset="0"/>
-              </a:rPr>
-              <a:t>Systém Romeo</a:t>
-            </a:r>
-          </a:p>
-        </p:txBody>
-      </p:sp>
-      <p:sp>
-        <p:nvSpPr>
-          <p:cNvPr id="5" name="Cube 4">
-            <a:extLst>
-              <a:ext uri="{FF2B5EF4-FFF2-40B4-BE49-F238E27FC236}">
-                <a16:creationId xmlns:a16="http://schemas.microsoft.com/office/drawing/2014/main" id="{76AB8466-A75D-E9C5-D17A-2EDB383E7D07}"/>
-              </a:ext>
-            </a:extLst>
-          </p:cNvPr>
-          <p:cNvSpPr/>
-          <p:nvPr/>
-        </p:nvSpPr>
-        <p:spPr>
-          <a:xfrm>
-            <a:off x="5580113" y="1989060"/>
-            <a:ext cx="2879879" cy="2879879"/>
-          </a:xfrm>
-          <a:prstGeom prst="cube">
-            <a:avLst/>
-          </a:prstGeom>
-          <a:solidFill>
-            <a:srgbClr val="9F2B00"/>
-          </a:solidFill>
-          <a:ln>
-            <a:solidFill>
-              <a:srgbClr val="ADA7A7"/>
-            </a:solidFill>
-          </a:ln>
-        </p:spPr>
-        <p:style>
-          <a:lnRef idx="2">
-            <a:schemeClr val="accent1">
-              <a:shade val="50000"/>
-            </a:schemeClr>
-          </a:lnRef>
-          <a:fillRef idx="1">
-            <a:schemeClr val="accent1"/>
-          </a:fillRef>
-          <a:effectRef idx="0">
-            <a:schemeClr val="accent1"/>
-          </a:effectRef>
-          <a:fontRef idx="minor">
-            <a:schemeClr val="lt1"/>
-          </a:fontRef>
-        </p:style>
-        <p:txBody>
-          <a:bodyPr rtlCol="0" anchor="ctr"/>
-          <a:lstStyle/>
-          <a:p>
-            <a:pPr algn="ctr"/>
-            <a:r>
-              <a:rPr lang="en-SK" sz="2000" dirty="0">
-                <a:latin typeface="Lato" panose="020F0502020204030203" pitchFamily="34" charset="0"/>
-                <a:ea typeface="Lato" panose="020F0502020204030203" pitchFamily="34" charset="0"/>
-                <a:cs typeface="Lato" panose="020F0502020204030203" pitchFamily="34" charset="0"/>
-              </a:rPr>
-              <a:t>Systém Julia</a:t>
-            </a:r>
-          </a:p>
-        </p:txBody>
-      </p:sp>
-      <p:cxnSp>
-        <p:nvCxnSpPr>
-          <p:cNvPr id="7" name="Straight Connector 6">
-            <a:extLst>
-              <a:ext uri="{FF2B5EF4-FFF2-40B4-BE49-F238E27FC236}">
-                <a16:creationId xmlns:a16="http://schemas.microsoft.com/office/drawing/2014/main" id="{8BC9AAF4-4993-A774-0085-D3A2DF15BAC4}"/>
-              </a:ext>
-            </a:extLst>
-          </p:cNvPr>
-          <p:cNvCxnSpPr/>
-          <p:nvPr/>
-        </p:nvCxnSpPr>
-        <p:spPr>
-          <a:xfrm>
-            <a:off x="3059832" y="3500788"/>
-            <a:ext cx="2520281" cy="0"/>
-          </a:xfrm>
-          <a:prstGeom prst="line">
-            <a:avLst/>
-          </a:prstGeom>
-          <a:ln w="76200">
-            <a:solidFill>
-              <a:srgbClr val="D3750C"/>
-            </a:solidFill>
-          </a:ln>
-        </p:spPr>
-        <p:style>
-          <a:lnRef idx="1">
-            <a:schemeClr val="accent1"/>
-          </a:lnRef>
-          <a:fillRef idx="0">
-            <a:schemeClr val="accent1"/>
-          </a:fillRef>
-          <a:effectRef idx="0">
-            <a:schemeClr val="accent1"/>
-          </a:effectRef>
-          <a:fontRef idx="minor">
-            <a:schemeClr val="tx1"/>
-          </a:fontRef>
-        </p:style>
-      </p:cxnSp>
-      <p:sp>
-        <p:nvSpPr>
-          <p:cNvPr id="3" name="Content Placeholder 5">
-            <a:extLst>
-              <a:ext uri="{FF2B5EF4-FFF2-40B4-BE49-F238E27FC236}">
-                <a16:creationId xmlns:a16="http://schemas.microsoft.com/office/drawing/2014/main" id="{24DF84E4-9EF0-D322-2281-5045D87580AA}"/>
+                <a16:creationId xmlns:a16="http://schemas.microsoft.com/office/drawing/2014/main" id="{7E1300B3-0C46-7E69-5D88-1AC08E95E485}"/>
               </a:ext>
             </a:extLst>
           </p:cNvPr>
@@ -16746,651 +15919,6 @@
                   <a:schemeClr val="bg1"/>
                 </a:solidFill>
               </a:rPr>
-              <a:t>voláme procedúry, akoby boli v jednom programe</a:t>
-            </a:r>
-          </a:p>
-        </p:txBody>
-      </p:sp>
-      <p:sp>
-        <p:nvSpPr>
-          <p:cNvPr id="10" name="Zástupný symbol obsahu 2">
-            <a:extLst>
-              <a:ext uri="{FF2B5EF4-FFF2-40B4-BE49-F238E27FC236}">
-                <a16:creationId xmlns:a16="http://schemas.microsoft.com/office/drawing/2014/main" id="{38D93D35-80E1-9455-EA6F-FCC930C41B51}"/>
-              </a:ext>
-            </a:extLst>
-          </p:cNvPr>
-          <p:cNvSpPr>
-            <a:spLocks noGrp="1"/>
-          </p:cNvSpPr>
-          <p:nvPr>
-            <p:ph idx="1"/>
-          </p:nvPr>
-        </p:nvSpPr>
-        <p:spPr>
-          <a:xfrm>
-            <a:off x="3059831" y="3554376"/>
-            <a:ext cx="2520281" cy="792088"/>
-          </a:xfrm>
-        </p:spPr>
-        <p:txBody>
-          <a:bodyPr>
-            <a:normAutofit/>
-          </a:bodyPr>
-          <a:lstStyle/>
-          <a:p>
-            <a:pPr marL="0" indent="0" algn="r">
-              <a:buNone/>
-            </a:pPr>
-            <a:r>
-              <a:rPr lang="sk-SK" sz="2700" dirty="0"/>
-              <a:t>OK</a:t>
-            </a:r>
-          </a:p>
-        </p:txBody>
-      </p:sp>
-      <p:sp>
-        <p:nvSpPr>
-          <p:cNvPr id="11" name="Zástupný symbol obsahu 2">
-            <a:extLst>
-              <a:ext uri="{FF2B5EF4-FFF2-40B4-BE49-F238E27FC236}">
-                <a16:creationId xmlns:a16="http://schemas.microsoft.com/office/drawing/2014/main" id="{EE56DB62-3688-8B7D-2E04-B7FBA32B91C9}"/>
-              </a:ext>
-            </a:extLst>
-          </p:cNvPr>
-          <p:cNvSpPr txBox="1">
-            <a:spLocks/>
-          </p:cNvSpPr>
-          <p:nvPr/>
-        </p:nvSpPr>
-        <p:spPr>
-          <a:xfrm>
-            <a:off x="2966848" y="3000326"/>
-            <a:ext cx="2016225" cy="792088"/>
-          </a:xfrm>
-          <a:prstGeom prst="rect">
-            <a:avLst/>
-          </a:prstGeom>
-        </p:spPr>
-        <p:txBody>
-          <a:bodyPr vert="horz" lIns="91440" tIns="45720" rIns="91440" bIns="45720" rtlCol="0">
-            <a:normAutofit fontScale="85000" lnSpcReduction="10000"/>
-          </a:bodyPr>
-          <a:lstStyle>
-            <a:lvl1pPr marL="342900" indent="-342900" algn="l" defTabSz="914400" rtl="0" eaLnBrk="1" latinLnBrk="0" hangingPunct="1">
-              <a:spcBef>
-                <a:spcPts val="1200"/>
-              </a:spcBef>
-              <a:buFont typeface="Arial" pitchFamily="34" charset="0"/>
-              <a:buChar char="•"/>
-              <a:defRPr sz="3200" kern="1200">
-                <a:solidFill>
-                  <a:schemeClr val="tx1"/>
-                </a:solidFill>
-                <a:latin typeface="Lato" panose="020F0502020204030203" pitchFamily="34" charset="0"/>
-                <a:ea typeface="Lato" panose="020F0502020204030203" pitchFamily="34" charset="0"/>
-                <a:cs typeface="Lato" panose="020F0502020204030203" pitchFamily="34" charset="0"/>
-              </a:defRPr>
-            </a:lvl1pPr>
-            <a:lvl2pPr marL="742950" indent="-285750" algn="l" defTabSz="914400" rtl="0" eaLnBrk="1" latinLnBrk="0" hangingPunct="1">
-              <a:spcBef>
-                <a:spcPts val="1200"/>
-              </a:spcBef>
-              <a:buFont typeface="Arial" pitchFamily="34" charset="0"/>
-              <a:buChar char="–"/>
-              <a:defRPr sz="2800" kern="1200">
-                <a:solidFill>
-                  <a:schemeClr val="tx1"/>
-                </a:solidFill>
-                <a:latin typeface="Lato" panose="020F0502020204030203" pitchFamily="34" charset="0"/>
-                <a:ea typeface="Lato" panose="020F0502020204030203" pitchFamily="34" charset="0"/>
-                <a:cs typeface="Lato" panose="020F0502020204030203" pitchFamily="34" charset="0"/>
-              </a:defRPr>
-            </a:lvl2pPr>
-            <a:lvl3pPr marL="1143000" indent="-228600" algn="l" defTabSz="914400" rtl="0" eaLnBrk="1" latinLnBrk="0" hangingPunct="1">
-              <a:spcBef>
-                <a:spcPts val="1200"/>
-              </a:spcBef>
-              <a:buFont typeface="Arial" pitchFamily="34" charset="0"/>
-              <a:buChar char="•"/>
-              <a:defRPr sz="2400" kern="1200">
-                <a:solidFill>
-                  <a:schemeClr val="tx1"/>
-                </a:solidFill>
-                <a:latin typeface="Lato" panose="020F0502020204030203" pitchFamily="34" charset="0"/>
-                <a:ea typeface="Lato" panose="020F0502020204030203" pitchFamily="34" charset="0"/>
-                <a:cs typeface="Lato" panose="020F0502020204030203" pitchFamily="34" charset="0"/>
-              </a:defRPr>
-            </a:lvl3pPr>
-            <a:lvl4pPr marL="1600200" indent="-228600" algn="l" defTabSz="914400" rtl="0" eaLnBrk="1" latinLnBrk="0" hangingPunct="1">
-              <a:spcBef>
-                <a:spcPts val="1200"/>
-              </a:spcBef>
-              <a:buFont typeface="Arial" pitchFamily="34" charset="0"/>
-              <a:buChar char="–"/>
-              <a:defRPr sz="2000" kern="1200">
-                <a:solidFill>
-                  <a:schemeClr val="tx1"/>
-                </a:solidFill>
-                <a:latin typeface="Lato" panose="020F0502020204030203" pitchFamily="34" charset="0"/>
-                <a:ea typeface="Lato" panose="020F0502020204030203" pitchFamily="34" charset="0"/>
-                <a:cs typeface="Lato" panose="020F0502020204030203" pitchFamily="34" charset="0"/>
-              </a:defRPr>
-            </a:lvl4pPr>
-            <a:lvl5pPr marL="2057400" indent="-228600" algn="l" defTabSz="914400" rtl="0" eaLnBrk="1" latinLnBrk="0" hangingPunct="1">
-              <a:spcBef>
-                <a:spcPts val="1200"/>
-              </a:spcBef>
-              <a:buFont typeface="Arial" pitchFamily="34" charset="0"/>
-              <a:buChar char="»"/>
-              <a:defRPr sz="2000" kern="1200">
-                <a:solidFill>
-                  <a:schemeClr val="tx1"/>
-                </a:solidFill>
-                <a:latin typeface="Lato" panose="020F0502020204030203" pitchFamily="34" charset="0"/>
-                <a:ea typeface="Lato" panose="020F0502020204030203" pitchFamily="34" charset="0"/>
-                <a:cs typeface="Lato" panose="020F0502020204030203" pitchFamily="34" charset="0"/>
-              </a:defRPr>
-            </a:lvl5pPr>
-            <a:lvl6pPr marL="2514600" indent="-228600" algn="l" defTabSz="914400" rtl="0" eaLnBrk="1" latinLnBrk="0" hangingPunct="1">
-              <a:spcBef>
-                <a:spcPct val="20000"/>
-              </a:spcBef>
-              <a:buFont typeface="Arial" pitchFamily="34" charset="0"/>
-              <a:buChar char="•"/>
-              <a:defRPr sz="2000" kern="1200">
-                <a:solidFill>
-                  <a:schemeClr val="tx1"/>
-                </a:solidFill>
-                <a:latin typeface="+mn-lt"/>
-                <a:ea typeface="+mn-ea"/>
-                <a:cs typeface="+mn-cs"/>
-              </a:defRPr>
-            </a:lvl6pPr>
-            <a:lvl7pPr marL="2971800" indent="-228600" algn="l" defTabSz="914400" rtl="0" eaLnBrk="1" latinLnBrk="0" hangingPunct="1">
-              <a:spcBef>
-                <a:spcPct val="20000"/>
-              </a:spcBef>
-              <a:buFont typeface="Arial" pitchFamily="34" charset="0"/>
-              <a:buChar char="•"/>
-              <a:defRPr sz="2000" kern="1200">
-                <a:solidFill>
-                  <a:schemeClr val="tx1"/>
-                </a:solidFill>
-                <a:latin typeface="+mn-lt"/>
-                <a:ea typeface="+mn-ea"/>
-                <a:cs typeface="+mn-cs"/>
-              </a:defRPr>
-            </a:lvl7pPr>
-            <a:lvl8pPr marL="3429000" indent="-228600" algn="l" defTabSz="914400" rtl="0" eaLnBrk="1" latinLnBrk="0" hangingPunct="1">
-              <a:spcBef>
-                <a:spcPct val="20000"/>
-              </a:spcBef>
-              <a:buFont typeface="Arial" pitchFamily="34" charset="0"/>
-              <a:buChar char="•"/>
-              <a:defRPr sz="2000" kern="1200">
-                <a:solidFill>
-                  <a:schemeClr val="tx1"/>
-                </a:solidFill>
-                <a:latin typeface="+mn-lt"/>
-                <a:ea typeface="+mn-ea"/>
-                <a:cs typeface="+mn-cs"/>
-              </a:defRPr>
-            </a:lvl8pPr>
-            <a:lvl9pPr marL="3886200" indent="-228600" algn="l" defTabSz="914400" rtl="0" eaLnBrk="1" latinLnBrk="0" hangingPunct="1">
-              <a:spcBef>
-                <a:spcPct val="20000"/>
-              </a:spcBef>
-              <a:buFont typeface="Arial" pitchFamily="34" charset="0"/>
-              <a:buChar char="•"/>
-              <a:defRPr sz="2000" kern="1200">
-                <a:solidFill>
-                  <a:schemeClr val="tx1"/>
-                </a:solidFill>
-                <a:latin typeface="+mn-lt"/>
-                <a:ea typeface="+mn-ea"/>
-                <a:cs typeface="+mn-cs"/>
-              </a:defRPr>
-            </a:lvl9pPr>
-          </a:lstStyle>
-          <a:p>
-            <a:pPr marL="0" indent="0">
-              <a:buFont typeface="Arial" pitchFamily="34" charset="0"/>
-              <a:buNone/>
-            </a:pPr>
-            <a:r>
-              <a:rPr lang="sk-SK" dirty="0" err="1"/>
-              <a:t>send</a:t>
-            </a:r>
-            <a:r>
-              <a:rPr lang="sk-SK" dirty="0"/>
-              <a:t>€€(10)</a:t>
-            </a:r>
-          </a:p>
-        </p:txBody>
-      </p:sp>
-    </p:spTree>
-    <p:extLst>
-      <p:ext uri="{BB962C8B-B14F-4D97-AF65-F5344CB8AC3E}">
-        <p14:creationId xmlns:p14="http://schemas.microsoft.com/office/powerpoint/2010/main" val="2586760318"/>
-      </p:ext>
-    </p:extLst>
-  </p:cSld>
-  <p:clrMapOvr>
-    <a:masterClrMapping/>
-  </p:clrMapOvr>
-</p:sld>
-</file>
-
-<file path=ppt/slides/slide40.xml><?xml version="1.0" encoding="utf-8"?>
-<p:sld xmlns:a="http://schemas.openxmlformats.org/drawingml/2006/main" xmlns:r="http://schemas.openxmlformats.org/officeDocument/2006/relationships" xmlns:p="http://schemas.openxmlformats.org/presentationml/2006/main">
-  <p:cSld>
-    <p:spTree>
-      <p:nvGrpSpPr>
-        <p:cNvPr id="1" name=""/>
-        <p:cNvGrpSpPr/>
-        <p:nvPr/>
-      </p:nvGrpSpPr>
-      <p:grpSpPr>
-        <a:xfrm>
-          <a:off x="0" y="0"/>
-          <a:ext cx="0" cy="0"/>
-          <a:chOff x="0" y="0"/>
-          <a:chExt cx="0" cy="0"/>
-        </a:xfrm>
-      </p:grpSpPr>
-      <p:sp>
-        <p:nvSpPr>
-          <p:cNvPr id="2" name="Nadpis 1"/>
-          <p:cNvSpPr>
-            <a:spLocks noGrp="1"/>
-          </p:cNvSpPr>
-          <p:nvPr>
-            <p:ph type="title"/>
-          </p:nvPr>
-        </p:nvSpPr>
-        <p:spPr/>
-        <p:txBody>
-          <a:bodyPr>
-            <a:normAutofit fontScale="90000"/>
-          </a:bodyPr>
-          <a:lstStyle/>
-          <a:p>
-            <a:r>
-              <a:rPr lang="sk-SK" dirty="0"/>
-              <a:t>Metadáta webovej služby: WSDL</a:t>
-            </a:r>
-          </a:p>
-        </p:txBody>
-      </p:sp>
-      <p:sp>
-        <p:nvSpPr>
-          <p:cNvPr id="3" name="Zástupný symbol obsahu 2"/>
-          <p:cNvSpPr>
-            <a:spLocks noGrp="1"/>
-          </p:cNvSpPr>
-          <p:nvPr>
-            <p:ph idx="1"/>
-          </p:nvPr>
-        </p:nvSpPr>
-        <p:spPr/>
-        <p:txBody>
-          <a:bodyPr>
-            <a:normAutofit/>
-          </a:bodyPr>
-          <a:lstStyle/>
-          <a:p>
-            <a:pPr marL="0" indent="0">
-              <a:buNone/>
-              <a:tabLst>
-                <a:tab pos="2797175" algn="l"/>
-              </a:tabLst>
-            </a:pPr>
-            <a:r>
-              <a:rPr lang="sk-SK" b="1" dirty="0">
-                <a:solidFill>
-                  <a:srgbClr val="9F2B00"/>
-                </a:solidFill>
-              </a:rPr>
-              <a:t>operácie</a:t>
-            </a:r>
-            <a:r>
-              <a:rPr lang="sk-SK" dirty="0"/>
-              <a:t>	metódy</a:t>
-            </a:r>
-          </a:p>
-          <a:p>
-            <a:pPr marL="0" indent="0">
-              <a:buNone/>
-              <a:tabLst>
-                <a:tab pos="2797175" algn="l"/>
-              </a:tabLst>
-            </a:pPr>
-            <a:r>
-              <a:rPr lang="sk-SK" b="1" dirty="0">
-                <a:solidFill>
-                  <a:srgbClr val="9F2B00"/>
-                </a:solidFill>
-              </a:rPr>
-              <a:t>dátové typy</a:t>
-            </a:r>
-            <a:r>
-              <a:rPr lang="sk-SK" dirty="0"/>
-              <a:t>	vstupy a výstupy operácií</a:t>
-            </a:r>
-          </a:p>
-          <a:p>
-            <a:pPr marL="0" indent="0">
-              <a:buNone/>
-              <a:tabLst>
-                <a:tab pos="2797175" algn="l"/>
-              </a:tabLst>
-            </a:pPr>
-            <a:r>
-              <a:rPr lang="sk-SK" b="1" dirty="0">
-                <a:solidFill>
-                  <a:srgbClr val="9F2B00"/>
-                </a:solidFill>
-              </a:rPr>
-              <a:t>štýly</a:t>
-            </a:r>
-            <a:r>
-              <a:rPr lang="sk-SK" dirty="0"/>
-              <a:t>	prevod dát na správy</a:t>
-            </a:r>
-          </a:p>
-          <a:p>
-            <a:pPr marL="0" indent="0">
-              <a:buNone/>
-              <a:tabLst>
-                <a:tab pos="2797175" algn="l"/>
-              </a:tabLst>
-            </a:pPr>
-            <a:r>
-              <a:rPr lang="sk-SK" b="1" dirty="0" err="1">
-                <a:solidFill>
-                  <a:srgbClr val="9F2B00"/>
-                </a:solidFill>
-              </a:rPr>
-              <a:t>bindings</a:t>
-            </a:r>
-            <a:r>
-              <a:rPr lang="sk-SK" dirty="0"/>
-              <a:t>	sieťové protokoly</a:t>
-            </a:r>
-          </a:p>
-        </p:txBody>
-      </p:sp>
-    </p:spTree>
-    <p:extLst>
-      <p:ext uri="{BB962C8B-B14F-4D97-AF65-F5344CB8AC3E}">
-        <p14:creationId xmlns:p14="http://schemas.microsoft.com/office/powerpoint/2010/main" val="2715723870"/>
-      </p:ext>
-    </p:extLst>
-  </p:cSld>
-  <p:clrMapOvr>
-    <a:masterClrMapping/>
-  </p:clrMapOvr>
-</p:sld>
-</file>
-
-<file path=ppt/slides/slide41.xml><?xml version="1.0" encoding="utf-8"?>
-<p:sld xmlns:a="http://schemas.openxmlformats.org/drawingml/2006/main" xmlns:r="http://schemas.openxmlformats.org/officeDocument/2006/relationships" xmlns:p="http://schemas.openxmlformats.org/presentationml/2006/main">
-  <p:cSld>
-    <p:spTree>
-      <p:nvGrpSpPr>
-        <p:cNvPr id="1" name=""/>
-        <p:cNvGrpSpPr/>
-        <p:nvPr/>
-      </p:nvGrpSpPr>
-      <p:grpSpPr>
-        <a:xfrm>
-          <a:off x="0" y="0"/>
-          <a:ext cx="0" cy="0"/>
-          <a:chOff x="0" y="0"/>
-          <a:chExt cx="0" cy="0"/>
-        </a:xfrm>
-      </p:grpSpPr>
-      <p:sp>
-        <p:nvSpPr>
-          <p:cNvPr id="2" name="Nadpis 1"/>
-          <p:cNvSpPr>
-            <a:spLocks noGrp="1"/>
-          </p:cNvSpPr>
-          <p:nvPr>
-            <p:ph type="title"/>
-          </p:nvPr>
-        </p:nvSpPr>
-        <p:spPr/>
-        <p:txBody>
-          <a:bodyPr>
-            <a:normAutofit fontScale="90000"/>
-          </a:bodyPr>
-          <a:lstStyle/>
-          <a:p>
-            <a:r>
-              <a:rPr lang="sk-SK" dirty="0"/>
-              <a:t>Metadáta webovej služby: WSDL</a:t>
-            </a:r>
-          </a:p>
-        </p:txBody>
-      </p:sp>
-      <p:sp>
-        <p:nvSpPr>
-          <p:cNvPr id="3" name="Zástupný symbol obsahu 2"/>
-          <p:cNvSpPr>
-            <a:spLocks noGrp="1"/>
-          </p:cNvSpPr>
-          <p:nvPr>
-            <p:ph idx="1"/>
-          </p:nvPr>
-        </p:nvSpPr>
-        <p:spPr/>
-        <p:txBody>
-          <a:bodyPr>
-            <a:normAutofit/>
-          </a:bodyPr>
-          <a:lstStyle/>
-          <a:p>
-            <a:r>
-              <a:rPr lang="sk-SK" dirty="0"/>
-              <a:t>XML formát pre čítanie strojom</a:t>
-            </a:r>
-          </a:p>
-          <a:p>
-            <a:r>
-              <a:rPr lang="sk-SK" dirty="0"/>
-              <a:t>strojová a typovo exaktná dokumentácia k službe</a:t>
-            </a:r>
-          </a:p>
-          <a:p>
-            <a:r>
-              <a:rPr lang="sk-SK" dirty="0"/>
-              <a:t>prameň pre generovanie klientov!</a:t>
-            </a:r>
-          </a:p>
-        </p:txBody>
-      </p:sp>
-      <p:sp>
-        <p:nvSpPr>
-          <p:cNvPr id="7" name="Content Placeholder 5">
-            <a:extLst>
-              <a:ext uri="{FF2B5EF4-FFF2-40B4-BE49-F238E27FC236}">
-                <a16:creationId xmlns:a16="http://schemas.microsoft.com/office/drawing/2014/main" id="{7E1300B3-0C46-7E69-5D88-1AC08E95E485}"/>
-              </a:ext>
-            </a:extLst>
-          </p:cNvPr>
-          <p:cNvSpPr txBox="1">
-            <a:spLocks/>
-          </p:cNvSpPr>
-          <p:nvPr/>
-        </p:nvSpPr>
-        <p:spPr>
-          <a:xfrm>
-            <a:off x="0" y="5440361"/>
-            <a:ext cx="9144000" cy="1417639"/>
-          </a:xfrm>
-          <a:prstGeom prst="rect">
-            <a:avLst/>
-          </a:prstGeom>
-          <a:solidFill>
-            <a:srgbClr val="9F2B00"/>
-          </a:solidFill>
-          <a:ln>
-            <a:noFill/>
-          </a:ln>
-        </p:spPr>
-        <p:txBody>
-          <a:bodyPr vert="horz" lIns="91440" tIns="45720" rIns="91440" bIns="45720" rtlCol="0" anchor="ctr">
-            <a:normAutofit/>
-          </a:bodyPr>
-          <a:lstStyle>
-            <a:lvl1pPr marL="342900" indent="-342900" algn="l" defTabSz="914400" rtl="0" eaLnBrk="1" latinLnBrk="0" hangingPunct="1">
-              <a:spcBef>
-                <a:spcPct val="20000"/>
-              </a:spcBef>
-              <a:buFont typeface="Arial" pitchFamily="34" charset="0"/>
-              <a:buChar char="•"/>
-              <a:defRPr sz="3200" kern="1200">
-                <a:solidFill>
-                  <a:schemeClr val="tx1"/>
-                </a:solidFill>
-                <a:latin typeface="Lato" panose="020F0502020204030203" pitchFamily="34" charset="0"/>
-                <a:ea typeface="Lato" panose="020F0502020204030203" pitchFamily="34" charset="0"/>
-                <a:cs typeface="Lato" panose="020F0502020204030203" pitchFamily="34" charset="0"/>
-              </a:defRPr>
-            </a:lvl1pPr>
-            <a:lvl2pPr marL="742950" indent="-285750" algn="l" defTabSz="914400" rtl="0" eaLnBrk="1" latinLnBrk="0" hangingPunct="1">
-              <a:spcBef>
-                <a:spcPct val="20000"/>
-              </a:spcBef>
-              <a:buFont typeface="Arial" pitchFamily="34" charset="0"/>
-              <a:buChar char="–"/>
-              <a:defRPr sz="2800" kern="1200">
-                <a:solidFill>
-                  <a:schemeClr val="tx1"/>
-                </a:solidFill>
-                <a:latin typeface="Lato" panose="020F0502020204030203" pitchFamily="34" charset="0"/>
-                <a:ea typeface="Lato" panose="020F0502020204030203" pitchFamily="34" charset="0"/>
-                <a:cs typeface="Lato" panose="020F0502020204030203" pitchFamily="34" charset="0"/>
-              </a:defRPr>
-            </a:lvl2pPr>
-            <a:lvl3pPr marL="1143000" indent="-228600" algn="l" defTabSz="914400" rtl="0" eaLnBrk="1" latinLnBrk="0" hangingPunct="1">
-              <a:spcBef>
-                <a:spcPct val="20000"/>
-              </a:spcBef>
-              <a:buFont typeface="Arial" pitchFamily="34" charset="0"/>
-              <a:buChar char="•"/>
-              <a:defRPr sz="2400" kern="1200">
-                <a:solidFill>
-                  <a:schemeClr val="tx1"/>
-                </a:solidFill>
-                <a:latin typeface="Lato" panose="020F0502020204030203" pitchFamily="34" charset="0"/>
-                <a:ea typeface="Lato" panose="020F0502020204030203" pitchFamily="34" charset="0"/>
-                <a:cs typeface="Lato" panose="020F0502020204030203" pitchFamily="34" charset="0"/>
-              </a:defRPr>
-            </a:lvl3pPr>
-            <a:lvl4pPr marL="1600200" indent="-228600" algn="l" defTabSz="914400" rtl="0" eaLnBrk="1" latinLnBrk="0" hangingPunct="1">
-              <a:spcBef>
-                <a:spcPct val="20000"/>
-              </a:spcBef>
-              <a:buFont typeface="Arial" pitchFamily="34" charset="0"/>
-              <a:buChar char="–"/>
-              <a:defRPr sz="2000" kern="1200">
-                <a:solidFill>
-                  <a:schemeClr val="tx1"/>
-                </a:solidFill>
-                <a:latin typeface="Lato" panose="020F0502020204030203" pitchFamily="34" charset="0"/>
-                <a:ea typeface="Lato" panose="020F0502020204030203" pitchFamily="34" charset="0"/>
-                <a:cs typeface="Lato" panose="020F0502020204030203" pitchFamily="34" charset="0"/>
-              </a:defRPr>
-            </a:lvl4pPr>
-            <a:lvl5pPr marL="2057400" indent="-228600" algn="l" defTabSz="914400" rtl="0" eaLnBrk="1" latinLnBrk="0" hangingPunct="1">
-              <a:spcBef>
-                <a:spcPct val="20000"/>
-              </a:spcBef>
-              <a:buFont typeface="Arial" pitchFamily="34" charset="0"/>
-              <a:buChar char="»"/>
-              <a:defRPr sz="2000" kern="1200">
-                <a:solidFill>
-                  <a:schemeClr val="tx1"/>
-                </a:solidFill>
-                <a:latin typeface="Lato" panose="020F0502020204030203" pitchFamily="34" charset="0"/>
-                <a:ea typeface="Lato" panose="020F0502020204030203" pitchFamily="34" charset="0"/>
-                <a:cs typeface="Lato" panose="020F0502020204030203" pitchFamily="34" charset="0"/>
-              </a:defRPr>
-            </a:lvl5pPr>
-            <a:lvl6pPr marL="2514600" indent="-228600" algn="l" defTabSz="914400" rtl="0" eaLnBrk="1" latinLnBrk="0" hangingPunct="1">
-              <a:spcBef>
-                <a:spcPct val="20000"/>
-              </a:spcBef>
-              <a:buFont typeface="Arial" pitchFamily="34" charset="0"/>
-              <a:buChar char="•"/>
-              <a:defRPr sz="2000" kern="1200">
-                <a:solidFill>
-                  <a:schemeClr val="tx1"/>
-                </a:solidFill>
-                <a:latin typeface="+mn-lt"/>
-                <a:ea typeface="+mn-ea"/>
-                <a:cs typeface="+mn-cs"/>
-              </a:defRPr>
-            </a:lvl6pPr>
-            <a:lvl7pPr marL="2971800" indent="-228600" algn="l" defTabSz="914400" rtl="0" eaLnBrk="1" latinLnBrk="0" hangingPunct="1">
-              <a:spcBef>
-                <a:spcPct val="20000"/>
-              </a:spcBef>
-              <a:buFont typeface="Arial" pitchFamily="34" charset="0"/>
-              <a:buChar char="•"/>
-              <a:defRPr sz="2000" kern="1200">
-                <a:solidFill>
-                  <a:schemeClr val="tx1"/>
-                </a:solidFill>
-                <a:latin typeface="+mn-lt"/>
-                <a:ea typeface="+mn-ea"/>
-                <a:cs typeface="+mn-cs"/>
-              </a:defRPr>
-            </a:lvl7pPr>
-            <a:lvl8pPr marL="3429000" indent="-228600" algn="l" defTabSz="914400" rtl="0" eaLnBrk="1" latinLnBrk="0" hangingPunct="1">
-              <a:spcBef>
-                <a:spcPct val="20000"/>
-              </a:spcBef>
-              <a:buFont typeface="Arial" pitchFamily="34" charset="0"/>
-              <a:buChar char="•"/>
-              <a:defRPr sz="2000" kern="1200">
-                <a:solidFill>
-                  <a:schemeClr val="tx1"/>
-                </a:solidFill>
-                <a:latin typeface="+mn-lt"/>
-                <a:ea typeface="+mn-ea"/>
-                <a:cs typeface="+mn-cs"/>
-              </a:defRPr>
-            </a:lvl8pPr>
-            <a:lvl9pPr marL="3886200" indent="-228600" algn="l" defTabSz="914400" rtl="0" eaLnBrk="1" latinLnBrk="0" hangingPunct="1">
-              <a:spcBef>
-                <a:spcPct val="20000"/>
-              </a:spcBef>
-              <a:buFont typeface="Arial" pitchFamily="34" charset="0"/>
-              <a:buChar char="•"/>
-              <a:defRPr sz="2000" kern="1200">
-                <a:solidFill>
-                  <a:schemeClr val="tx1"/>
-                </a:solidFill>
-                <a:latin typeface="+mn-lt"/>
-                <a:ea typeface="+mn-ea"/>
-                <a:cs typeface="+mn-cs"/>
-              </a:defRPr>
-            </a:lvl9pPr>
-          </a:lstStyle>
-          <a:p>
-            <a:pPr marL="0" indent="0" algn="ctr">
-              <a:buNone/>
-            </a:pPr>
-            <a:r>
-              <a:rPr lang="en-SK" sz="2800" dirty="0">
-                <a:solidFill>
-                  <a:schemeClr val="bg1"/>
-                </a:solidFill>
-              </a:rPr>
               <a:t>Web Services Description Language</a:t>
             </a:r>
           </a:p>
@@ -17409,7 +15937,7 @@
 </p:sld>
 </file>
 
-<file path=ppt/slides/slide42.xml><?xml version="1.0" encoding="utf-8"?>
+<file path=ppt/slides/slide39.xml><?xml version="1.0" encoding="utf-8"?>
 <p:sld xmlns:a="http://schemas.openxmlformats.org/drawingml/2006/main" xmlns:r="http://schemas.openxmlformats.org/officeDocument/2006/relationships" xmlns:p="http://schemas.openxmlformats.org/presentationml/2006/main">
   <p:cSld>
     <p:spTree>
@@ -18692,7 +17220,631 @@
 </p:sld>
 </file>
 
-<file path=ppt/slides/slide43.xml><?xml version="1.0" encoding="utf-8"?>
+<file path=ppt/slides/slide4.xml><?xml version="1.0" encoding="utf-8"?>
+<p:sld xmlns:a="http://schemas.openxmlformats.org/drawingml/2006/main" xmlns:r="http://schemas.openxmlformats.org/officeDocument/2006/relationships" xmlns:p="http://schemas.openxmlformats.org/presentationml/2006/main">
+  <p:cSld>
+    <p:spTree>
+      <p:nvGrpSpPr>
+        <p:cNvPr id="1" name=""/>
+        <p:cNvGrpSpPr/>
+        <p:nvPr/>
+      </p:nvGrpSpPr>
+      <p:grpSpPr>
+        <a:xfrm>
+          <a:off x="0" y="0"/>
+          <a:ext cx="0" cy="0"/>
+          <a:chOff x="0" y="0"/>
+          <a:chExt cx="0" cy="0"/>
+        </a:xfrm>
+      </p:grpSpPr>
+      <p:sp>
+        <p:nvSpPr>
+          <p:cNvPr id="2" name="Title 1">
+            <a:extLst>
+              <a:ext uri="{FF2B5EF4-FFF2-40B4-BE49-F238E27FC236}">
+                <a16:creationId xmlns:a16="http://schemas.microsoft.com/office/drawing/2014/main" id="{510082D6-8634-4E11-A444-B8001CA2C684}"/>
+              </a:ext>
+            </a:extLst>
+          </p:cNvPr>
+          <p:cNvSpPr>
+            <a:spLocks noGrp="1"/>
+          </p:cNvSpPr>
+          <p:nvPr>
+            <p:ph type="title"/>
+          </p:nvPr>
+        </p:nvSpPr>
+        <p:spPr/>
+        <p:txBody>
+          <a:bodyPr/>
+          <a:lstStyle/>
+          <a:p>
+            <a:r>
+              <a:rPr lang="en-SK" dirty="0"/>
+              <a:t>Remote Procedure Call</a:t>
+            </a:r>
+          </a:p>
+        </p:txBody>
+      </p:sp>
+      <p:sp>
+        <p:nvSpPr>
+          <p:cNvPr id="4" name="Cube 3">
+            <a:extLst>
+              <a:ext uri="{FF2B5EF4-FFF2-40B4-BE49-F238E27FC236}">
+                <a16:creationId xmlns:a16="http://schemas.microsoft.com/office/drawing/2014/main" id="{8234BF1D-2B88-D508-BC9F-0A68CCE77C6C}"/>
+              </a:ext>
+            </a:extLst>
+          </p:cNvPr>
+          <p:cNvSpPr/>
+          <p:nvPr/>
+        </p:nvSpPr>
+        <p:spPr>
+          <a:xfrm>
+            <a:off x="539551" y="1989060"/>
+            <a:ext cx="2879879" cy="2879879"/>
+          </a:xfrm>
+          <a:prstGeom prst="cube">
+            <a:avLst/>
+          </a:prstGeom>
+          <a:solidFill>
+            <a:srgbClr val="D3750C"/>
+          </a:solidFill>
+          <a:ln>
+            <a:solidFill>
+              <a:srgbClr val="ADA7A7"/>
+            </a:solidFill>
+          </a:ln>
+        </p:spPr>
+        <p:style>
+          <a:lnRef idx="2">
+            <a:schemeClr val="accent1">
+              <a:shade val="50000"/>
+            </a:schemeClr>
+          </a:lnRef>
+          <a:fillRef idx="1">
+            <a:schemeClr val="accent1"/>
+          </a:fillRef>
+          <a:effectRef idx="0">
+            <a:schemeClr val="accent1"/>
+          </a:effectRef>
+          <a:fontRef idx="minor">
+            <a:schemeClr val="lt1"/>
+          </a:fontRef>
+        </p:style>
+        <p:txBody>
+          <a:bodyPr rtlCol="0" anchor="ctr"/>
+          <a:lstStyle/>
+          <a:p>
+            <a:pPr algn="ctr"/>
+            <a:r>
+              <a:rPr lang="en-SK" sz="2000" dirty="0">
+                <a:latin typeface="Lato" panose="020F0502020204030203" pitchFamily="34" charset="0"/>
+                <a:ea typeface="Lato" panose="020F0502020204030203" pitchFamily="34" charset="0"/>
+                <a:cs typeface="Lato" panose="020F0502020204030203" pitchFamily="34" charset="0"/>
+              </a:rPr>
+              <a:t>Systém Romeo</a:t>
+            </a:r>
+          </a:p>
+        </p:txBody>
+      </p:sp>
+      <p:sp>
+        <p:nvSpPr>
+          <p:cNvPr id="5" name="Cube 4">
+            <a:extLst>
+              <a:ext uri="{FF2B5EF4-FFF2-40B4-BE49-F238E27FC236}">
+                <a16:creationId xmlns:a16="http://schemas.microsoft.com/office/drawing/2014/main" id="{76AB8466-A75D-E9C5-D17A-2EDB383E7D07}"/>
+              </a:ext>
+            </a:extLst>
+          </p:cNvPr>
+          <p:cNvSpPr/>
+          <p:nvPr/>
+        </p:nvSpPr>
+        <p:spPr>
+          <a:xfrm>
+            <a:off x="5580113" y="1989060"/>
+            <a:ext cx="2879879" cy="2879879"/>
+          </a:xfrm>
+          <a:prstGeom prst="cube">
+            <a:avLst/>
+          </a:prstGeom>
+          <a:solidFill>
+            <a:srgbClr val="9F2B00"/>
+          </a:solidFill>
+          <a:ln>
+            <a:solidFill>
+              <a:srgbClr val="ADA7A7"/>
+            </a:solidFill>
+          </a:ln>
+        </p:spPr>
+        <p:style>
+          <a:lnRef idx="2">
+            <a:schemeClr val="accent1">
+              <a:shade val="50000"/>
+            </a:schemeClr>
+          </a:lnRef>
+          <a:fillRef idx="1">
+            <a:schemeClr val="accent1"/>
+          </a:fillRef>
+          <a:effectRef idx="0">
+            <a:schemeClr val="accent1"/>
+          </a:effectRef>
+          <a:fontRef idx="minor">
+            <a:schemeClr val="lt1"/>
+          </a:fontRef>
+        </p:style>
+        <p:txBody>
+          <a:bodyPr rtlCol="0" anchor="ctr"/>
+          <a:lstStyle/>
+          <a:p>
+            <a:pPr algn="ctr"/>
+            <a:r>
+              <a:rPr lang="en-SK" sz="2000" dirty="0">
+                <a:latin typeface="Lato" panose="020F0502020204030203" pitchFamily="34" charset="0"/>
+                <a:ea typeface="Lato" panose="020F0502020204030203" pitchFamily="34" charset="0"/>
+                <a:cs typeface="Lato" panose="020F0502020204030203" pitchFamily="34" charset="0"/>
+              </a:rPr>
+              <a:t>Systém Julia</a:t>
+            </a:r>
+          </a:p>
+        </p:txBody>
+      </p:sp>
+      <p:cxnSp>
+        <p:nvCxnSpPr>
+          <p:cNvPr id="7" name="Straight Connector 6">
+            <a:extLst>
+              <a:ext uri="{FF2B5EF4-FFF2-40B4-BE49-F238E27FC236}">
+                <a16:creationId xmlns:a16="http://schemas.microsoft.com/office/drawing/2014/main" id="{8BC9AAF4-4993-A774-0085-D3A2DF15BAC4}"/>
+              </a:ext>
+            </a:extLst>
+          </p:cNvPr>
+          <p:cNvCxnSpPr/>
+          <p:nvPr/>
+        </p:nvCxnSpPr>
+        <p:spPr>
+          <a:xfrm>
+            <a:off x="3059832" y="3500788"/>
+            <a:ext cx="2520281" cy="0"/>
+          </a:xfrm>
+          <a:prstGeom prst="line">
+            <a:avLst/>
+          </a:prstGeom>
+          <a:ln w="76200">
+            <a:solidFill>
+              <a:srgbClr val="D3750C"/>
+            </a:solidFill>
+          </a:ln>
+        </p:spPr>
+        <p:style>
+          <a:lnRef idx="1">
+            <a:schemeClr val="accent1"/>
+          </a:lnRef>
+          <a:fillRef idx="0">
+            <a:schemeClr val="accent1"/>
+          </a:fillRef>
+          <a:effectRef idx="0">
+            <a:schemeClr val="accent1"/>
+          </a:effectRef>
+          <a:fontRef idx="minor">
+            <a:schemeClr val="tx1"/>
+          </a:fontRef>
+        </p:style>
+      </p:cxnSp>
+      <p:sp>
+        <p:nvSpPr>
+          <p:cNvPr id="3" name="Content Placeholder 5">
+            <a:extLst>
+              <a:ext uri="{FF2B5EF4-FFF2-40B4-BE49-F238E27FC236}">
+                <a16:creationId xmlns:a16="http://schemas.microsoft.com/office/drawing/2014/main" id="{24DF84E4-9EF0-D322-2281-5045D87580AA}"/>
+              </a:ext>
+            </a:extLst>
+          </p:cNvPr>
+          <p:cNvSpPr txBox="1">
+            <a:spLocks/>
+          </p:cNvSpPr>
+          <p:nvPr/>
+        </p:nvSpPr>
+        <p:spPr>
+          <a:xfrm>
+            <a:off x="0" y="5440361"/>
+            <a:ext cx="9144000" cy="1417639"/>
+          </a:xfrm>
+          <a:prstGeom prst="rect">
+            <a:avLst/>
+          </a:prstGeom>
+          <a:solidFill>
+            <a:srgbClr val="9F2B00"/>
+          </a:solidFill>
+          <a:ln>
+            <a:noFill/>
+          </a:ln>
+        </p:spPr>
+        <p:txBody>
+          <a:bodyPr vert="horz" lIns="91440" tIns="45720" rIns="91440" bIns="45720" rtlCol="0" anchor="ctr">
+            <a:normAutofit/>
+          </a:bodyPr>
+          <a:lstStyle>
+            <a:lvl1pPr marL="342900" indent="-342900" algn="l" defTabSz="914400" rtl="0" eaLnBrk="1" latinLnBrk="0" hangingPunct="1">
+              <a:spcBef>
+                <a:spcPct val="20000"/>
+              </a:spcBef>
+              <a:buFont typeface="Arial" pitchFamily="34" charset="0"/>
+              <a:buChar char="•"/>
+              <a:defRPr sz="3200" kern="1200">
+                <a:solidFill>
+                  <a:schemeClr val="tx1"/>
+                </a:solidFill>
+                <a:latin typeface="Lato" panose="020F0502020204030203" pitchFamily="34" charset="0"/>
+                <a:ea typeface="Lato" panose="020F0502020204030203" pitchFamily="34" charset="0"/>
+                <a:cs typeface="Lato" panose="020F0502020204030203" pitchFamily="34" charset="0"/>
+              </a:defRPr>
+            </a:lvl1pPr>
+            <a:lvl2pPr marL="742950" indent="-285750" algn="l" defTabSz="914400" rtl="0" eaLnBrk="1" latinLnBrk="0" hangingPunct="1">
+              <a:spcBef>
+                <a:spcPct val="20000"/>
+              </a:spcBef>
+              <a:buFont typeface="Arial" pitchFamily="34" charset="0"/>
+              <a:buChar char="–"/>
+              <a:defRPr sz="2800" kern="1200">
+                <a:solidFill>
+                  <a:schemeClr val="tx1"/>
+                </a:solidFill>
+                <a:latin typeface="Lato" panose="020F0502020204030203" pitchFamily="34" charset="0"/>
+                <a:ea typeface="Lato" panose="020F0502020204030203" pitchFamily="34" charset="0"/>
+                <a:cs typeface="Lato" panose="020F0502020204030203" pitchFamily="34" charset="0"/>
+              </a:defRPr>
+            </a:lvl2pPr>
+            <a:lvl3pPr marL="1143000" indent="-228600" algn="l" defTabSz="914400" rtl="0" eaLnBrk="1" latinLnBrk="0" hangingPunct="1">
+              <a:spcBef>
+                <a:spcPct val="20000"/>
+              </a:spcBef>
+              <a:buFont typeface="Arial" pitchFamily="34" charset="0"/>
+              <a:buChar char="•"/>
+              <a:defRPr sz="2400" kern="1200">
+                <a:solidFill>
+                  <a:schemeClr val="tx1"/>
+                </a:solidFill>
+                <a:latin typeface="Lato" panose="020F0502020204030203" pitchFamily="34" charset="0"/>
+                <a:ea typeface="Lato" panose="020F0502020204030203" pitchFamily="34" charset="0"/>
+                <a:cs typeface="Lato" panose="020F0502020204030203" pitchFamily="34" charset="0"/>
+              </a:defRPr>
+            </a:lvl3pPr>
+            <a:lvl4pPr marL="1600200" indent="-228600" algn="l" defTabSz="914400" rtl="0" eaLnBrk="1" latinLnBrk="0" hangingPunct="1">
+              <a:spcBef>
+                <a:spcPct val="20000"/>
+              </a:spcBef>
+              <a:buFont typeface="Arial" pitchFamily="34" charset="0"/>
+              <a:buChar char="–"/>
+              <a:defRPr sz="2000" kern="1200">
+                <a:solidFill>
+                  <a:schemeClr val="tx1"/>
+                </a:solidFill>
+                <a:latin typeface="Lato" panose="020F0502020204030203" pitchFamily="34" charset="0"/>
+                <a:ea typeface="Lato" panose="020F0502020204030203" pitchFamily="34" charset="0"/>
+                <a:cs typeface="Lato" panose="020F0502020204030203" pitchFamily="34" charset="0"/>
+              </a:defRPr>
+            </a:lvl4pPr>
+            <a:lvl5pPr marL="2057400" indent="-228600" algn="l" defTabSz="914400" rtl="0" eaLnBrk="1" latinLnBrk="0" hangingPunct="1">
+              <a:spcBef>
+                <a:spcPct val="20000"/>
+              </a:spcBef>
+              <a:buFont typeface="Arial" pitchFamily="34" charset="0"/>
+              <a:buChar char="»"/>
+              <a:defRPr sz="2000" kern="1200">
+                <a:solidFill>
+                  <a:schemeClr val="tx1"/>
+                </a:solidFill>
+                <a:latin typeface="Lato" panose="020F0502020204030203" pitchFamily="34" charset="0"/>
+                <a:ea typeface="Lato" panose="020F0502020204030203" pitchFamily="34" charset="0"/>
+                <a:cs typeface="Lato" panose="020F0502020204030203" pitchFamily="34" charset="0"/>
+              </a:defRPr>
+            </a:lvl5pPr>
+            <a:lvl6pPr marL="2514600" indent="-228600" algn="l" defTabSz="914400" rtl="0" eaLnBrk="1" latinLnBrk="0" hangingPunct="1">
+              <a:spcBef>
+                <a:spcPct val="20000"/>
+              </a:spcBef>
+              <a:buFont typeface="Arial" pitchFamily="34" charset="0"/>
+              <a:buChar char="•"/>
+              <a:defRPr sz="2000" kern="1200">
+                <a:solidFill>
+                  <a:schemeClr val="tx1"/>
+                </a:solidFill>
+                <a:latin typeface="+mn-lt"/>
+                <a:ea typeface="+mn-ea"/>
+                <a:cs typeface="+mn-cs"/>
+              </a:defRPr>
+            </a:lvl6pPr>
+            <a:lvl7pPr marL="2971800" indent="-228600" algn="l" defTabSz="914400" rtl="0" eaLnBrk="1" latinLnBrk="0" hangingPunct="1">
+              <a:spcBef>
+                <a:spcPct val="20000"/>
+              </a:spcBef>
+              <a:buFont typeface="Arial" pitchFamily="34" charset="0"/>
+              <a:buChar char="•"/>
+              <a:defRPr sz="2000" kern="1200">
+                <a:solidFill>
+                  <a:schemeClr val="tx1"/>
+                </a:solidFill>
+                <a:latin typeface="+mn-lt"/>
+                <a:ea typeface="+mn-ea"/>
+                <a:cs typeface="+mn-cs"/>
+              </a:defRPr>
+            </a:lvl7pPr>
+            <a:lvl8pPr marL="3429000" indent="-228600" algn="l" defTabSz="914400" rtl="0" eaLnBrk="1" latinLnBrk="0" hangingPunct="1">
+              <a:spcBef>
+                <a:spcPct val="20000"/>
+              </a:spcBef>
+              <a:buFont typeface="Arial" pitchFamily="34" charset="0"/>
+              <a:buChar char="•"/>
+              <a:defRPr sz="2000" kern="1200">
+                <a:solidFill>
+                  <a:schemeClr val="tx1"/>
+                </a:solidFill>
+                <a:latin typeface="+mn-lt"/>
+                <a:ea typeface="+mn-ea"/>
+                <a:cs typeface="+mn-cs"/>
+              </a:defRPr>
+            </a:lvl8pPr>
+            <a:lvl9pPr marL="3886200" indent="-228600" algn="l" defTabSz="914400" rtl="0" eaLnBrk="1" latinLnBrk="0" hangingPunct="1">
+              <a:spcBef>
+                <a:spcPct val="20000"/>
+              </a:spcBef>
+              <a:buFont typeface="Arial" pitchFamily="34" charset="0"/>
+              <a:buChar char="•"/>
+              <a:defRPr sz="2000" kern="1200">
+                <a:solidFill>
+                  <a:schemeClr val="tx1"/>
+                </a:solidFill>
+                <a:latin typeface="+mn-lt"/>
+                <a:ea typeface="+mn-ea"/>
+                <a:cs typeface="+mn-cs"/>
+              </a:defRPr>
+            </a:lvl9pPr>
+          </a:lstStyle>
+          <a:p>
+            <a:pPr marL="0" indent="0" algn="ctr">
+              <a:buNone/>
+            </a:pPr>
+            <a:r>
+              <a:rPr lang="en-SK" sz="2800" dirty="0">
+                <a:solidFill>
+                  <a:schemeClr val="bg1"/>
+                </a:solidFill>
+              </a:rPr>
+              <a:t>voláme procedúry, akoby boli v jednom programe</a:t>
+            </a:r>
+          </a:p>
+        </p:txBody>
+      </p:sp>
+      <p:sp>
+        <p:nvSpPr>
+          <p:cNvPr id="10" name="Zástupný symbol obsahu 2">
+            <a:extLst>
+              <a:ext uri="{FF2B5EF4-FFF2-40B4-BE49-F238E27FC236}">
+                <a16:creationId xmlns:a16="http://schemas.microsoft.com/office/drawing/2014/main" id="{38D93D35-80E1-9455-EA6F-FCC930C41B51}"/>
+              </a:ext>
+            </a:extLst>
+          </p:cNvPr>
+          <p:cNvSpPr>
+            <a:spLocks noGrp="1"/>
+          </p:cNvSpPr>
+          <p:nvPr>
+            <p:ph idx="1"/>
+          </p:nvPr>
+        </p:nvSpPr>
+        <p:spPr>
+          <a:xfrm>
+            <a:off x="3059831" y="3554376"/>
+            <a:ext cx="2520281" cy="792088"/>
+          </a:xfrm>
+        </p:spPr>
+        <p:txBody>
+          <a:bodyPr>
+            <a:normAutofit/>
+          </a:bodyPr>
+          <a:lstStyle/>
+          <a:p>
+            <a:pPr marL="0" indent="0" algn="r">
+              <a:buNone/>
+            </a:pPr>
+            <a:r>
+              <a:rPr lang="sk-SK" sz="2700" dirty="0"/>
+              <a:t>OK</a:t>
+            </a:r>
+          </a:p>
+        </p:txBody>
+      </p:sp>
+      <p:sp>
+        <p:nvSpPr>
+          <p:cNvPr id="11" name="Zástupný symbol obsahu 2">
+            <a:extLst>
+              <a:ext uri="{FF2B5EF4-FFF2-40B4-BE49-F238E27FC236}">
+                <a16:creationId xmlns:a16="http://schemas.microsoft.com/office/drawing/2014/main" id="{EE56DB62-3688-8B7D-2E04-B7FBA32B91C9}"/>
+              </a:ext>
+            </a:extLst>
+          </p:cNvPr>
+          <p:cNvSpPr txBox="1">
+            <a:spLocks/>
+          </p:cNvSpPr>
+          <p:nvPr/>
+        </p:nvSpPr>
+        <p:spPr>
+          <a:xfrm>
+            <a:off x="2966848" y="3000326"/>
+            <a:ext cx="2016225" cy="792088"/>
+          </a:xfrm>
+          <a:prstGeom prst="rect">
+            <a:avLst/>
+          </a:prstGeom>
+        </p:spPr>
+        <p:txBody>
+          <a:bodyPr vert="horz" lIns="91440" tIns="45720" rIns="91440" bIns="45720" rtlCol="0">
+            <a:normAutofit fontScale="85000" lnSpcReduction="10000"/>
+          </a:bodyPr>
+          <a:lstStyle>
+            <a:lvl1pPr marL="342900" indent="-342900" algn="l" defTabSz="914400" rtl="0" eaLnBrk="1" latinLnBrk="0" hangingPunct="1">
+              <a:spcBef>
+                <a:spcPts val="1200"/>
+              </a:spcBef>
+              <a:buFont typeface="Arial" pitchFamily="34" charset="0"/>
+              <a:buChar char="•"/>
+              <a:defRPr sz="3200" kern="1200">
+                <a:solidFill>
+                  <a:schemeClr val="tx1"/>
+                </a:solidFill>
+                <a:latin typeface="Lato" panose="020F0502020204030203" pitchFamily="34" charset="0"/>
+                <a:ea typeface="Lato" panose="020F0502020204030203" pitchFamily="34" charset="0"/>
+                <a:cs typeface="Lato" panose="020F0502020204030203" pitchFamily="34" charset="0"/>
+              </a:defRPr>
+            </a:lvl1pPr>
+            <a:lvl2pPr marL="742950" indent="-285750" algn="l" defTabSz="914400" rtl="0" eaLnBrk="1" latinLnBrk="0" hangingPunct="1">
+              <a:spcBef>
+                <a:spcPts val="1200"/>
+              </a:spcBef>
+              <a:buFont typeface="Arial" pitchFamily="34" charset="0"/>
+              <a:buChar char="–"/>
+              <a:defRPr sz="2800" kern="1200">
+                <a:solidFill>
+                  <a:schemeClr val="tx1"/>
+                </a:solidFill>
+                <a:latin typeface="Lato" panose="020F0502020204030203" pitchFamily="34" charset="0"/>
+                <a:ea typeface="Lato" panose="020F0502020204030203" pitchFamily="34" charset="0"/>
+                <a:cs typeface="Lato" panose="020F0502020204030203" pitchFamily="34" charset="0"/>
+              </a:defRPr>
+            </a:lvl2pPr>
+            <a:lvl3pPr marL="1143000" indent="-228600" algn="l" defTabSz="914400" rtl="0" eaLnBrk="1" latinLnBrk="0" hangingPunct="1">
+              <a:spcBef>
+                <a:spcPts val="1200"/>
+              </a:spcBef>
+              <a:buFont typeface="Arial" pitchFamily="34" charset="0"/>
+              <a:buChar char="•"/>
+              <a:defRPr sz="2400" kern="1200">
+                <a:solidFill>
+                  <a:schemeClr val="tx1"/>
+                </a:solidFill>
+                <a:latin typeface="Lato" panose="020F0502020204030203" pitchFamily="34" charset="0"/>
+                <a:ea typeface="Lato" panose="020F0502020204030203" pitchFamily="34" charset="0"/>
+                <a:cs typeface="Lato" panose="020F0502020204030203" pitchFamily="34" charset="0"/>
+              </a:defRPr>
+            </a:lvl3pPr>
+            <a:lvl4pPr marL="1600200" indent="-228600" algn="l" defTabSz="914400" rtl="0" eaLnBrk="1" latinLnBrk="0" hangingPunct="1">
+              <a:spcBef>
+                <a:spcPts val="1200"/>
+              </a:spcBef>
+              <a:buFont typeface="Arial" pitchFamily="34" charset="0"/>
+              <a:buChar char="–"/>
+              <a:defRPr sz="2000" kern="1200">
+                <a:solidFill>
+                  <a:schemeClr val="tx1"/>
+                </a:solidFill>
+                <a:latin typeface="Lato" panose="020F0502020204030203" pitchFamily="34" charset="0"/>
+                <a:ea typeface="Lato" panose="020F0502020204030203" pitchFamily="34" charset="0"/>
+                <a:cs typeface="Lato" panose="020F0502020204030203" pitchFamily="34" charset="0"/>
+              </a:defRPr>
+            </a:lvl4pPr>
+            <a:lvl5pPr marL="2057400" indent="-228600" algn="l" defTabSz="914400" rtl="0" eaLnBrk="1" latinLnBrk="0" hangingPunct="1">
+              <a:spcBef>
+                <a:spcPts val="1200"/>
+              </a:spcBef>
+              <a:buFont typeface="Arial" pitchFamily="34" charset="0"/>
+              <a:buChar char="»"/>
+              <a:defRPr sz="2000" kern="1200">
+                <a:solidFill>
+                  <a:schemeClr val="tx1"/>
+                </a:solidFill>
+                <a:latin typeface="Lato" panose="020F0502020204030203" pitchFamily="34" charset="0"/>
+                <a:ea typeface="Lato" panose="020F0502020204030203" pitchFamily="34" charset="0"/>
+                <a:cs typeface="Lato" panose="020F0502020204030203" pitchFamily="34" charset="0"/>
+              </a:defRPr>
+            </a:lvl5pPr>
+            <a:lvl6pPr marL="2514600" indent="-228600" algn="l" defTabSz="914400" rtl="0" eaLnBrk="1" latinLnBrk="0" hangingPunct="1">
+              <a:spcBef>
+                <a:spcPct val="20000"/>
+              </a:spcBef>
+              <a:buFont typeface="Arial" pitchFamily="34" charset="0"/>
+              <a:buChar char="•"/>
+              <a:defRPr sz="2000" kern="1200">
+                <a:solidFill>
+                  <a:schemeClr val="tx1"/>
+                </a:solidFill>
+                <a:latin typeface="+mn-lt"/>
+                <a:ea typeface="+mn-ea"/>
+                <a:cs typeface="+mn-cs"/>
+              </a:defRPr>
+            </a:lvl6pPr>
+            <a:lvl7pPr marL="2971800" indent="-228600" algn="l" defTabSz="914400" rtl="0" eaLnBrk="1" latinLnBrk="0" hangingPunct="1">
+              <a:spcBef>
+                <a:spcPct val="20000"/>
+              </a:spcBef>
+              <a:buFont typeface="Arial" pitchFamily="34" charset="0"/>
+              <a:buChar char="•"/>
+              <a:defRPr sz="2000" kern="1200">
+                <a:solidFill>
+                  <a:schemeClr val="tx1"/>
+                </a:solidFill>
+                <a:latin typeface="+mn-lt"/>
+                <a:ea typeface="+mn-ea"/>
+                <a:cs typeface="+mn-cs"/>
+              </a:defRPr>
+            </a:lvl7pPr>
+            <a:lvl8pPr marL="3429000" indent="-228600" algn="l" defTabSz="914400" rtl="0" eaLnBrk="1" latinLnBrk="0" hangingPunct="1">
+              <a:spcBef>
+                <a:spcPct val="20000"/>
+              </a:spcBef>
+              <a:buFont typeface="Arial" pitchFamily="34" charset="0"/>
+              <a:buChar char="•"/>
+              <a:defRPr sz="2000" kern="1200">
+                <a:solidFill>
+                  <a:schemeClr val="tx1"/>
+                </a:solidFill>
+                <a:latin typeface="+mn-lt"/>
+                <a:ea typeface="+mn-ea"/>
+                <a:cs typeface="+mn-cs"/>
+              </a:defRPr>
+            </a:lvl8pPr>
+            <a:lvl9pPr marL="3886200" indent="-228600" algn="l" defTabSz="914400" rtl="0" eaLnBrk="1" latinLnBrk="0" hangingPunct="1">
+              <a:spcBef>
+                <a:spcPct val="20000"/>
+              </a:spcBef>
+              <a:buFont typeface="Arial" pitchFamily="34" charset="0"/>
+              <a:buChar char="•"/>
+              <a:defRPr sz="2000" kern="1200">
+                <a:solidFill>
+                  <a:schemeClr val="tx1"/>
+                </a:solidFill>
+                <a:latin typeface="+mn-lt"/>
+                <a:ea typeface="+mn-ea"/>
+                <a:cs typeface="+mn-cs"/>
+              </a:defRPr>
+            </a:lvl9pPr>
+          </a:lstStyle>
+          <a:p>
+            <a:pPr marL="0" indent="0">
+              <a:buFont typeface="Arial" pitchFamily="34" charset="0"/>
+              <a:buNone/>
+            </a:pPr>
+            <a:r>
+              <a:rPr lang="sk-SK" dirty="0" err="1"/>
+              <a:t>send</a:t>
+            </a:r>
+            <a:r>
+              <a:rPr lang="sk-SK" dirty="0"/>
+              <a:t>€€(10)</a:t>
+            </a:r>
+          </a:p>
+        </p:txBody>
+      </p:sp>
+    </p:spTree>
+    <p:extLst>
+      <p:ext uri="{BB962C8B-B14F-4D97-AF65-F5344CB8AC3E}">
+        <p14:creationId xmlns:p14="http://schemas.microsoft.com/office/powerpoint/2010/main" val="2586760318"/>
+      </p:ext>
+    </p:extLst>
+  </p:cSld>
+  <p:clrMapOvr>
+    <a:masterClrMapping/>
+  </p:clrMapOvr>
+</p:sld>
+</file>
+
+<file path=ppt/slides/slide40.xml><?xml version="1.0" encoding="utf-8"?>
 <p:sld xmlns:a="http://schemas.openxmlformats.org/drawingml/2006/main" xmlns:r="http://schemas.openxmlformats.org/officeDocument/2006/relationships" xmlns:p="http://schemas.openxmlformats.org/presentationml/2006/main">
   <p:cSld>
     <p:spTree>
@@ -19791,6 +18943,721 @@
 </p:sld>
 </file>
 
+<file path=ppt/slides/slide41.xml><?xml version="1.0" encoding="utf-8"?>
+<p:sld xmlns:a="http://schemas.openxmlformats.org/drawingml/2006/main" xmlns:r="http://schemas.openxmlformats.org/officeDocument/2006/relationships" xmlns:p="http://schemas.openxmlformats.org/presentationml/2006/main">
+  <p:cSld>
+    <p:spTree>
+      <p:nvGrpSpPr>
+        <p:cNvPr id="1" name=""/>
+        <p:cNvGrpSpPr/>
+        <p:nvPr/>
+      </p:nvGrpSpPr>
+      <p:grpSpPr>
+        <a:xfrm>
+          <a:off x="0" y="0"/>
+          <a:ext cx="0" cy="0"/>
+          <a:chOff x="0" y="0"/>
+          <a:chExt cx="0" cy="0"/>
+        </a:xfrm>
+      </p:grpSpPr>
+      <p:sp>
+        <p:nvSpPr>
+          <p:cNvPr id="2" name="Nadpis 1"/>
+          <p:cNvSpPr>
+            <a:spLocks noGrp="1"/>
+          </p:cNvSpPr>
+          <p:nvPr>
+            <p:ph type="title"/>
+          </p:nvPr>
+        </p:nvSpPr>
+        <p:spPr/>
+        <p:txBody>
+          <a:bodyPr/>
+          <a:lstStyle/>
+          <a:p>
+            <a:r>
+              <a:rPr lang="sk-SK" dirty="0" err="1"/>
+              <a:t>Contract-last</a:t>
+            </a:r>
+            <a:r>
+              <a:rPr lang="sk-SK" dirty="0"/>
+              <a:t>! </a:t>
+            </a:r>
+            <a:r>
+              <a:rPr lang="sk-SK" dirty="0" err="1"/>
+              <a:t>Bottom-up</a:t>
+            </a:r>
+            <a:endParaRPr lang="sk-SK" dirty="0"/>
+          </a:p>
+        </p:txBody>
+      </p:sp>
+      <p:sp>
+        <p:nvSpPr>
+          <p:cNvPr id="3" name="Zástupný symbol obsahu 2"/>
+          <p:cNvSpPr>
+            <a:spLocks noGrp="1"/>
+          </p:cNvSpPr>
+          <p:nvPr>
+            <p:ph idx="1"/>
+          </p:nvPr>
+        </p:nvSpPr>
+        <p:spPr/>
+        <p:txBody>
+          <a:bodyPr/>
+          <a:lstStyle/>
+          <a:p>
+            <a:r>
+              <a:rPr lang="sk-SK" dirty="0"/>
+              <a:t>uvažujeme v objektoch konkrétneho programovacieho jazyka</a:t>
+            </a:r>
+          </a:p>
+          <a:p>
+            <a:r>
+              <a:rPr lang="sk-SK" dirty="0"/>
+              <a:t>expresný </a:t>
+            </a:r>
+            <a:r>
+              <a:rPr lang="sk-SK" dirty="0" err="1"/>
+              <a:t>bootstrap</a:t>
+            </a:r>
+            <a:r>
+              <a:rPr lang="sk-SK" dirty="0"/>
+              <a:t>!</a:t>
+            </a:r>
+          </a:p>
+          <a:p>
+            <a:pPr lvl="1"/>
+            <a:r>
+              <a:rPr lang="sk-SK" dirty="0"/>
+              <a:t>ale: ohrozený </a:t>
+            </a:r>
+            <a:r>
+              <a:rPr lang="sk-SK" dirty="0" err="1"/>
+              <a:t>interop</a:t>
+            </a:r>
+            <a:r>
+              <a:rPr lang="sk-SK" dirty="0"/>
+              <a:t>!</a:t>
+            </a:r>
+          </a:p>
+          <a:p>
+            <a:pPr lvl="1"/>
+            <a:r>
+              <a:rPr lang="sk-SK" dirty="0"/>
+              <a:t>ale: nestabilné API =&gt; nestabilné WSDL =&gt; stále opravovaní klienti</a:t>
+            </a:r>
+          </a:p>
+          <a:p>
+            <a:endParaRPr lang="sk-SK" dirty="0"/>
+          </a:p>
+        </p:txBody>
+      </p:sp>
+    </p:spTree>
+    <p:extLst>
+      <p:ext uri="{BB962C8B-B14F-4D97-AF65-F5344CB8AC3E}">
+        <p14:creationId xmlns:p14="http://schemas.microsoft.com/office/powerpoint/2010/main" val="215044018"/>
+      </p:ext>
+    </p:extLst>
+  </p:cSld>
+  <p:clrMapOvr>
+    <a:masterClrMapping/>
+  </p:clrMapOvr>
+</p:sld>
+</file>
+
+<file path=ppt/slides/slide42.xml><?xml version="1.0" encoding="utf-8"?>
+<p:sld xmlns:a="http://schemas.openxmlformats.org/drawingml/2006/main" xmlns:r="http://schemas.openxmlformats.org/officeDocument/2006/relationships" xmlns:p="http://schemas.openxmlformats.org/presentationml/2006/main">
+  <p:cSld>
+    <p:spTree>
+      <p:nvGrpSpPr>
+        <p:cNvPr id="1" name=""/>
+        <p:cNvGrpSpPr/>
+        <p:nvPr/>
+      </p:nvGrpSpPr>
+      <p:grpSpPr>
+        <a:xfrm>
+          <a:off x="0" y="0"/>
+          <a:ext cx="0" cy="0"/>
+          <a:chOff x="0" y="0"/>
+          <a:chExt cx="0" cy="0"/>
+        </a:xfrm>
+      </p:grpSpPr>
+      <p:sp>
+        <p:nvSpPr>
+          <p:cNvPr id="2" name="Nadpis 1"/>
+          <p:cNvSpPr>
+            <a:spLocks noGrp="1"/>
+          </p:cNvSpPr>
+          <p:nvPr>
+            <p:ph type="title"/>
+          </p:nvPr>
+        </p:nvSpPr>
+        <p:spPr/>
+        <p:txBody>
+          <a:bodyPr/>
+          <a:lstStyle/>
+          <a:p>
+            <a:r>
+              <a:rPr lang="sk-SK" dirty="0" err="1"/>
+              <a:t>Contract-first</a:t>
+            </a:r>
+            <a:r>
+              <a:rPr lang="sk-SK" dirty="0"/>
+              <a:t>! Top </a:t>
+            </a:r>
+            <a:r>
+              <a:rPr lang="sk-SK" dirty="0" err="1"/>
+              <a:t>Down</a:t>
+            </a:r>
+            <a:r>
+              <a:rPr lang="sk-SK" dirty="0"/>
+              <a:t>!</a:t>
+            </a:r>
+          </a:p>
+        </p:txBody>
+      </p:sp>
+      <p:sp>
+        <p:nvSpPr>
+          <p:cNvPr id="3" name="Zástupný symbol obsahu 2"/>
+          <p:cNvSpPr>
+            <a:spLocks noGrp="1"/>
+          </p:cNvSpPr>
+          <p:nvPr>
+            <p:ph idx="1"/>
+          </p:nvPr>
+        </p:nvSpPr>
+        <p:spPr/>
+        <p:txBody>
+          <a:bodyPr>
+            <a:normAutofit/>
+          </a:bodyPr>
+          <a:lstStyle/>
+          <a:p>
+            <a:r>
+              <a:rPr lang="sk-SK" dirty="0"/>
+              <a:t>pri tabuli dohodneme</a:t>
+            </a:r>
+          </a:p>
+          <a:p>
+            <a:pPr lvl="1"/>
+            <a:r>
+              <a:rPr lang="sk-SK" dirty="0"/>
+              <a:t>operácie</a:t>
+            </a:r>
+          </a:p>
+          <a:p>
+            <a:pPr lvl="1"/>
+            <a:r>
+              <a:rPr lang="sk-SK" dirty="0"/>
+              <a:t>štruktúru dát: </a:t>
+            </a:r>
+          </a:p>
+          <a:p>
+            <a:pPr lvl="2"/>
+            <a:r>
+              <a:rPr lang="sk-SK" dirty="0"/>
+              <a:t>XML pre vstupné správy</a:t>
+            </a:r>
+          </a:p>
+          <a:p>
+            <a:pPr lvl="2"/>
+            <a:r>
+              <a:rPr lang="sk-SK" dirty="0"/>
+              <a:t>XML pre výstupné správy </a:t>
+            </a:r>
+          </a:p>
+          <a:p>
+            <a:endParaRPr lang="sk-SK" dirty="0"/>
+          </a:p>
+        </p:txBody>
+      </p:sp>
+      <p:sp>
+        <p:nvSpPr>
+          <p:cNvPr id="6" name="Content Placeholder 5">
+            <a:extLst>
+              <a:ext uri="{FF2B5EF4-FFF2-40B4-BE49-F238E27FC236}">
+                <a16:creationId xmlns:a16="http://schemas.microsoft.com/office/drawing/2014/main" id="{5B1ACE93-C4C2-21CB-3CF8-4417576FEF48}"/>
+              </a:ext>
+            </a:extLst>
+          </p:cNvPr>
+          <p:cNvSpPr txBox="1">
+            <a:spLocks/>
+          </p:cNvSpPr>
+          <p:nvPr/>
+        </p:nvSpPr>
+        <p:spPr>
+          <a:xfrm>
+            <a:off x="0" y="5440361"/>
+            <a:ext cx="9144000" cy="1417639"/>
+          </a:xfrm>
+          <a:prstGeom prst="rect">
+            <a:avLst/>
+          </a:prstGeom>
+          <a:solidFill>
+            <a:srgbClr val="9F2B00"/>
+          </a:solidFill>
+          <a:ln>
+            <a:noFill/>
+          </a:ln>
+        </p:spPr>
+        <p:txBody>
+          <a:bodyPr vert="horz" lIns="91440" tIns="45720" rIns="91440" bIns="45720" rtlCol="0" anchor="ctr">
+            <a:normAutofit/>
+          </a:bodyPr>
+          <a:lstStyle>
+            <a:lvl1pPr marL="342900" indent="-342900" algn="l" defTabSz="914400" rtl="0" eaLnBrk="1" latinLnBrk="0" hangingPunct="1">
+              <a:spcBef>
+                <a:spcPct val="20000"/>
+              </a:spcBef>
+              <a:buFont typeface="Arial" pitchFamily="34" charset="0"/>
+              <a:buChar char="•"/>
+              <a:defRPr sz="3200" kern="1200">
+                <a:solidFill>
+                  <a:schemeClr val="tx1"/>
+                </a:solidFill>
+                <a:latin typeface="Lato" panose="020F0502020204030203" pitchFamily="34" charset="0"/>
+                <a:ea typeface="Lato" panose="020F0502020204030203" pitchFamily="34" charset="0"/>
+                <a:cs typeface="Lato" panose="020F0502020204030203" pitchFamily="34" charset="0"/>
+              </a:defRPr>
+            </a:lvl1pPr>
+            <a:lvl2pPr marL="742950" indent="-285750" algn="l" defTabSz="914400" rtl="0" eaLnBrk="1" latinLnBrk="0" hangingPunct="1">
+              <a:spcBef>
+                <a:spcPct val="20000"/>
+              </a:spcBef>
+              <a:buFont typeface="Arial" pitchFamily="34" charset="0"/>
+              <a:buChar char="–"/>
+              <a:defRPr sz="2800" kern="1200">
+                <a:solidFill>
+                  <a:schemeClr val="tx1"/>
+                </a:solidFill>
+                <a:latin typeface="Lato" panose="020F0502020204030203" pitchFamily="34" charset="0"/>
+                <a:ea typeface="Lato" panose="020F0502020204030203" pitchFamily="34" charset="0"/>
+                <a:cs typeface="Lato" panose="020F0502020204030203" pitchFamily="34" charset="0"/>
+              </a:defRPr>
+            </a:lvl2pPr>
+            <a:lvl3pPr marL="1143000" indent="-228600" algn="l" defTabSz="914400" rtl="0" eaLnBrk="1" latinLnBrk="0" hangingPunct="1">
+              <a:spcBef>
+                <a:spcPct val="20000"/>
+              </a:spcBef>
+              <a:buFont typeface="Arial" pitchFamily="34" charset="0"/>
+              <a:buChar char="•"/>
+              <a:defRPr sz="2400" kern="1200">
+                <a:solidFill>
+                  <a:schemeClr val="tx1"/>
+                </a:solidFill>
+                <a:latin typeface="Lato" panose="020F0502020204030203" pitchFamily="34" charset="0"/>
+                <a:ea typeface="Lato" panose="020F0502020204030203" pitchFamily="34" charset="0"/>
+                <a:cs typeface="Lato" panose="020F0502020204030203" pitchFamily="34" charset="0"/>
+              </a:defRPr>
+            </a:lvl3pPr>
+            <a:lvl4pPr marL="1600200" indent="-228600" algn="l" defTabSz="914400" rtl="0" eaLnBrk="1" latinLnBrk="0" hangingPunct="1">
+              <a:spcBef>
+                <a:spcPct val="20000"/>
+              </a:spcBef>
+              <a:buFont typeface="Arial" pitchFamily="34" charset="0"/>
+              <a:buChar char="–"/>
+              <a:defRPr sz="2000" kern="1200">
+                <a:solidFill>
+                  <a:schemeClr val="tx1"/>
+                </a:solidFill>
+                <a:latin typeface="Lato" panose="020F0502020204030203" pitchFamily="34" charset="0"/>
+                <a:ea typeface="Lato" panose="020F0502020204030203" pitchFamily="34" charset="0"/>
+                <a:cs typeface="Lato" panose="020F0502020204030203" pitchFamily="34" charset="0"/>
+              </a:defRPr>
+            </a:lvl4pPr>
+            <a:lvl5pPr marL="2057400" indent="-228600" algn="l" defTabSz="914400" rtl="0" eaLnBrk="1" latinLnBrk="0" hangingPunct="1">
+              <a:spcBef>
+                <a:spcPct val="20000"/>
+              </a:spcBef>
+              <a:buFont typeface="Arial" pitchFamily="34" charset="0"/>
+              <a:buChar char="»"/>
+              <a:defRPr sz="2000" kern="1200">
+                <a:solidFill>
+                  <a:schemeClr val="tx1"/>
+                </a:solidFill>
+                <a:latin typeface="Lato" panose="020F0502020204030203" pitchFamily="34" charset="0"/>
+                <a:ea typeface="Lato" panose="020F0502020204030203" pitchFamily="34" charset="0"/>
+                <a:cs typeface="Lato" panose="020F0502020204030203" pitchFamily="34" charset="0"/>
+              </a:defRPr>
+            </a:lvl5pPr>
+            <a:lvl6pPr marL="2514600" indent="-228600" algn="l" defTabSz="914400" rtl="0" eaLnBrk="1" latinLnBrk="0" hangingPunct="1">
+              <a:spcBef>
+                <a:spcPct val="20000"/>
+              </a:spcBef>
+              <a:buFont typeface="Arial" pitchFamily="34" charset="0"/>
+              <a:buChar char="•"/>
+              <a:defRPr sz="2000" kern="1200">
+                <a:solidFill>
+                  <a:schemeClr val="tx1"/>
+                </a:solidFill>
+                <a:latin typeface="+mn-lt"/>
+                <a:ea typeface="+mn-ea"/>
+                <a:cs typeface="+mn-cs"/>
+              </a:defRPr>
+            </a:lvl6pPr>
+            <a:lvl7pPr marL="2971800" indent="-228600" algn="l" defTabSz="914400" rtl="0" eaLnBrk="1" latinLnBrk="0" hangingPunct="1">
+              <a:spcBef>
+                <a:spcPct val="20000"/>
+              </a:spcBef>
+              <a:buFont typeface="Arial" pitchFamily="34" charset="0"/>
+              <a:buChar char="•"/>
+              <a:defRPr sz="2000" kern="1200">
+                <a:solidFill>
+                  <a:schemeClr val="tx1"/>
+                </a:solidFill>
+                <a:latin typeface="+mn-lt"/>
+                <a:ea typeface="+mn-ea"/>
+                <a:cs typeface="+mn-cs"/>
+              </a:defRPr>
+            </a:lvl7pPr>
+            <a:lvl8pPr marL="3429000" indent="-228600" algn="l" defTabSz="914400" rtl="0" eaLnBrk="1" latinLnBrk="0" hangingPunct="1">
+              <a:spcBef>
+                <a:spcPct val="20000"/>
+              </a:spcBef>
+              <a:buFont typeface="Arial" pitchFamily="34" charset="0"/>
+              <a:buChar char="•"/>
+              <a:defRPr sz="2000" kern="1200">
+                <a:solidFill>
+                  <a:schemeClr val="tx1"/>
+                </a:solidFill>
+                <a:latin typeface="+mn-lt"/>
+                <a:ea typeface="+mn-ea"/>
+                <a:cs typeface="+mn-cs"/>
+              </a:defRPr>
+            </a:lvl8pPr>
+            <a:lvl9pPr marL="3886200" indent="-228600" algn="l" defTabSz="914400" rtl="0" eaLnBrk="1" latinLnBrk="0" hangingPunct="1">
+              <a:spcBef>
+                <a:spcPct val="20000"/>
+              </a:spcBef>
+              <a:buFont typeface="Arial" pitchFamily="34" charset="0"/>
+              <a:buChar char="•"/>
+              <a:defRPr sz="2000" kern="1200">
+                <a:solidFill>
+                  <a:schemeClr val="tx1"/>
+                </a:solidFill>
+                <a:latin typeface="+mn-lt"/>
+                <a:ea typeface="+mn-ea"/>
+                <a:cs typeface="+mn-cs"/>
+              </a:defRPr>
+            </a:lvl9pPr>
+          </a:lstStyle>
+          <a:p>
+            <a:pPr marL="0" indent="0" algn="ctr">
+              <a:buNone/>
+            </a:pPr>
+            <a:r>
+              <a:rPr lang="en-SK" sz="2800" dirty="0">
+                <a:solidFill>
+                  <a:schemeClr val="bg1"/>
+                </a:solidFill>
+              </a:rPr>
+              <a:t>WSDL je platformovo nezávislé</a:t>
+            </a:r>
+          </a:p>
+        </p:txBody>
+      </p:sp>
+    </p:spTree>
+    <p:extLst>
+      <p:ext uri="{BB962C8B-B14F-4D97-AF65-F5344CB8AC3E}">
+        <p14:creationId xmlns:p14="http://schemas.microsoft.com/office/powerpoint/2010/main" val="1033238624"/>
+      </p:ext>
+    </p:extLst>
+  </p:cSld>
+  <p:clrMapOvr>
+    <a:masterClrMapping/>
+  </p:clrMapOvr>
+</p:sld>
+</file>
+
+<file path=ppt/slides/slide43.xml><?xml version="1.0" encoding="utf-8"?>
+<p:sld xmlns:a="http://schemas.openxmlformats.org/drawingml/2006/main" xmlns:r="http://schemas.openxmlformats.org/officeDocument/2006/relationships" xmlns:p="http://schemas.openxmlformats.org/presentationml/2006/main">
+  <p:cSld>
+    <p:spTree>
+      <p:nvGrpSpPr>
+        <p:cNvPr id="1" name=""/>
+        <p:cNvGrpSpPr/>
+        <p:nvPr/>
+      </p:nvGrpSpPr>
+      <p:grpSpPr>
+        <a:xfrm>
+          <a:off x="0" y="0"/>
+          <a:ext cx="0" cy="0"/>
+          <a:chOff x="0" y="0"/>
+          <a:chExt cx="0" cy="0"/>
+        </a:xfrm>
+      </p:grpSpPr>
+      <p:sp>
+        <p:nvSpPr>
+          <p:cNvPr id="2" name="Nadpis 1"/>
+          <p:cNvSpPr>
+            <a:spLocks noGrp="1"/>
+          </p:cNvSpPr>
+          <p:nvPr>
+            <p:ph type="title"/>
+          </p:nvPr>
+        </p:nvSpPr>
+        <p:spPr/>
+        <p:txBody>
+          <a:bodyPr>
+            <a:noAutofit/>
+          </a:bodyPr>
+          <a:lstStyle/>
+          <a:p>
+            <a:r>
+              <a:rPr lang="sk-SK" sz="4000" dirty="0"/>
+              <a:t>XML schéma: jazyk pre formát správ</a:t>
+            </a:r>
+          </a:p>
+        </p:txBody>
+      </p:sp>
+      <p:sp>
+        <p:nvSpPr>
+          <p:cNvPr id="3" name="Zástupný symbol obsahu 2"/>
+          <p:cNvSpPr>
+            <a:spLocks noGrp="1"/>
+          </p:cNvSpPr>
+          <p:nvPr>
+            <p:ph idx="4294967295"/>
+          </p:nvPr>
+        </p:nvSpPr>
+        <p:spPr>
+          <a:xfrm>
+            <a:off x="457200" y="1988840"/>
+            <a:ext cx="8229600" cy="4137323"/>
+          </a:xfrm>
+        </p:spPr>
+        <p:txBody>
+          <a:bodyPr>
+            <a:normAutofit/>
+          </a:bodyPr>
+          <a:lstStyle/>
+          <a:p>
+            <a:r>
+              <a:rPr lang="sk-SK" dirty="0"/>
+              <a:t>aké sú povolené XML správy?</a:t>
+            </a:r>
+          </a:p>
+          <a:p>
+            <a:r>
+              <a:rPr lang="sk-SK" dirty="0"/>
+              <a:t>aké elementy/atribúty majú?</a:t>
+            </a:r>
+          </a:p>
+          <a:p>
+            <a:r>
+              <a:rPr lang="sk-SK" dirty="0"/>
+              <a:t>v akej hierarchii?</a:t>
+            </a:r>
+          </a:p>
+          <a:p>
+            <a:r>
+              <a:rPr lang="sk-SK" dirty="0"/>
+              <a:t>aké dátové typy?</a:t>
+            </a:r>
+          </a:p>
+          <a:p>
+            <a:endParaRPr lang="sk-SK" dirty="0"/>
+          </a:p>
+        </p:txBody>
+      </p:sp>
+      <p:sp>
+        <p:nvSpPr>
+          <p:cNvPr id="5" name="Content Placeholder 5">
+            <a:extLst>
+              <a:ext uri="{FF2B5EF4-FFF2-40B4-BE49-F238E27FC236}">
+                <a16:creationId xmlns:a16="http://schemas.microsoft.com/office/drawing/2014/main" id="{A1FE40E0-2DBC-56D3-80F7-631796F7923A}"/>
+              </a:ext>
+            </a:extLst>
+          </p:cNvPr>
+          <p:cNvSpPr txBox="1">
+            <a:spLocks/>
+          </p:cNvSpPr>
+          <p:nvPr/>
+        </p:nvSpPr>
+        <p:spPr>
+          <a:xfrm>
+            <a:off x="0" y="5440361"/>
+            <a:ext cx="9144000" cy="1417639"/>
+          </a:xfrm>
+          <a:prstGeom prst="rect">
+            <a:avLst/>
+          </a:prstGeom>
+          <a:solidFill>
+            <a:srgbClr val="9F2B00"/>
+          </a:solidFill>
+          <a:ln>
+            <a:noFill/>
+          </a:ln>
+        </p:spPr>
+        <p:txBody>
+          <a:bodyPr vert="horz" lIns="91440" tIns="45720" rIns="91440" bIns="45720" rtlCol="0" anchor="ctr">
+            <a:normAutofit/>
+          </a:bodyPr>
+          <a:lstStyle>
+            <a:lvl1pPr marL="342900" indent="-342900" algn="l" defTabSz="914400" rtl="0" eaLnBrk="1" latinLnBrk="0" hangingPunct="1">
+              <a:spcBef>
+                <a:spcPct val="20000"/>
+              </a:spcBef>
+              <a:buFont typeface="Arial" pitchFamily="34" charset="0"/>
+              <a:buChar char="•"/>
+              <a:defRPr sz="3200" kern="1200">
+                <a:solidFill>
+                  <a:schemeClr val="tx1"/>
+                </a:solidFill>
+                <a:latin typeface="Lato" panose="020F0502020204030203" pitchFamily="34" charset="0"/>
+                <a:ea typeface="Lato" panose="020F0502020204030203" pitchFamily="34" charset="0"/>
+                <a:cs typeface="Lato" panose="020F0502020204030203" pitchFamily="34" charset="0"/>
+              </a:defRPr>
+            </a:lvl1pPr>
+            <a:lvl2pPr marL="742950" indent="-285750" algn="l" defTabSz="914400" rtl="0" eaLnBrk="1" latinLnBrk="0" hangingPunct="1">
+              <a:spcBef>
+                <a:spcPct val="20000"/>
+              </a:spcBef>
+              <a:buFont typeface="Arial" pitchFamily="34" charset="0"/>
+              <a:buChar char="–"/>
+              <a:defRPr sz="2800" kern="1200">
+                <a:solidFill>
+                  <a:schemeClr val="tx1"/>
+                </a:solidFill>
+                <a:latin typeface="Lato" panose="020F0502020204030203" pitchFamily="34" charset="0"/>
+                <a:ea typeface="Lato" panose="020F0502020204030203" pitchFamily="34" charset="0"/>
+                <a:cs typeface="Lato" panose="020F0502020204030203" pitchFamily="34" charset="0"/>
+              </a:defRPr>
+            </a:lvl2pPr>
+            <a:lvl3pPr marL="1143000" indent="-228600" algn="l" defTabSz="914400" rtl="0" eaLnBrk="1" latinLnBrk="0" hangingPunct="1">
+              <a:spcBef>
+                <a:spcPct val="20000"/>
+              </a:spcBef>
+              <a:buFont typeface="Arial" pitchFamily="34" charset="0"/>
+              <a:buChar char="•"/>
+              <a:defRPr sz="2400" kern="1200">
+                <a:solidFill>
+                  <a:schemeClr val="tx1"/>
+                </a:solidFill>
+                <a:latin typeface="Lato" panose="020F0502020204030203" pitchFamily="34" charset="0"/>
+                <a:ea typeface="Lato" panose="020F0502020204030203" pitchFamily="34" charset="0"/>
+                <a:cs typeface="Lato" panose="020F0502020204030203" pitchFamily="34" charset="0"/>
+              </a:defRPr>
+            </a:lvl3pPr>
+            <a:lvl4pPr marL="1600200" indent="-228600" algn="l" defTabSz="914400" rtl="0" eaLnBrk="1" latinLnBrk="0" hangingPunct="1">
+              <a:spcBef>
+                <a:spcPct val="20000"/>
+              </a:spcBef>
+              <a:buFont typeface="Arial" pitchFamily="34" charset="0"/>
+              <a:buChar char="–"/>
+              <a:defRPr sz="2000" kern="1200">
+                <a:solidFill>
+                  <a:schemeClr val="tx1"/>
+                </a:solidFill>
+                <a:latin typeface="Lato" panose="020F0502020204030203" pitchFamily="34" charset="0"/>
+                <a:ea typeface="Lato" panose="020F0502020204030203" pitchFamily="34" charset="0"/>
+                <a:cs typeface="Lato" panose="020F0502020204030203" pitchFamily="34" charset="0"/>
+              </a:defRPr>
+            </a:lvl4pPr>
+            <a:lvl5pPr marL="2057400" indent="-228600" algn="l" defTabSz="914400" rtl="0" eaLnBrk="1" latinLnBrk="0" hangingPunct="1">
+              <a:spcBef>
+                <a:spcPct val="20000"/>
+              </a:spcBef>
+              <a:buFont typeface="Arial" pitchFamily="34" charset="0"/>
+              <a:buChar char="»"/>
+              <a:defRPr sz="2000" kern="1200">
+                <a:solidFill>
+                  <a:schemeClr val="tx1"/>
+                </a:solidFill>
+                <a:latin typeface="Lato" panose="020F0502020204030203" pitchFamily="34" charset="0"/>
+                <a:ea typeface="Lato" panose="020F0502020204030203" pitchFamily="34" charset="0"/>
+                <a:cs typeface="Lato" panose="020F0502020204030203" pitchFamily="34" charset="0"/>
+              </a:defRPr>
+            </a:lvl5pPr>
+            <a:lvl6pPr marL="2514600" indent="-228600" algn="l" defTabSz="914400" rtl="0" eaLnBrk="1" latinLnBrk="0" hangingPunct="1">
+              <a:spcBef>
+                <a:spcPct val="20000"/>
+              </a:spcBef>
+              <a:buFont typeface="Arial" pitchFamily="34" charset="0"/>
+              <a:buChar char="•"/>
+              <a:defRPr sz="2000" kern="1200">
+                <a:solidFill>
+                  <a:schemeClr val="tx1"/>
+                </a:solidFill>
+                <a:latin typeface="+mn-lt"/>
+                <a:ea typeface="+mn-ea"/>
+                <a:cs typeface="+mn-cs"/>
+              </a:defRPr>
+            </a:lvl6pPr>
+            <a:lvl7pPr marL="2971800" indent="-228600" algn="l" defTabSz="914400" rtl="0" eaLnBrk="1" latinLnBrk="0" hangingPunct="1">
+              <a:spcBef>
+                <a:spcPct val="20000"/>
+              </a:spcBef>
+              <a:buFont typeface="Arial" pitchFamily="34" charset="0"/>
+              <a:buChar char="•"/>
+              <a:defRPr sz="2000" kern="1200">
+                <a:solidFill>
+                  <a:schemeClr val="tx1"/>
+                </a:solidFill>
+                <a:latin typeface="+mn-lt"/>
+                <a:ea typeface="+mn-ea"/>
+                <a:cs typeface="+mn-cs"/>
+              </a:defRPr>
+            </a:lvl7pPr>
+            <a:lvl8pPr marL="3429000" indent="-228600" algn="l" defTabSz="914400" rtl="0" eaLnBrk="1" latinLnBrk="0" hangingPunct="1">
+              <a:spcBef>
+                <a:spcPct val="20000"/>
+              </a:spcBef>
+              <a:buFont typeface="Arial" pitchFamily="34" charset="0"/>
+              <a:buChar char="•"/>
+              <a:defRPr sz="2000" kern="1200">
+                <a:solidFill>
+                  <a:schemeClr val="tx1"/>
+                </a:solidFill>
+                <a:latin typeface="+mn-lt"/>
+                <a:ea typeface="+mn-ea"/>
+                <a:cs typeface="+mn-cs"/>
+              </a:defRPr>
+            </a:lvl8pPr>
+            <a:lvl9pPr marL="3886200" indent="-228600" algn="l" defTabSz="914400" rtl="0" eaLnBrk="1" latinLnBrk="0" hangingPunct="1">
+              <a:spcBef>
+                <a:spcPct val="20000"/>
+              </a:spcBef>
+              <a:buFont typeface="Arial" pitchFamily="34" charset="0"/>
+              <a:buChar char="•"/>
+              <a:defRPr sz="2000" kern="1200">
+                <a:solidFill>
+                  <a:schemeClr val="tx1"/>
+                </a:solidFill>
+                <a:latin typeface="+mn-lt"/>
+                <a:ea typeface="+mn-ea"/>
+                <a:cs typeface="+mn-cs"/>
+              </a:defRPr>
+            </a:lvl9pPr>
+          </a:lstStyle>
+          <a:p>
+            <a:pPr marL="0" indent="0" algn="ctr">
+              <a:buNone/>
+            </a:pPr>
+            <a:r>
+              <a:rPr lang="en-SK" sz="2800" dirty="0">
+                <a:solidFill>
+                  <a:schemeClr val="bg1"/>
+                </a:solidFill>
+              </a:rPr>
+              <a:t>XSD: definícia tvaru správ</a:t>
+            </a:r>
+          </a:p>
+        </p:txBody>
+      </p:sp>
+    </p:spTree>
+    <p:extLst>
+      <p:ext uri="{BB962C8B-B14F-4D97-AF65-F5344CB8AC3E}">
+        <p14:creationId xmlns:p14="http://schemas.microsoft.com/office/powerpoint/2010/main" val="483288195"/>
+      </p:ext>
+    </p:extLst>
+  </p:cSld>
+  <p:clrMapOvr>
+    <a:masterClrMapping/>
+  </p:clrMapOvr>
+</p:sld>
+</file>
+
 <file path=ppt/slides/slide44.xml><?xml version="1.0" encoding="utf-8"?>
 <p:sld xmlns:a="http://schemas.openxmlformats.org/drawingml/2006/main" xmlns:r="http://schemas.openxmlformats.org/officeDocument/2006/relationships" xmlns:p="http://schemas.openxmlformats.org/presentationml/2006/main">
   <p:cSld>
@@ -19820,22 +19687,15 @@
         </p:nvSpPr>
         <p:spPr/>
         <p:txBody>
-          <a:bodyPr/>
+          <a:bodyPr>
+            <a:noAutofit/>
+          </a:bodyPr>
           <a:lstStyle/>
           <a:p>
             <a:r>
-              <a:rPr lang="sk-SK" dirty="0" err="1"/>
-              <a:t>Contract-last</a:t>
-            </a:r>
-            <a:r>
-              <a:rPr lang="sk-SK" dirty="0"/>
-              <a:t>! </a:t>
-            </a:r>
-            <a:r>
-              <a:rPr lang="sk-SK" dirty="0" err="1"/>
-              <a:t>Bottom-up</a:t>
-            </a:r>
-            <a:endParaRPr lang="sk-SK" dirty="0"/>
+              <a:rPr lang="sk-SK" sz="4000" dirty="0"/>
+              <a:t>XML schéma: jazyk pre formát správ</a:t>
+            </a:r>
           </a:p>
         </p:txBody>
       </p:sp>
@@ -19846,64 +19706,233 @@
             <a:spLocks noGrp="1"/>
           </p:cNvSpPr>
           <p:nvPr>
-            <p:ph idx="1"/>
+            <p:ph idx="4294967295"/>
           </p:nvPr>
         </p:nvSpPr>
-        <p:spPr/>
+        <p:spPr>
+          <a:xfrm>
+            <a:off x="457200" y="1988840"/>
+            <a:ext cx="8229600" cy="4137323"/>
+          </a:xfrm>
+        </p:spPr>
         <p:txBody>
-          <a:bodyPr/>
+          <a:bodyPr>
+            <a:normAutofit/>
+          </a:bodyPr>
           <a:lstStyle/>
           <a:p>
             <a:r>
               <a:rPr lang="sk-SK" dirty="0"/>
-              <a:t>uvažujeme v objektoch konkrétneho programovacieho jazyka</a:t>
+              <a:t>pomocou schémy vieme validovať správy!</a:t>
             </a:r>
           </a:p>
           <a:p>
             <a:r>
               <a:rPr lang="sk-SK" dirty="0"/>
-              <a:t>expresný </a:t>
-            </a:r>
-            <a:r>
-              <a:rPr lang="sk-SK" dirty="0" err="1"/>
-              <a:t>bootstrap</a:t>
-            </a:r>
+              <a:t>pomocou schémy vieme mapovať schému na triedu!</a:t>
+            </a:r>
+          </a:p>
+          <a:p>
+            <a:pPr lvl="1"/>
             <a:r>
               <a:rPr lang="sk-SK" dirty="0"/>
-              <a:t>!</a:t>
-            </a:r>
-          </a:p>
-          <a:p>
-            <a:pPr lvl="1"/>
-            <a:r>
-              <a:rPr lang="sk-SK" dirty="0"/>
-              <a:t>ale: ohrozený </a:t>
-            </a:r>
-            <a:r>
-              <a:rPr lang="sk-SK" dirty="0" err="1"/>
-              <a:t>interop</a:t>
-            </a:r>
-            <a:r>
-              <a:rPr lang="sk-SK" dirty="0"/>
-              <a:t>!</a:t>
-            </a:r>
-          </a:p>
-          <a:p>
-            <a:pPr lvl="1"/>
-            <a:r>
-              <a:rPr lang="sk-SK" dirty="0"/>
-              <a:t>ale: nestabilné API =&gt; nestabilné WSDL =&gt; stále opravovaní klienti</a:t>
+              <a:t>automatický prevod XML na objekty a späť</a:t>
             </a:r>
           </a:p>
           <a:p>
             <a:endParaRPr lang="sk-SK" dirty="0"/>
+          </a:p>
+        </p:txBody>
+      </p:sp>
+      <p:sp>
+        <p:nvSpPr>
+          <p:cNvPr id="5" name="Content Placeholder 5">
+            <a:extLst>
+              <a:ext uri="{FF2B5EF4-FFF2-40B4-BE49-F238E27FC236}">
+                <a16:creationId xmlns:a16="http://schemas.microsoft.com/office/drawing/2014/main" id="{A1FE40E0-2DBC-56D3-80F7-631796F7923A}"/>
+              </a:ext>
+            </a:extLst>
+          </p:cNvPr>
+          <p:cNvSpPr txBox="1">
+            <a:spLocks/>
+          </p:cNvSpPr>
+          <p:nvPr/>
+        </p:nvSpPr>
+        <p:spPr>
+          <a:xfrm>
+            <a:off x="0" y="5440361"/>
+            <a:ext cx="9144000" cy="1417639"/>
+          </a:xfrm>
+          <a:prstGeom prst="rect">
+            <a:avLst/>
+          </a:prstGeom>
+          <a:solidFill>
+            <a:srgbClr val="9F2B00"/>
+          </a:solidFill>
+          <a:ln>
+            <a:noFill/>
+          </a:ln>
+        </p:spPr>
+        <p:txBody>
+          <a:bodyPr vert="horz" lIns="91440" tIns="45720" rIns="91440" bIns="45720" rtlCol="0" anchor="ctr">
+            <a:normAutofit/>
+          </a:bodyPr>
+          <a:lstStyle>
+            <a:lvl1pPr marL="342900" indent="-342900" algn="l" defTabSz="914400" rtl="0" eaLnBrk="1" latinLnBrk="0" hangingPunct="1">
+              <a:spcBef>
+                <a:spcPct val="20000"/>
+              </a:spcBef>
+              <a:buFont typeface="Arial" pitchFamily="34" charset="0"/>
+              <a:buChar char="•"/>
+              <a:defRPr sz="3200" kern="1200">
+                <a:solidFill>
+                  <a:schemeClr val="tx1"/>
+                </a:solidFill>
+                <a:latin typeface="Lato" panose="020F0502020204030203" pitchFamily="34" charset="0"/>
+                <a:ea typeface="Lato" panose="020F0502020204030203" pitchFamily="34" charset="0"/>
+                <a:cs typeface="Lato" panose="020F0502020204030203" pitchFamily="34" charset="0"/>
+              </a:defRPr>
+            </a:lvl1pPr>
+            <a:lvl2pPr marL="742950" indent="-285750" algn="l" defTabSz="914400" rtl="0" eaLnBrk="1" latinLnBrk="0" hangingPunct="1">
+              <a:spcBef>
+                <a:spcPct val="20000"/>
+              </a:spcBef>
+              <a:buFont typeface="Arial" pitchFamily="34" charset="0"/>
+              <a:buChar char="–"/>
+              <a:defRPr sz="2800" kern="1200">
+                <a:solidFill>
+                  <a:schemeClr val="tx1"/>
+                </a:solidFill>
+                <a:latin typeface="Lato" panose="020F0502020204030203" pitchFamily="34" charset="0"/>
+                <a:ea typeface="Lato" panose="020F0502020204030203" pitchFamily="34" charset="0"/>
+                <a:cs typeface="Lato" panose="020F0502020204030203" pitchFamily="34" charset="0"/>
+              </a:defRPr>
+            </a:lvl2pPr>
+            <a:lvl3pPr marL="1143000" indent="-228600" algn="l" defTabSz="914400" rtl="0" eaLnBrk="1" latinLnBrk="0" hangingPunct="1">
+              <a:spcBef>
+                <a:spcPct val="20000"/>
+              </a:spcBef>
+              <a:buFont typeface="Arial" pitchFamily="34" charset="0"/>
+              <a:buChar char="•"/>
+              <a:defRPr sz="2400" kern="1200">
+                <a:solidFill>
+                  <a:schemeClr val="tx1"/>
+                </a:solidFill>
+                <a:latin typeface="Lato" panose="020F0502020204030203" pitchFamily="34" charset="0"/>
+                <a:ea typeface="Lato" panose="020F0502020204030203" pitchFamily="34" charset="0"/>
+                <a:cs typeface="Lato" panose="020F0502020204030203" pitchFamily="34" charset="0"/>
+              </a:defRPr>
+            </a:lvl3pPr>
+            <a:lvl4pPr marL="1600200" indent="-228600" algn="l" defTabSz="914400" rtl="0" eaLnBrk="1" latinLnBrk="0" hangingPunct="1">
+              <a:spcBef>
+                <a:spcPct val="20000"/>
+              </a:spcBef>
+              <a:buFont typeface="Arial" pitchFamily="34" charset="0"/>
+              <a:buChar char="–"/>
+              <a:defRPr sz="2000" kern="1200">
+                <a:solidFill>
+                  <a:schemeClr val="tx1"/>
+                </a:solidFill>
+                <a:latin typeface="Lato" panose="020F0502020204030203" pitchFamily="34" charset="0"/>
+                <a:ea typeface="Lato" panose="020F0502020204030203" pitchFamily="34" charset="0"/>
+                <a:cs typeface="Lato" panose="020F0502020204030203" pitchFamily="34" charset="0"/>
+              </a:defRPr>
+            </a:lvl4pPr>
+            <a:lvl5pPr marL="2057400" indent="-228600" algn="l" defTabSz="914400" rtl="0" eaLnBrk="1" latinLnBrk="0" hangingPunct="1">
+              <a:spcBef>
+                <a:spcPct val="20000"/>
+              </a:spcBef>
+              <a:buFont typeface="Arial" pitchFamily="34" charset="0"/>
+              <a:buChar char="»"/>
+              <a:defRPr sz="2000" kern="1200">
+                <a:solidFill>
+                  <a:schemeClr val="tx1"/>
+                </a:solidFill>
+                <a:latin typeface="Lato" panose="020F0502020204030203" pitchFamily="34" charset="0"/>
+                <a:ea typeface="Lato" panose="020F0502020204030203" pitchFamily="34" charset="0"/>
+                <a:cs typeface="Lato" panose="020F0502020204030203" pitchFamily="34" charset="0"/>
+              </a:defRPr>
+            </a:lvl5pPr>
+            <a:lvl6pPr marL="2514600" indent="-228600" algn="l" defTabSz="914400" rtl="0" eaLnBrk="1" latinLnBrk="0" hangingPunct="1">
+              <a:spcBef>
+                <a:spcPct val="20000"/>
+              </a:spcBef>
+              <a:buFont typeface="Arial" pitchFamily="34" charset="0"/>
+              <a:buChar char="•"/>
+              <a:defRPr sz="2000" kern="1200">
+                <a:solidFill>
+                  <a:schemeClr val="tx1"/>
+                </a:solidFill>
+                <a:latin typeface="+mn-lt"/>
+                <a:ea typeface="+mn-ea"/>
+                <a:cs typeface="+mn-cs"/>
+              </a:defRPr>
+            </a:lvl6pPr>
+            <a:lvl7pPr marL="2971800" indent="-228600" algn="l" defTabSz="914400" rtl="0" eaLnBrk="1" latinLnBrk="0" hangingPunct="1">
+              <a:spcBef>
+                <a:spcPct val="20000"/>
+              </a:spcBef>
+              <a:buFont typeface="Arial" pitchFamily="34" charset="0"/>
+              <a:buChar char="•"/>
+              <a:defRPr sz="2000" kern="1200">
+                <a:solidFill>
+                  <a:schemeClr val="tx1"/>
+                </a:solidFill>
+                <a:latin typeface="+mn-lt"/>
+                <a:ea typeface="+mn-ea"/>
+                <a:cs typeface="+mn-cs"/>
+              </a:defRPr>
+            </a:lvl7pPr>
+            <a:lvl8pPr marL="3429000" indent="-228600" algn="l" defTabSz="914400" rtl="0" eaLnBrk="1" latinLnBrk="0" hangingPunct="1">
+              <a:spcBef>
+                <a:spcPct val="20000"/>
+              </a:spcBef>
+              <a:buFont typeface="Arial" pitchFamily="34" charset="0"/>
+              <a:buChar char="•"/>
+              <a:defRPr sz="2000" kern="1200">
+                <a:solidFill>
+                  <a:schemeClr val="tx1"/>
+                </a:solidFill>
+                <a:latin typeface="+mn-lt"/>
+                <a:ea typeface="+mn-ea"/>
+                <a:cs typeface="+mn-cs"/>
+              </a:defRPr>
+            </a:lvl8pPr>
+            <a:lvl9pPr marL="3886200" indent="-228600" algn="l" defTabSz="914400" rtl="0" eaLnBrk="1" latinLnBrk="0" hangingPunct="1">
+              <a:spcBef>
+                <a:spcPct val="20000"/>
+              </a:spcBef>
+              <a:buFont typeface="Arial" pitchFamily="34" charset="0"/>
+              <a:buChar char="•"/>
+              <a:defRPr sz="2000" kern="1200">
+                <a:solidFill>
+                  <a:schemeClr val="tx1"/>
+                </a:solidFill>
+                <a:latin typeface="+mn-lt"/>
+                <a:ea typeface="+mn-ea"/>
+                <a:cs typeface="+mn-cs"/>
+              </a:defRPr>
+            </a:lvl9pPr>
+          </a:lstStyle>
+          <a:p>
+            <a:pPr marL="0" indent="0" algn="ctr">
+              <a:buNone/>
+            </a:pPr>
+            <a:r>
+              <a:rPr lang="en-SK" sz="2800" dirty="0">
+                <a:solidFill>
+                  <a:schemeClr val="bg1"/>
+                </a:solidFill>
+              </a:rPr>
+              <a:t>XSD: definícia tvaru správ</a:t>
+            </a:r>
           </a:p>
         </p:txBody>
       </p:sp>
     </p:spTree>
     <p:extLst>
       <p:ext uri="{BB962C8B-B14F-4D97-AF65-F5344CB8AC3E}">
-        <p14:creationId xmlns:p14="http://schemas.microsoft.com/office/powerpoint/2010/main" val="215044018"/>
+        <p14:creationId xmlns:p14="http://schemas.microsoft.com/office/powerpoint/2010/main" val="2932392662"/>
       </p:ext>
     </p:extLst>
   </p:cSld>
@@ -19932,99 +19961,10 @@
       </p:grpSpPr>
       <p:sp>
         <p:nvSpPr>
-          <p:cNvPr id="2" name="Nadpis 1"/>
-          <p:cNvSpPr>
-            <a:spLocks noGrp="1"/>
-          </p:cNvSpPr>
-          <p:nvPr>
-            <p:ph type="title"/>
-          </p:nvPr>
-        </p:nvSpPr>
-        <p:spPr/>
-        <p:txBody>
-          <a:bodyPr/>
-          <a:lstStyle/>
-          <a:p>
-            <a:r>
-              <a:rPr lang="sk-SK" dirty="0" err="1"/>
-              <a:t>Contract-first</a:t>
-            </a:r>
-            <a:r>
-              <a:rPr lang="sk-SK" dirty="0"/>
-              <a:t>! Top </a:t>
-            </a:r>
-            <a:r>
-              <a:rPr lang="sk-SK" dirty="0" err="1"/>
-              <a:t>Down</a:t>
-            </a:r>
-            <a:r>
-              <a:rPr lang="sk-SK" dirty="0"/>
-              <a:t>!</a:t>
-            </a:r>
-          </a:p>
-        </p:txBody>
-      </p:sp>
-      <p:sp>
-        <p:nvSpPr>
-          <p:cNvPr id="3" name="Zástupný symbol obsahu 2"/>
-          <p:cNvSpPr>
-            <a:spLocks noGrp="1"/>
-          </p:cNvSpPr>
-          <p:nvPr>
-            <p:ph idx="1"/>
-          </p:nvPr>
-        </p:nvSpPr>
-        <p:spPr/>
-        <p:txBody>
-          <a:bodyPr>
-            <a:normAutofit/>
-          </a:bodyPr>
-          <a:lstStyle/>
-          <a:p>
-            <a:r>
-              <a:rPr lang="sk-SK" dirty="0"/>
-              <a:t>pri tabuli dohodneme</a:t>
-            </a:r>
-          </a:p>
-          <a:p>
-            <a:pPr lvl="1"/>
-            <a:r>
-              <a:rPr lang="sk-SK" dirty="0"/>
-              <a:t>operácie</a:t>
-            </a:r>
-          </a:p>
-          <a:p>
-            <a:pPr lvl="1"/>
-            <a:r>
-              <a:rPr lang="sk-SK" dirty="0"/>
-              <a:t>štruktúru dát: </a:t>
-            </a:r>
-          </a:p>
-          <a:p>
-            <a:pPr lvl="2"/>
-            <a:r>
-              <a:rPr lang="sk-SK" dirty="0"/>
-              <a:t>XML pre vstupné správy</a:t>
-            </a:r>
-          </a:p>
-          <a:p>
-            <a:pPr lvl="2"/>
-            <a:r>
-              <a:rPr lang="sk-SK" dirty="0"/>
-              <a:t>XML pre výstupné správy </a:t>
-            </a:r>
-          </a:p>
-          <a:p>
-            <a:endParaRPr lang="sk-SK" dirty="0"/>
-          </a:p>
-        </p:txBody>
-      </p:sp>
-      <p:sp>
-        <p:nvSpPr>
-          <p:cNvPr id="6" name="Content Placeholder 5">
+          <p:cNvPr id="2" name="Content Placeholder 5">
             <a:extLst>
               <a:ext uri="{FF2B5EF4-FFF2-40B4-BE49-F238E27FC236}">
-                <a16:creationId xmlns:a16="http://schemas.microsoft.com/office/drawing/2014/main" id="{5B1ACE93-C4C2-21CB-3CF8-4417576FEF48}"/>
+                <a16:creationId xmlns:a16="http://schemas.microsoft.com/office/drawing/2014/main" id="{8A78565C-B5E5-FCD4-10CD-BF708D076991}"/>
               </a:ext>
             </a:extLst>
           </p:cNvPr>
@@ -20035,8 +19975,473 @@
         </p:nvSpPr>
         <p:spPr>
           <a:xfrm>
-            <a:off x="0" y="5440361"/>
-            <a:ext cx="9144000" cy="1417639"/>
+            <a:off x="251520" y="620688"/>
+            <a:ext cx="8437124" cy="3528034"/>
+          </a:xfrm>
+          <a:prstGeom prst="rect">
+            <a:avLst/>
+          </a:prstGeom>
+          <a:solidFill>
+            <a:srgbClr val="D3D3C8"/>
+          </a:solidFill>
+          <a:ln w="38100">
+            <a:solidFill>
+              <a:schemeClr val="accent6"/>
+            </a:solidFill>
+          </a:ln>
+        </p:spPr>
+        <p:txBody>
+          <a:bodyPr vert="horz" lIns="180000" tIns="180000" rIns="180000" bIns="180000" rtlCol="0" anchor="ctr">
+            <a:normAutofit/>
+          </a:bodyPr>
+          <a:lstStyle>
+            <a:lvl1pPr marL="342900" indent="-342900" algn="l" defTabSz="914400" rtl="0" eaLnBrk="1" latinLnBrk="0" hangingPunct="1">
+              <a:spcBef>
+                <a:spcPct val="20000"/>
+              </a:spcBef>
+              <a:buFont typeface="Arial" pitchFamily="34" charset="0"/>
+              <a:buChar char="•"/>
+              <a:defRPr sz="3200" kern="1200">
+                <a:solidFill>
+                  <a:schemeClr val="tx1"/>
+                </a:solidFill>
+                <a:latin typeface="Lato" panose="020F0502020204030203" pitchFamily="34" charset="0"/>
+                <a:ea typeface="Lato" panose="020F0502020204030203" pitchFamily="34" charset="0"/>
+                <a:cs typeface="Lato" panose="020F0502020204030203" pitchFamily="34" charset="0"/>
+              </a:defRPr>
+            </a:lvl1pPr>
+            <a:lvl2pPr marL="742950" indent="-285750" algn="l" defTabSz="914400" rtl="0" eaLnBrk="1" latinLnBrk="0" hangingPunct="1">
+              <a:spcBef>
+                <a:spcPct val="20000"/>
+              </a:spcBef>
+              <a:buFont typeface="Arial" pitchFamily="34" charset="0"/>
+              <a:buChar char="–"/>
+              <a:defRPr sz="2800" kern="1200">
+                <a:solidFill>
+                  <a:schemeClr val="tx1"/>
+                </a:solidFill>
+                <a:latin typeface="Lato" panose="020F0502020204030203" pitchFamily="34" charset="0"/>
+                <a:ea typeface="Lato" panose="020F0502020204030203" pitchFamily="34" charset="0"/>
+                <a:cs typeface="Lato" panose="020F0502020204030203" pitchFamily="34" charset="0"/>
+              </a:defRPr>
+            </a:lvl2pPr>
+            <a:lvl3pPr marL="1143000" indent="-228600" algn="l" defTabSz="914400" rtl="0" eaLnBrk="1" latinLnBrk="0" hangingPunct="1">
+              <a:spcBef>
+                <a:spcPct val="20000"/>
+              </a:spcBef>
+              <a:buFont typeface="Arial" pitchFamily="34" charset="0"/>
+              <a:buChar char="•"/>
+              <a:defRPr sz="2400" kern="1200">
+                <a:solidFill>
+                  <a:schemeClr val="tx1"/>
+                </a:solidFill>
+                <a:latin typeface="Lato" panose="020F0502020204030203" pitchFamily="34" charset="0"/>
+                <a:ea typeface="Lato" panose="020F0502020204030203" pitchFamily="34" charset="0"/>
+                <a:cs typeface="Lato" panose="020F0502020204030203" pitchFamily="34" charset="0"/>
+              </a:defRPr>
+            </a:lvl3pPr>
+            <a:lvl4pPr marL="1600200" indent="-228600" algn="l" defTabSz="914400" rtl="0" eaLnBrk="1" latinLnBrk="0" hangingPunct="1">
+              <a:spcBef>
+                <a:spcPct val="20000"/>
+              </a:spcBef>
+              <a:buFont typeface="Arial" pitchFamily="34" charset="0"/>
+              <a:buChar char="–"/>
+              <a:defRPr sz="2000" kern="1200">
+                <a:solidFill>
+                  <a:schemeClr val="tx1"/>
+                </a:solidFill>
+                <a:latin typeface="Lato" panose="020F0502020204030203" pitchFamily="34" charset="0"/>
+                <a:ea typeface="Lato" panose="020F0502020204030203" pitchFamily="34" charset="0"/>
+                <a:cs typeface="Lato" panose="020F0502020204030203" pitchFamily="34" charset="0"/>
+              </a:defRPr>
+            </a:lvl4pPr>
+            <a:lvl5pPr marL="2057400" indent="-228600" algn="l" defTabSz="914400" rtl="0" eaLnBrk="1" latinLnBrk="0" hangingPunct="1">
+              <a:spcBef>
+                <a:spcPct val="20000"/>
+              </a:spcBef>
+              <a:buFont typeface="Arial" pitchFamily="34" charset="0"/>
+              <a:buChar char="»"/>
+              <a:defRPr sz="2000" kern="1200">
+                <a:solidFill>
+                  <a:schemeClr val="tx1"/>
+                </a:solidFill>
+                <a:latin typeface="Lato" panose="020F0502020204030203" pitchFamily="34" charset="0"/>
+                <a:ea typeface="Lato" panose="020F0502020204030203" pitchFamily="34" charset="0"/>
+                <a:cs typeface="Lato" panose="020F0502020204030203" pitchFamily="34" charset="0"/>
+              </a:defRPr>
+            </a:lvl5pPr>
+            <a:lvl6pPr marL="2514600" indent="-228600" algn="l" defTabSz="914400" rtl="0" eaLnBrk="1" latinLnBrk="0" hangingPunct="1">
+              <a:spcBef>
+                <a:spcPct val="20000"/>
+              </a:spcBef>
+              <a:buFont typeface="Arial" pitchFamily="34" charset="0"/>
+              <a:buChar char="•"/>
+              <a:defRPr sz="2000" kern="1200">
+                <a:solidFill>
+                  <a:schemeClr val="tx1"/>
+                </a:solidFill>
+                <a:latin typeface="+mn-lt"/>
+                <a:ea typeface="+mn-ea"/>
+                <a:cs typeface="+mn-cs"/>
+              </a:defRPr>
+            </a:lvl6pPr>
+            <a:lvl7pPr marL="2971800" indent="-228600" algn="l" defTabSz="914400" rtl="0" eaLnBrk="1" latinLnBrk="0" hangingPunct="1">
+              <a:spcBef>
+                <a:spcPct val="20000"/>
+              </a:spcBef>
+              <a:buFont typeface="Arial" pitchFamily="34" charset="0"/>
+              <a:buChar char="•"/>
+              <a:defRPr sz="2000" kern="1200">
+                <a:solidFill>
+                  <a:schemeClr val="tx1"/>
+                </a:solidFill>
+                <a:latin typeface="+mn-lt"/>
+                <a:ea typeface="+mn-ea"/>
+                <a:cs typeface="+mn-cs"/>
+              </a:defRPr>
+            </a:lvl7pPr>
+            <a:lvl8pPr marL="3429000" indent="-228600" algn="l" defTabSz="914400" rtl="0" eaLnBrk="1" latinLnBrk="0" hangingPunct="1">
+              <a:spcBef>
+                <a:spcPct val="20000"/>
+              </a:spcBef>
+              <a:buFont typeface="Arial" pitchFamily="34" charset="0"/>
+              <a:buChar char="•"/>
+              <a:defRPr sz="2000" kern="1200">
+                <a:solidFill>
+                  <a:schemeClr val="tx1"/>
+                </a:solidFill>
+                <a:latin typeface="+mn-lt"/>
+                <a:ea typeface="+mn-ea"/>
+                <a:cs typeface="+mn-cs"/>
+              </a:defRPr>
+            </a:lvl8pPr>
+            <a:lvl9pPr marL="3886200" indent="-228600" algn="l" defTabSz="914400" rtl="0" eaLnBrk="1" latinLnBrk="0" hangingPunct="1">
+              <a:spcBef>
+                <a:spcPct val="20000"/>
+              </a:spcBef>
+              <a:buFont typeface="Arial" pitchFamily="34" charset="0"/>
+              <a:buChar char="•"/>
+              <a:defRPr sz="2000" kern="1200">
+                <a:solidFill>
+                  <a:schemeClr val="tx1"/>
+                </a:solidFill>
+                <a:latin typeface="+mn-lt"/>
+                <a:ea typeface="+mn-ea"/>
+                <a:cs typeface="+mn-cs"/>
+              </a:defRPr>
+            </a:lvl9pPr>
+          </a:lstStyle>
+          <a:p>
+            <a:pPr marL="0" indent="0">
+              <a:buNone/>
+              <a:tabLst>
+                <a:tab pos="350838" algn="l"/>
+                <a:tab pos="525463" algn="l"/>
+                <a:tab pos="701675" algn="l"/>
+              </a:tabLst>
+            </a:pPr>
+            <a:r>
+              <a:rPr lang="en-GB" sz="2000" dirty="0">
+                <a:latin typeface="Hack" panose="020B0609030202020204" pitchFamily="49" charset="0"/>
+                <a:ea typeface="Hack" panose="020B0609030202020204" pitchFamily="49" charset="0"/>
+                <a:cs typeface="Hack" panose="020B0609030202020204" pitchFamily="49" charset="0"/>
+              </a:rPr>
+              <a:t>&lt;</a:t>
+            </a:r>
+            <a:r>
+              <a:rPr lang="en-GB" sz="2000" dirty="0" err="1">
+                <a:latin typeface="Hack" panose="020B0609030202020204" pitchFamily="49" charset="0"/>
+                <a:ea typeface="Hack" panose="020B0609030202020204" pitchFamily="49" charset="0"/>
+                <a:cs typeface="Hack" panose="020B0609030202020204" pitchFamily="49" charset="0"/>
+              </a:rPr>
+              <a:t>xs:complexType</a:t>
+            </a:r>
+            <a:r>
+              <a:rPr lang="en-GB" sz="2000" dirty="0">
+                <a:latin typeface="Hack" panose="020B0609030202020204" pitchFamily="49" charset="0"/>
+                <a:ea typeface="Hack" panose="020B0609030202020204" pitchFamily="49" charset="0"/>
+                <a:cs typeface="Hack" panose="020B0609030202020204" pitchFamily="49" charset="0"/>
+              </a:rPr>
+              <a:t> name="chocolate"&gt;</a:t>
+            </a:r>
+          </a:p>
+          <a:p>
+            <a:pPr marL="0" indent="0">
+              <a:buNone/>
+              <a:tabLst>
+                <a:tab pos="350838" algn="l"/>
+                <a:tab pos="525463" algn="l"/>
+                <a:tab pos="701675" algn="l"/>
+              </a:tabLst>
+            </a:pPr>
+            <a:r>
+              <a:rPr lang="en-GB" sz="2000" dirty="0">
+                <a:latin typeface="Hack" panose="020B0609030202020204" pitchFamily="49" charset="0"/>
+                <a:ea typeface="Hack" panose="020B0609030202020204" pitchFamily="49" charset="0"/>
+                <a:cs typeface="Hack" panose="020B0609030202020204" pitchFamily="49" charset="0"/>
+              </a:rPr>
+              <a:t>  &lt;</a:t>
+            </a:r>
+            <a:r>
+              <a:rPr lang="en-GB" sz="2000" dirty="0" err="1">
+                <a:latin typeface="Hack" panose="020B0609030202020204" pitchFamily="49" charset="0"/>
+                <a:ea typeface="Hack" panose="020B0609030202020204" pitchFamily="49" charset="0"/>
+                <a:cs typeface="Hack" panose="020B0609030202020204" pitchFamily="49" charset="0"/>
+              </a:rPr>
+              <a:t>xs:sequence</a:t>
+            </a:r>
+            <a:r>
+              <a:rPr lang="en-GB" sz="2000" dirty="0">
+                <a:latin typeface="Hack" panose="020B0609030202020204" pitchFamily="49" charset="0"/>
+                <a:ea typeface="Hack" panose="020B0609030202020204" pitchFamily="49" charset="0"/>
+                <a:cs typeface="Hack" panose="020B0609030202020204" pitchFamily="49" charset="0"/>
+              </a:rPr>
+              <a:t>&gt;</a:t>
+            </a:r>
+          </a:p>
+          <a:p>
+            <a:pPr marL="0" indent="0">
+              <a:buNone/>
+              <a:tabLst>
+                <a:tab pos="350838" algn="l"/>
+                <a:tab pos="525463" algn="l"/>
+                <a:tab pos="701675" algn="l"/>
+              </a:tabLst>
+            </a:pPr>
+            <a:r>
+              <a:rPr lang="en-GB" sz="2000" dirty="0">
+                <a:latin typeface="Hack" panose="020B0609030202020204" pitchFamily="49" charset="0"/>
+                <a:ea typeface="Hack" panose="020B0609030202020204" pitchFamily="49" charset="0"/>
+                <a:cs typeface="Hack" panose="020B0609030202020204" pitchFamily="49" charset="0"/>
+              </a:rPr>
+              <a:t>    &lt;</a:t>
+            </a:r>
+            <a:r>
+              <a:rPr lang="en-GB" sz="2000" dirty="0" err="1">
+                <a:latin typeface="Hack" panose="020B0609030202020204" pitchFamily="49" charset="0"/>
+                <a:ea typeface="Hack" panose="020B0609030202020204" pitchFamily="49" charset="0"/>
+                <a:cs typeface="Hack" panose="020B0609030202020204" pitchFamily="49" charset="0"/>
+              </a:rPr>
+              <a:t>xs:element</a:t>
+            </a:r>
+            <a:r>
+              <a:rPr lang="en-GB" sz="2000" dirty="0">
+                <a:latin typeface="Hack" panose="020B0609030202020204" pitchFamily="49" charset="0"/>
+                <a:ea typeface="Hack" panose="020B0609030202020204" pitchFamily="49" charset="0"/>
+                <a:cs typeface="Hack" panose="020B0609030202020204" pitchFamily="49" charset="0"/>
+              </a:rPr>
+              <a:t> name="</a:t>
+            </a:r>
+            <a:r>
+              <a:rPr lang="en-GB" sz="2000" dirty="0">
+                <a:solidFill>
+                  <a:srgbClr val="9F2B00"/>
+                </a:solidFill>
+                <a:latin typeface="Hack" panose="020B0609030202020204" pitchFamily="49" charset="0"/>
+                <a:ea typeface="Hack" panose="020B0609030202020204" pitchFamily="49" charset="0"/>
+                <a:cs typeface="Hack" panose="020B0609030202020204" pitchFamily="49" charset="0"/>
+              </a:rPr>
+              <a:t>id</a:t>
+            </a:r>
+            <a:r>
+              <a:rPr lang="en-GB" sz="2000" dirty="0">
+                <a:latin typeface="Hack" panose="020B0609030202020204" pitchFamily="49" charset="0"/>
+                <a:ea typeface="Hack" panose="020B0609030202020204" pitchFamily="49" charset="0"/>
+                <a:cs typeface="Hack" panose="020B0609030202020204" pitchFamily="49" charset="0"/>
+              </a:rPr>
+              <a:t>" </a:t>
+            </a:r>
+          </a:p>
+          <a:p>
+            <a:pPr marL="0" indent="0">
+              <a:buNone/>
+              <a:tabLst>
+                <a:tab pos="350838" algn="l"/>
+                <a:tab pos="525463" algn="l"/>
+                <a:tab pos="701675" algn="l"/>
+              </a:tabLst>
+            </a:pPr>
+            <a:r>
+              <a:rPr lang="en-GB" sz="2000" dirty="0">
+                <a:latin typeface="Hack" panose="020B0609030202020204" pitchFamily="49" charset="0"/>
+                <a:ea typeface="Hack" panose="020B0609030202020204" pitchFamily="49" charset="0"/>
+                <a:cs typeface="Hack" panose="020B0609030202020204" pitchFamily="49" charset="0"/>
+              </a:rPr>
+              <a:t>                type="</a:t>
+            </a:r>
+            <a:r>
+              <a:rPr lang="en-GB" sz="2000" dirty="0" err="1">
+                <a:latin typeface="Hack" panose="020B0609030202020204" pitchFamily="49" charset="0"/>
+                <a:ea typeface="Hack" panose="020B0609030202020204" pitchFamily="49" charset="0"/>
+                <a:cs typeface="Hack" panose="020B0609030202020204" pitchFamily="49" charset="0"/>
+              </a:rPr>
+              <a:t>xs:long</a:t>
+            </a:r>
+            <a:r>
+              <a:rPr lang="en-GB" sz="2000" dirty="0">
+                <a:latin typeface="Hack" panose="020B0609030202020204" pitchFamily="49" charset="0"/>
+                <a:ea typeface="Hack" panose="020B0609030202020204" pitchFamily="49" charset="0"/>
+                <a:cs typeface="Hack" panose="020B0609030202020204" pitchFamily="49" charset="0"/>
+              </a:rPr>
+              <a:t>" </a:t>
+            </a:r>
+          </a:p>
+          <a:p>
+            <a:pPr marL="0" indent="0">
+              <a:buNone/>
+              <a:tabLst>
+                <a:tab pos="350838" algn="l"/>
+                <a:tab pos="525463" algn="l"/>
+                <a:tab pos="701675" algn="l"/>
+              </a:tabLst>
+            </a:pPr>
+            <a:r>
+              <a:rPr lang="en-GB" sz="2000" dirty="0">
+                <a:latin typeface="Hack" panose="020B0609030202020204" pitchFamily="49" charset="0"/>
+                <a:ea typeface="Hack" panose="020B0609030202020204" pitchFamily="49" charset="0"/>
+                <a:cs typeface="Hack" panose="020B0609030202020204" pitchFamily="49" charset="0"/>
+              </a:rPr>
+              <a:t>                minOccurs="0" /&gt;</a:t>
+            </a:r>
+          </a:p>
+          <a:p>
+            <a:pPr marL="0" indent="0">
+              <a:buNone/>
+              <a:tabLst>
+                <a:tab pos="350838" algn="l"/>
+                <a:tab pos="525463" algn="l"/>
+                <a:tab pos="701675" algn="l"/>
+              </a:tabLst>
+            </a:pPr>
+            <a:r>
+              <a:rPr lang="en-GB" sz="2000" dirty="0">
+                <a:latin typeface="Hack" panose="020B0609030202020204" pitchFamily="49" charset="0"/>
+                <a:ea typeface="Hack" panose="020B0609030202020204" pitchFamily="49" charset="0"/>
+                <a:cs typeface="Hack" panose="020B0609030202020204" pitchFamily="49" charset="0"/>
+              </a:rPr>
+              <a:t>    &lt;</a:t>
+            </a:r>
+            <a:r>
+              <a:rPr lang="en-GB" sz="2000" dirty="0" err="1">
+                <a:latin typeface="Hack" panose="020B0609030202020204" pitchFamily="49" charset="0"/>
+                <a:ea typeface="Hack" panose="020B0609030202020204" pitchFamily="49" charset="0"/>
+                <a:cs typeface="Hack" panose="020B0609030202020204" pitchFamily="49" charset="0"/>
+              </a:rPr>
+              <a:t>xs:element</a:t>
+            </a:r>
+            <a:r>
+              <a:rPr lang="en-GB" sz="2000" dirty="0">
+                <a:latin typeface="Hack" panose="020B0609030202020204" pitchFamily="49" charset="0"/>
+                <a:ea typeface="Hack" panose="020B0609030202020204" pitchFamily="49" charset="0"/>
+                <a:cs typeface="Hack" panose="020B0609030202020204" pitchFamily="49" charset="0"/>
+              </a:rPr>
+              <a:t> name="title" type="</a:t>
+            </a:r>
+            <a:r>
+              <a:rPr lang="en-GB" sz="2000" dirty="0" err="1">
+                <a:latin typeface="Hack" panose="020B0609030202020204" pitchFamily="49" charset="0"/>
+                <a:ea typeface="Hack" panose="020B0609030202020204" pitchFamily="49" charset="0"/>
+                <a:cs typeface="Hack" panose="020B0609030202020204" pitchFamily="49" charset="0"/>
+              </a:rPr>
+              <a:t>xs:string</a:t>
+            </a:r>
+            <a:r>
+              <a:rPr lang="en-GB" sz="2000" dirty="0">
+                <a:latin typeface="Hack" panose="020B0609030202020204" pitchFamily="49" charset="0"/>
+                <a:ea typeface="Hack" panose="020B0609030202020204" pitchFamily="49" charset="0"/>
+                <a:cs typeface="Hack" panose="020B0609030202020204" pitchFamily="49" charset="0"/>
+              </a:rPr>
+              <a:t>" /&gt;</a:t>
+            </a:r>
+          </a:p>
+          <a:p>
+            <a:pPr marL="0" indent="0">
+              <a:buNone/>
+              <a:tabLst>
+                <a:tab pos="350838" algn="l"/>
+                <a:tab pos="525463" algn="l"/>
+                <a:tab pos="701675" algn="l"/>
+              </a:tabLst>
+            </a:pPr>
+            <a:r>
+              <a:rPr lang="en-GB" sz="2000" dirty="0">
+                <a:latin typeface="Hack" panose="020B0609030202020204" pitchFamily="49" charset="0"/>
+                <a:ea typeface="Hack" panose="020B0609030202020204" pitchFamily="49" charset="0"/>
+                <a:cs typeface="Hack" panose="020B0609030202020204" pitchFamily="49" charset="0"/>
+              </a:rPr>
+              <a:t>  &lt;/</a:t>
+            </a:r>
+            <a:r>
+              <a:rPr lang="en-GB" sz="2000" dirty="0" err="1">
+                <a:latin typeface="Hack" panose="020B0609030202020204" pitchFamily="49" charset="0"/>
+                <a:ea typeface="Hack" panose="020B0609030202020204" pitchFamily="49" charset="0"/>
+                <a:cs typeface="Hack" panose="020B0609030202020204" pitchFamily="49" charset="0"/>
+              </a:rPr>
+              <a:t>xs:sequence</a:t>
+            </a:r>
+            <a:r>
+              <a:rPr lang="en-GB" sz="2000" dirty="0">
+                <a:latin typeface="Hack" panose="020B0609030202020204" pitchFamily="49" charset="0"/>
+                <a:ea typeface="Hack" panose="020B0609030202020204" pitchFamily="49" charset="0"/>
+                <a:cs typeface="Hack" panose="020B0609030202020204" pitchFamily="49" charset="0"/>
+              </a:rPr>
+              <a:t>&gt;</a:t>
+            </a:r>
+          </a:p>
+          <a:p>
+            <a:pPr marL="0" indent="0">
+              <a:buNone/>
+              <a:tabLst>
+                <a:tab pos="350838" algn="l"/>
+                <a:tab pos="525463" algn="l"/>
+                <a:tab pos="701675" algn="l"/>
+              </a:tabLst>
+            </a:pPr>
+            <a:r>
+              <a:rPr lang="en-GB" sz="2000" dirty="0">
+                <a:latin typeface="Hack" panose="020B0609030202020204" pitchFamily="49" charset="0"/>
+                <a:ea typeface="Hack" panose="020B0609030202020204" pitchFamily="49" charset="0"/>
+                <a:cs typeface="Hack" panose="020B0609030202020204" pitchFamily="49" charset="0"/>
+              </a:rPr>
+              <a:t>&lt;/</a:t>
+            </a:r>
+            <a:r>
+              <a:rPr lang="en-GB" sz="2000" dirty="0" err="1">
+                <a:latin typeface="Hack" panose="020B0609030202020204" pitchFamily="49" charset="0"/>
+                <a:ea typeface="Hack" panose="020B0609030202020204" pitchFamily="49" charset="0"/>
+                <a:cs typeface="Hack" panose="020B0609030202020204" pitchFamily="49" charset="0"/>
+              </a:rPr>
+              <a:t>xs:complexType</a:t>
+            </a:r>
+            <a:r>
+              <a:rPr lang="en-GB" sz="2000" dirty="0">
+                <a:latin typeface="Hack" panose="020B0609030202020204" pitchFamily="49" charset="0"/>
+                <a:ea typeface="Hack" panose="020B0609030202020204" pitchFamily="49" charset="0"/>
+                <a:cs typeface="Hack" panose="020B0609030202020204" pitchFamily="49" charset="0"/>
+              </a:rPr>
+              <a:t>&gt;</a:t>
+            </a:r>
+          </a:p>
+        </p:txBody>
+      </p:sp>
+      <p:sp>
+        <p:nvSpPr>
+          <p:cNvPr id="4" name="Content Placeholder 5">
+            <a:extLst>
+              <a:ext uri="{FF2B5EF4-FFF2-40B4-BE49-F238E27FC236}">
+                <a16:creationId xmlns:a16="http://schemas.microsoft.com/office/drawing/2014/main" id="{3C0B851F-5BCF-7332-A557-757E825133BD}"/>
+              </a:ext>
+            </a:extLst>
+          </p:cNvPr>
+          <p:cNvSpPr txBox="1">
+            <a:spLocks/>
+          </p:cNvSpPr>
+          <p:nvPr/>
+        </p:nvSpPr>
+        <p:spPr>
+          <a:xfrm>
+            <a:off x="5796136" y="-16308"/>
+            <a:ext cx="3347864" cy="1501092"/>
           </a:xfrm>
           <a:prstGeom prst="rect">
             <a:avLst/>
@@ -20199,7 +20604,285 @@
                   <a:schemeClr val="bg1"/>
                 </a:solidFill>
               </a:rPr>
-              <a:t>WSDL je platformovo nezávislé</a:t>
+              <a:t>časť XSD schémy</a:t>
+            </a:r>
+          </a:p>
+        </p:txBody>
+      </p:sp>
+      <p:sp>
+        <p:nvSpPr>
+          <p:cNvPr id="9" name="Content Placeholder 5">
+            <a:extLst>
+              <a:ext uri="{FF2B5EF4-FFF2-40B4-BE49-F238E27FC236}">
+                <a16:creationId xmlns:a16="http://schemas.microsoft.com/office/drawing/2014/main" id="{82ACC474-2AE2-7392-6DD2-6AB48D6F6DA6}"/>
+              </a:ext>
+            </a:extLst>
+          </p:cNvPr>
+          <p:cNvSpPr txBox="1">
+            <a:spLocks/>
+          </p:cNvSpPr>
+          <p:nvPr/>
+        </p:nvSpPr>
+        <p:spPr>
+          <a:xfrm>
+            <a:off x="2405220" y="4509120"/>
+            <a:ext cx="6283424" cy="1988840"/>
+          </a:xfrm>
+          <a:prstGeom prst="rect">
+            <a:avLst/>
+          </a:prstGeom>
+          <a:solidFill>
+            <a:srgbClr val="D3750C"/>
+          </a:solidFill>
+          <a:ln w="38100">
+            <a:noFill/>
+          </a:ln>
+        </p:spPr>
+        <p:txBody>
+          <a:bodyPr vert="horz" lIns="180000" tIns="180000" rIns="180000" bIns="180000" rtlCol="0" anchor="ctr">
+            <a:normAutofit/>
+          </a:bodyPr>
+          <a:lstStyle>
+            <a:lvl1pPr marL="342900" indent="-342900" algn="l" defTabSz="914400" rtl="0" eaLnBrk="1" latinLnBrk="0" hangingPunct="1">
+              <a:spcBef>
+                <a:spcPct val="20000"/>
+              </a:spcBef>
+              <a:buFont typeface="Arial" pitchFamily="34" charset="0"/>
+              <a:buChar char="•"/>
+              <a:defRPr sz="3200" kern="1200">
+                <a:solidFill>
+                  <a:schemeClr val="tx1"/>
+                </a:solidFill>
+                <a:latin typeface="Lato" panose="020F0502020204030203" pitchFamily="34" charset="0"/>
+                <a:ea typeface="Lato" panose="020F0502020204030203" pitchFamily="34" charset="0"/>
+                <a:cs typeface="Lato" panose="020F0502020204030203" pitchFamily="34" charset="0"/>
+              </a:defRPr>
+            </a:lvl1pPr>
+            <a:lvl2pPr marL="742950" indent="-285750" algn="l" defTabSz="914400" rtl="0" eaLnBrk="1" latinLnBrk="0" hangingPunct="1">
+              <a:spcBef>
+                <a:spcPct val="20000"/>
+              </a:spcBef>
+              <a:buFont typeface="Arial" pitchFamily="34" charset="0"/>
+              <a:buChar char="–"/>
+              <a:defRPr sz="2800" kern="1200">
+                <a:solidFill>
+                  <a:schemeClr val="tx1"/>
+                </a:solidFill>
+                <a:latin typeface="Lato" panose="020F0502020204030203" pitchFamily="34" charset="0"/>
+                <a:ea typeface="Lato" panose="020F0502020204030203" pitchFamily="34" charset="0"/>
+                <a:cs typeface="Lato" panose="020F0502020204030203" pitchFamily="34" charset="0"/>
+              </a:defRPr>
+            </a:lvl2pPr>
+            <a:lvl3pPr marL="1143000" indent="-228600" algn="l" defTabSz="914400" rtl="0" eaLnBrk="1" latinLnBrk="0" hangingPunct="1">
+              <a:spcBef>
+                <a:spcPct val="20000"/>
+              </a:spcBef>
+              <a:buFont typeface="Arial" pitchFamily="34" charset="0"/>
+              <a:buChar char="•"/>
+              <a:defRPr sz="2400" kern="1200">
+                <a:solidFill>
+                  <a:schemeClr val="tx1"/>
+                </a:solidFill>
+                <a:latin typeface="Lato" panose="020F0502020204030203" pitchFamily="34" charset="0"/>
+                <a:ea typeface="Lato" panose="020F0502020204030203" pitchFamily="34" charset="0"/>
+                <a:cs typeface="Lato" panose="020F0502020204030203" pitchFamily="34" charset="0"/>
+              </a:defRPr>
+            </a:lvl3pPr>
+            <a:lvl4pPr marL="1600200" indent="-228600" algn="l" defTabSz="914400" rtl="0" eaLnBrk="1" latinLnBrk="0" hangingPunct="1">
+              <a:spcBef>
+                <a:spcPct val="20000"/>
+              </a:spcBef>
+              <a:buFont typeface="Arial" pitchFamily="34" charset="0"/>
+              <a:buChar char="–"/>
+              <a:defRPr sz="2000" kern="1200">
+                <a:solidFill>
+                  <a:schemeClr val="tx1"/>
+                </a:solidFill>
+                <a:latin typeface="Lato" panose="020F0502020204030203" pitchFamily="34" charset="0"/>
+                <a:ea typeface="Lato" panose="020F0502020204030203" pitchFamily="34" charset="0"/>
+                <a:cs typeface="Lato" panose="020F0502020204030203" pitchFamily="34" charset="0"/>
+              </a:defRPr>
+            </a:lvl4pPr>
+            <a:lvl5pPr marL="2057400" indent="-228600" algn="l" defTabSz="914400" rtl="0" eaLnBrk="1" latinLnBrk="0" hangingPunct="1">
+              <a:spcBef>
+                <a:spcPct val="20000"/>
+              </a:spcBef>
+              <a:buFont typeface="Arial" pitchFamily="34" charset="0"/>
+              <a:buChar char="»"/>
+              <a:defRPr sz="2000" kern="1200">
+                <a:solidFill>
+                  <a:schemeClr val="tx1"/>
+                </a:solidFill>
+                <a:latin typeface="Lato" panose="020F0502020204030203" pitchFamily="34" charset="0"/>
+                <a:ea typeface="Lato" panose="020F0502020204030203" pitchFamily="34" charset="0"/>
+                <a:cs typeface="Lato" panose="020F0502020204030203" pitchFamily="34" charset="0"/>
+              </a:defRPr>
+            </a:lvl5pPr>
+            <a:lvl6pPr marL="2514600" indent="-228600" algn="l" defTabSz="914400" rtl="0" eaLnBrk="1" latinLnBrk="0" hangingPunct="1">
+              <a:spcBef>
+                <a:spcPct val="20000"/>
+              </a:spcBef>
+              <a:buFont typeface="Arial" pitchFamily="34" charset="0"/>
+              <a:buChar char="•"/>
+              <a:defRPr sz="2000" kern="1200">
+                <a:solidFill>
+                  <a:schemeClr val="tx1"/>
+                </a:solidFill>
+                <a:latin typeface="+mn-lt"/>
+                <a:ea typeface="+mn-ea"/>
+                <a:cs typeface="+mn-cs"/>
+              </a:defRPr>
+            </a:lvl6pPr>
+            <a:lvl7pPr marL="2971800" indent="-228600" algn="l" defTabSz="914400" rtl="0" eaLnBrk="1" latinLnBrk="0" hangingPunct="1">
+              <a:spcBef>
+                <a:spcPct val="20000"/>
+              </a:spcBef>
+              <a:buFont typeface="Arial" pitchFamily="34" charset="0"/>
+              <a:buChar char="•"/>
+              <a:defRPr sz="2000" kern="1200">
+                <a:solidFill>
+                  <a:schemeClr val="tx1"/>
+                </a:solidFill>
+                <a:latin typeface="+mn-lt"/>
+                <a:ea typeface="+mn-ea"/>
+                <a:cs typeface="+mn-cs"/>
+              </a:defRPr>
+            </a:lvl7pPr>
+            <a:lvl8pPr marL="3429000" indent="-228600" algn="l" defTabSz="914400" rtl="0" eaLnBrk="1" latinLnBrk="0" hangingPunct="1">
+              <a:spcBef>
+                <a:spcPct val="20000"/>
+              </a:spcBef>
+              <a:buFont typeface="Arial" pitchFamily="34" charset="0"/>
+              <a:buChar char="•"/>
+              <a:defRPr sz="2000" kern="1200">
+                <a:solidFill>
+                  <a:schemeClr val="tx1"/>
+                </a:solidFill>
+                <a:latin typeface="+mn-lt"/>
+                <a:ea typeface="+mn-ea"/>
+                <a:cs typeface="+mn-cs"/>
+              </a:defRPr>
+            </a:lvl8pPr>
+            <a:lvl9pPr marL="3886200" indent="-228600" algn="l" defTabSz="914400" rtl="0" eaLnBrk="1" latinLnBrk="0" hangingPunct="1">
+              <a:spcBef>
+                <a:spcPct val="20000"/>
+              </a:spcBef>
+              <a:buFont typeface="Arial" pitchFamily="34" charset="0"/>
+              <a:buChar char="•"/>
+              <a:defRPr sz="2000" kern="1200">
+                <a:solidFill>
+                  <a:schemeClr val="tx1"/>
+                </a:solidFill>
+                <a:latin typeface="+mn-lt"/>
+                <a:ea typeface="+mn-ea"/>
+                <a:cs typeface="+mn-cs"/>
+              </a:defRPr>
+            </a:lvl9pPr>
+          </a:lstStyle>
+          <a:p>
+            <a:pPr marL="0" indent="0">
+              <a:buNone/>
+              <a:tabLst>
+                <a:tab pos="350838" algn="l"/>
+                <a:tab pos="525463" algn="l"/>
+                <a:tab pos="701675" algn="l"/>
+              </a:tabLst>
+            </a:pPr>
+            <a:r>
+              <a:rPr lang="en-GB" sz="2000" dirty="0">
+                <a:solidFill>
+                  <a:schemeClr val="bg1"/>
+                </a:solidFill>
+                <a:latin typeface="Hack" panose="020B0609030202020204" pitchFamily="49" charset="0"/>
+                <a:ea typeface="Hack" panose="020B0609030202020204" pitchFamily="49" charset="0"/>
+                <a:cs typeface="Hack" panose="020B0609030202020204" pitchFamily="49" charset="0"/>
+              </a:rPr>
+              <a:t>public class Chocolate {</a:t>
+            </a:r>
+          </a:p>
+          <a:p>
+            <a:pPr marL="0" indent="0">
+              <a:buNone/>
+              <a:tabLst>
+                <a:tab pos="350838" algn="l"/>
+                <a:tab pos="525463" algn="l"/>
+                <a:tab pos="701675" algn="l"/>
+              </a:tabLst>
+            </a:pPr>
+            <a:r>
+              <a:rPr lang="en-GB" sz="2000" dirty="0">
+                <a:solidFill>
+                  <a:schemeClr val="bg1"/>
+                </a:solidFill>
+                <a:latin typeface="Hack" panose="020B0609030202020204" pitchFamily="49" charset="0"/>
+                <a:ea typeface="Hack" panose="020B0609030202020204" pitchFamily="49" charset="0"/>
+                <a:cs typeface="Hack" panose="020B0609030202020204" pitchFamily="49" charset="0"/>
+              </a:rPr>
+              <a:t>  private long </a:t>
+            </a:r>
+            <a:r>
+              <a:rPr lang="en-GB" sz="2000" dirty="0">
+                <a:solidFill>
+                  <a:srgbClr val="9F2B00"/>
+                </a:solidFill>
+                <a:latin typeface="Hack" panose="020B0609030202020204" pitchFamily="49" charset="0"/>
+                <a:ea typeface="Hack" panose="020B0609030202020204" pitchFamily="49" charset="0"/>
+                <a:cs typeface="Hack" panose="020B0609030202020204" pitchFamily="49" charset="0"/>
+              </a:rPr>
+              <a:t>id</a:t>
+            </a:r>
+            <a:r>
+              <a:rPr lang="en-GB" sz="2000" dirty="0">
+                <a:solidFill>
+                  <a:schemeClr val="bg1"/>
+                </a:solidFill>
+                <a:latin typeface="Hack" panose="020B0609030202020204" pitchFamily="49" charset="0"/>
+                <a:ea typeface="Hack" panose="020B0609030202020204" pitchFamily="49" charset="0"/>
+                <a:cs typeface="Hack" panose="020B0609030202020204" pitchFamily="49" charset="0"/>
+              </a:rPr>
+              <a:t>;</a:t>
+            </a:r>
+          </a:p>
+          <a:p>
+            <a:pPr marL="0" indent="0">
+              <a:buNone/>
+              <a:tabLst>
+                <a:tab pos="350838" algn="l"/>
+                <a:tab pos="525463" algn="l"/>
+                <a:tab pos="701675" algn="l"/>
+              </a:tabLst>
+            </a:pPr>
+            <a:r>
+              <a:rPr lang="en-GB" sz="2000" dirty="0">
+                <a:solidFill>
+                  <a:schemeClr val="bg1"/>
+                </a:solidFill>
+                <a:latin typeface="Hack" panose="020B0609030202020204" pitchFamily="49" charset="0"/>
+                <a:ea typeface="Hack" panose="020B0609030202020204" pitchFamily="49" charset="0"/>
+                <a:cs typeface="Hack" panose="020B0609030202020204" pitchFamily="49" charset="0"/>
+              </a:rPr>
+              <a:t>  private String title;</a:t>
+            </a:r>
+          </a:p>
+          <a:p>
+            <a:pPr marL="0" indent="0">
+              <a:buNone/>
+              <a:tabLst>
+                <a:tab pos="350838" algn="l"/>
+                <a:tab pos="525463" algn="l"/>
+                <a:tab pos="701675" algn="l"/>
+              </a:tabLst>
+            </a:pPr>
+            <a:r>
+              <a:rPr lang="en-GB" sz="2000" dirty="0">
+                <a:solidFill>
+                  <a:schemeClr val="bg1"/>
+                </a:solidFill>
+                <a:latin typeface="Hack" panose="020B0609030202020204" pitchFamily="49" charset="0"/>
+                <a:ea typeface="Hack" panose="020B0609030202020204" pitchFamily="49" charset="0"/>
+                <a:cs typeface="Hack" panose="020B0609030202020204" pitchFamily="49" charset="0"/>
+              </a:rPr>
+              <a:t>}</a:t>
             </a:r>
           </a:p>
         </p:txBody>
@@ -20207,7 +20890,7 @@
     </p:spTree>
     <p:extLst>
       <p:ext uri="{BB962C8B-B14F-4D97-AF65-F5344CB8AC3E}">
-        <p14:creationId xmlns:p14="http://schemas.microsoft.com/office/powerpoint/2010/main" val="1033238624"/>
+        <p14:creationId xmlns:p14="http://schemas.microsoft.com/office/powerpoint/2010/main" val="841540411"/>
       </p:ext>
     </p:extLst>
   </p:cSld>
@@ -20236,1537 +20919,6 @@
       </p:grpSpPr>
       <p:sp>
         <p:nvSpPr>
-          <p:cNvPr id="2" name="Nadpis 1"/>
-          <p:cNvSpPr>
-            <a:spLocks noGrp="1"/>
-          </p:cNvSpPr>
-          <p:nvPr>
-            <p:ph type="title"/>
-          </p:nvPr>
-        </p:nvSpPr>
-        <p:spPr/>
-        <p:txBody>
-          <a:bodyPr>
-            <a:noAutofit/>
-          </a:bodyPr>
-          <a:lstStyle/>
-          <a:p>
-            <a:r>
-              <a:rPr lang="sk-SK" sz="4000" dirty="0"/>
-              <a:t>XML schéma: jazyk pre formát správ</a:t>
-            </a:r>
-          </a:p>
-        </p:txBody>
-      </p:sp>
-      <p:sp>
-        <p:nvSpPr>
-          <p:cNvPr id="3" name="Zástupný symbol obsahu 2"/>
-          <p:cNvSpPr>
-            <a:spLocks noGrp="1"/>
-          </p:cNvSpPr>
-          <p:nvPr>
-            <p:ph idx="4294967295"/>
-          </p:nvPr>
-        </p:nvSpPr>
-        <p:spPr>
-          <a:xfrm>
-            <a:off x="457200" y="1988840"/>
-            <a:ext cx="8229600" cy="4137323"/>
-          </a:xfrm>
-        </p:spPr>
-        <p:txBody>
-          <a:bodyPr>
-            <a:normAutofit/>
-          </a:bodyPr>
-          <a:lstStyle/>
-          <a:p>
-            <a:r>
-              <a:rPr lang="sk-SK" dirty="0"/>
-              <a:t>aké sú povolené XML správy?</a:t>
-            </a:r>
-          </a:p>
-          <a:p>
-            <a:r>
-              <a:rPr lang="sk-SK" dirty="0"/>
-              <a:t>aké elementy/atribúty majú?</a:t>
-            </a:r>
-          </a:p>
-          <a:p>
-            <a:r>
-              <a:rPr lang="sk-SK" dirty="0"/>
-              <a:t>v akej hierarchii?</a:t>
-            </a:r>
-          </a:p>
-          <a:p>
-            <a:r>
-              <a:rPr lang="sk-SK" dirty="0"/>
-              <a:t>aké dátové typy?</a:t>
-            </a:r>
-          </a:p>
-          <a:p>
-            <a:endParaRPr lang="sk-SK" dirty="0"/>
-          </a:p>
-        </p:txBody>
-      </p:sp>
-      <p:sp>
-        <p:nvSpPr>
-          <p:cNvPr id="5" name="Content Placeholder 5">
-            <a:extLst>
-              <a:ext uri="{FF2B5EF4-FFF2-40B4-BE49-F238E27FC236}">
-                <a16:creationId xmlns:a16="http://schemas.microsoft.com/office/drawing/2014/main" id="{A1FE40E0-2DBC-56D3-80F7-631796F7923A}"/>
-              </a:ext>
-            </a:extLst>
-          </p:cNvPr>
-          <p:cNvSpPr txBox="1">
-            <a:spLocks/>
-          </p:cNvSpPr>
-          <p:nvPr/>
-        </p:nvSpPr>
-        <p:spPr>
-          <a:xfrm>
-            <a:off x="0" y="5440361"/>
-            <a:ext cx="9144000" cy="1417639"/>
-          </a:xfrm>
-          <a:prstGeom prst="rect">
-            <a:avLst/>
-          </a:prstGeom>
-          <a:solidFill>
-            <a:srgbClr val="9F2B00"/>
-          </a:solidFill>
-          <a:ln>
-            <a:noFill/>
-          </a:ln>
-        </p:spPr>
-        <p:txBody>
-          <a:bodyPr vert="horz" lIns="91440" tIns="45720" rIns="91440" bIns="45720" rtlCol="0" anchor="ctr">
-            <a:normAutofit/>
-          </a:bodyPr>
-          <a:lstStyle>
-            <a:lvl1pPr marL="342900" indent="-342900" algn="l" defTabSz="914400" rtl="0" eaLnBrk="1" latinLnBrk="0" hangingPunct="1">
-              <a:spcBef>
-                <a:spcPct val="20000"/>
-              </a:spcBef>
-              <a:buFont typeface="Arial" pitchFamily="34" charset="0"/>
-              <a:buChar char="•"/>
-              <a:defRPr sz="3200" kern="1200">
-                <a:solidFill>
-                  <a:schemeClr val="tx1"/>
-                </a:solidFill>
-                <a:latin typeface="Lato" panose="020F0502020204030203" pitchFamily="34" charset="0"/>
-                <a:ea typeface="Lato" panose="020F0502020204030203" pitchFamily="34" charset="0"/>
-                <a:cs typeface="Lato" panose="020F0502020204030203" pitchFamily="34" charset="0"/>
-              </a:defRPr>
-            </a:lvl1pPr>
-            <a:lvl2pPr marL="742950" indent="-285750" algn="l" defTabSz="914400" rtl="0" eaLnBrk="1" latinLnBrk="0" hangingPunct="1">
-              <a:spcBef>
-                <a:spcPct val="20000"/>
-              </a:spcBef>
-              <a:buFont typeface="Arial" pitchFamily="34" charset="0"/>
-              <a:buChar char="–"/>
-              <a:defRPr sz="2800" kern="1200">
-                <a:solidFill>
-                  <a:schemeClr val="tx1"/>
-                </a:solidFill>
-                <a:latin typeface="Lato" panose="020F0502020204030203" pitchFamily="34" charset="0"/>
-                <a:ea typeface="Lato" panose="020F0502020204030203" pitchFamily="34" charset="0"/>
-                <a:cs typeface="Lato" panose="020F0502020204030203" pitchFamily="34" charset="0"/>
-              </a:defRPr>
-            </a:lvl2pPr>
-            <a:lvl3pPr marL="1143000" indent="-228600" algn="l" defTabSz="914400" rtl="0" eaLnBrk="1" latinLnBrk="0" hangingPunct="1">
-              <a:spcBef>
-                <a:spcPct val="20000"/>
-              </a:spcBef>
-              <a:buFont typeface="Arial" pitchFamily="34" charset="0"/>
-              <a:buChar char="•"/>
-              <a:defRPr sz="2400" kern="1200">
-                <a:solidFill>
-                  <a:schemeClr val="tx1"/>
-                </a:solidFill>
-                <a:latin typeface="Lato" panose="020F0502020204030203" pitchFamily="34" charset="0"/>
-                <a:ea typeface="Lato" panose="020F0502020204030203" pitchFamily="34" charset="0"/>
-                <a:cs typeface="Lato" panose="020F0502020204030203" pitchFamily="34" charset="0"/>
-              </a:defRPr>
-            </a:lvl3pPr>
-            <a:lvl4pPr marL="1600200" indent="-228600" algn="l" defTabSz="914400" rtl="0" eaLnBrk="1" latinLnBrk="0" hangingPunct="1">
-              <a:spcBef>
-                <a:spcPct val="20000"/>
-              </a:spcBef>
-              <a:buFont typeface="Arial" pitchFamily="34" charset="0"/>
-              <a:buChar char="–"/>
-              <a:defRPr sz="2000" kern="1200">
-                <a:solidFill>
-                  <a:schemeClr val="tx1"/>
-                </a:solidFill>
-                <a:latin typeface="Lato" panose="020F0502020204030203" pitchFamily="34" charset="0"/>
-                <a:ea typeface="Lato" panose="020F0502020204030203" pitchFamily="34" charset="0"/>
-                <a:cs typeface="Lato" panose="020F0502020204030203" pitchFamily="34" charset="0"/>
-              </a:defRPr>
-            </a:lvl4pPr>
-            <a:lvl5pPr marL="2057400" indent="-228600" algn="l" defTabSz="914400" rtl="0" eaLnBrk="1" latinLnBrk="0" hangingPunct="1">
-              <a:spcBef>
-                <a:spcPct val="20000"/>
-              </a:spcBef>
-              <a:buFont typeface="Arial" pitchFamily="34" charset="0"/>
-              <a:buChar char="»"/>
-              <a:defRPr sz="2000" kern="1200">
-                <a:solidFill>
-                  <a:schemeClr val="tx1"/>
-                </a:solidFill>
-                <a:latin typeface="Lato" panose="020F0502020204030203" pitchFamily="34" charset="0"/>
-                <a:ea typeface="Lato" panose="020F0502020204030203" pitchFamily="34" charset="0"/>
-                <a:cs typeface="Lato" panose="020F0502020204030203" pitchFamily="34" charset="0"/>
-              </a:defRPr>
-            </a:lvl5pPr>
-            <a:lvl6pPr marL="2514600" indent="-228600" algn="l" defTabSz="914400" rtl="0" eaLnBrk="1" latinLnBrk="0" hangingPunct="1">
-              <a:spcBef>
-                <a:spcPct val="20000"/>
-              </a:spcBef>
-              <a:buFont typeface="Arial" pitchFamily="34" charset="0"/>
-              <a:buChar char="•"/>
-              <a:defRPr sz="2000" kern="1200">
-                <a:solidFill>
-                  <a:schemeClr val="tx1"/>
-                </a:solidFill>
-                <a:latin typeface="+mn-lt"/>
-                <a:ea typeface="+mn-ea"/>
-                <a:cs typeface="+mn-cs"/>
-              </a:defRPr>
-            </a:lvl6pPr>
-            <a:lvl7pPr marL="2971800" indent="-228600" algn="l" defTabSz="914400" rtl="0" eaLnBrk="1" latinLnBrk="0" hangingPunct="1">
-              <a:spcBef>
-                <a:spcPct val="20000"/>
-              </a:spcBef>
-              <a:buFont typeface="Arial" pitchFamily="34" charset="0"/>
-              <a:buChar char="•"/>
-              <a:defRPr sz="2000" kern="1200">
-                <a:solidFill>
-                  <a:schemeClr val="tx1"/>
-                </a:solidFill>
-                <a:latin typeface="+mn-lt"/>
-                <a:ea typeface="+mn-ea"/>
-                <a:cs typeface="+mn-cs"/>
-              </a:defRPr>
-            </a:lvl7pPr>
-            <a:lvl8pPr marL="3429000" indent="-228600" algn="l" defTabSz="914400" rtl="0" eaLnBrk="1" latinLnBrk="0" hangingPunct="1">
-              <a:spcBef>
-                <a:spcPct val="20000"/>
-              </a:spcBef>
-              <a:buFont typeface="Arial" pitchFamily="34" charset="0"/>
-              <a:buChar char="•"/>
-              <a:defRPr sz="2000" kern="1200">
-                <a:solidFill>
-                  <a:schemeClr val="tx1"/>
-                </a:solidFill>
-                <a:latin typeface="+mn-lt"/>
-                <a:ea typeface="+mn-ea"/>
-                <a:cs typeface="+mn-cs"/>
-              </a:defRPr>
-            </a:lvl8pPr>
-            <a:lvl9pPr marL="3886200" indent="-228600" algn="l" defTabSz="914400" rtl="0" eaLnBrk="1" latinLnBrk="0" hangingPunct="1">
-              <a:spcBef>
-                <a:spcPct val="20000"/>
-              </a:spcBef>
-              <a:buFont typeface="Arial" pitchFamily="34" charset="0"/>
-              <a:buChar char="•"/>
-              <a:defRPr sz="2000" kern="1200">
-                <a:solidFill>
-                  <a:schemeClr val="tx1"/>
-                </a:solidFill>
-                <a:latin typeface="+mn-lt"/>
-                <a:ea typeface="+mn-ea"/>
-                <a:cs typeface="+mn-cs"/>
-              </a:defRPr>
-            </a:lvl9pPr>
-          </a:lstStyle>
-          <a:p>
-            <a:pPr marL="0" indent="0" algn="ctr">
-              <a:buNone/>
-            </a:pPr>
-            <a:r>
-              <a:rPr lang="en-SK" sz="2800" dirty="0">
-                <a:solidFill>
-                  <a:schemeClr val="bg1"/>
-                </a:solidFill>
-              </a:rPr>
-              <a:t>XSD: definícia tvaru správ</a:t>
-            </a:r>
-          </a:p>
-        </p:txBody>
-      </p:sp>
-    </p:spTree>
-    <p:extLst>
-      <p:ext uri="{BB962C8B-B14F-4D97-AF65-F5344CB8AC3E}">
-        <p14:creationId xmlns:p14="http://schemas.microsoft.com/office/powerpoint/2010/main" val="483288195"/>
-      </p:ext>
-    </p:extLst>
-  </p:cSld>
-  <p:clrMapOvr>
-    <a:masterClrMapping/>
-  </p:clrMapOvr>
-</p:sld>
-</file>
-
-<file path=ppt/slides/slide47.xml><?xml version="1.0" encoding="utf-8"?>
-<p:sld xmlns:a="http://schemas.openxmlformats.org/drawingml/2006/main" xmlns:r="http://schemas.openxmlformats.org/officeDocument/2006/relationships" xmlns:p="http://schemas.openxmlformats.org/presentationml/2006/main">
-  <p:cSld>
-    <p:spTree>
-      <p:nvGrpSpPr>
-        <p:cNvPr id="1" name=""/>
-        <p:cNvGrpSpPr/>
-        <p:nvPr/>
-      </p:nvGrpSpPr>
-      <p:grpSpPr>
-        <a:xfrm>
-          <a:off x="0" y="0"/>
-          <a:ext cx="0" cy="0"/>
-          <a:chOff x="0" y="0"/>
-          <a:chExt cx="0" cy="0"/>
-        </a:xfrm>
-      </p:grpSpPr>
-      <p:sp>
-        <p:nvSpPr>
-          <p:cNvPr id="2" name="Nadpis 1"/>
-          <p:cNvSpPr>
-            <a:spLocks noGrp="1"/>
-          </p:cNvSpPr>
-          <p:nvPr>
-            <p:ph type="title"/>
-          </p:nvPr>
-        </p:nvSpPr>
-        <p:spPr/>
-        <p:txBody>
-          <a:bodyPr>
-            <a:noAutofit/>
-          </a:bodyPr>
-          <a:lstStyle/>
-          <a:p>
-            <a:r>
-              <a:rPr lang="sk-SK" sz="4000" dirty="0"/>
-              <a:t>XML schéma: jazyk pre formát správ</a:t>
-            </a:r>
-          </a:p>
-        </p:txBody>
-      </p:sp>
-      <p:sp>
-        <p:nvSpPr>
-          <p:cNvPr id="3" name="Zástupný symbol obsahu 2"/>
-          <p:cNvSpPr>
-            <a:spLocks noGrp="1"/>
-          </p:cNvSpPr>
-          <p:nvPr>
-            <p:ph idx="4294967295"/>
-          </p:nvPr>
-        </p:nvSpPr>
-        <p:spPr>
-          <a:xfrm>
-            <a:off x="457200" y="1988840"/>
-            <a:ext cx="8229600" cy="4137323"/>
-          </a:xfrm>
-        </p:spPr>
-        <p:txBody>
-          <a:bodyPr>
-            <a:normAutofit/>
-          </a:bodyPr>
-          <a:lstStyle/>
-          <a:p>
-            <a:r>
-              <a:rPr lang="sk-SK" dirty="0"/>
-              <a:t>pomocou schémy vieme validovať správy!</a:t>
-            </a:r>
-          </a:p>
-          <a:p>
-            <a:r>
-              <a:rPr lang="sk-SK" dirty="0"/>
-              <a:t>pomocou schémy vieme mapovať schému na triedu!</a:t>
-            </a:r>
-          </a:p>
-          <a:p>
-            <a:pPr lvl="1"/>
-            <a:r>
-              <a:rPr lang="sk-SK" dirty="0"/>
-              <a:t>automatický prevod XML na objekty a späť</a:t>
-            </a:r>
-          </a:p>
-          <a:p>
-            <a:endParaRPr lang="sk-SK" dirty="0"/>
-          </a:p>
-        </p:txBody>
-      </p:sp>
-      <p:sp>
-        <p:nvSpPr>
-          <p:cNvPr id="5" name="Content Placeholder 5">
-            <a:extLst>
-              <a:ext uri="{FF2B5EF4-FFF2-40B4-BE49-F238E27FC236}">
-                <a16:creationId xmlns:a16="http://schemas.microsoft.com/office/drawing/2014/main" id="{A1FE40E0-2DBC-56D3-80F7-631796F7923A}"/>
-              </a:ext>
-            </a:extLst>
-          </p:cNvPr>
-          <p:cNvSpPr txBox="1">
-            <a:spLocks/>
-          </p:cNvSpPr>
-          <p:nvPr/>
-        </p:nvSpPr>
-        <p:spPr>
-          <a:xfrm>
-            <a:off x="0" y="5440361"/>
-            <a:ext cx="9144000" cy="1417639"/>
-          </a:xfrm>
-          <a:prstGeom prst="rect">
-            <a:avLst/>
-          </a:prstGeom>
-          <a:solidFill>
-            <a:srgbClr val="9F2B00"/>
-          </a:solidFill>
-          <a:ln>
-            <a:noFill/>
-          </a:ln>
-        </p:spPr>
-        <p:txBody>
-          <a:bodyPr vert="horz" lIns="91440" tIns="45720" rIns="91440" bIns="45720" rtlCol="0" anchor="ctr">
-            <a:normAutofit/>
-          </a:bodyPr>
-          <a:lstStyle>
-            <a:lvl1pPr marL="342900" indent="-342900" algn="l" defTabSz="914400" rtl="0" eaLnBrk="1" latinLnBrk="0" hangingPunct="1">
-              <a:spcBef>
-                <a:spcPct val="20000"/>
-              </a:spcBef>
-              <a:buFont typeface="Arial" pitchFamily="34" charset="0"/>
-              <a:buChar char="•"/>
-              <a:defRPr sz="3200" kern="1200">
-                <a:solidFill>
-                  <a:schemeClr val="tx1"/>
-                </a:solidFill>
-                <a:latin typeface="Lato" panose="020F0502020204030203" pitchFamily="34" charset="0"/>
-                <a:ea typeface="Lato" panose="020F0502020204030203" pitchFamily="34" charset="0"/>
-                <a:cs typeface="Lato" panose="020F0502020204030203" pitchFamily="34" charset="0"/>
-              </a:defRPr>
-            </a:lvl1pPr>
-            <a:lvl2pPr marL="742950" indent="-285750" algn="l" defTabSz="914400" rtl="0" eaLnBrk="1" latinLnBrk="0" hangingPunct="1">
-              <a:spcBef>
-                <a:spcPct val="20000"/>
-              </a:spcBef>
-              <a:buFont typeface="Arial" pitchFamily="34" charset="0"/>
-              <a:buChar char="–"/>
-              <a:defRPr sz="2800" kern="1200">
-                <a:solidFill>
-                  <a:schemeClr val="tx1"/>
-                </a:solidFill>
-                <a:latin typeface="Lato" panose="020F0502020204030203" pitchFamily="34" charset="0"/>
-                <a:ea typeface="Lato" panose="020F0502020204030203" pitchFamily="34" charset="0"/>
-                <a:cs typeface="Lato" panose="020F0502020204030203" pitchFamily="34" charset="0"/>
-              </a:defRPr>
-            </a:lvl2pPr>
-            <a:lvl3pPr marL="1143000" indent="-228600" algn="l" defTabSz="914400" rtl="0" eaLnBrk="1" latinLnBrk="0" hangingPunct="1">
-              <a:spcBef>
-                <a:spcPct val="20000"/>
-              </a:spcBef>
-              <a:buFont typeface="Arial" pitchFamily="34" charset="0"/>
-              <a:buChar char="•"/>
-              <a:defRPr sz="2400" kern="1200">
-                <a:solidFill>
-                  <a:schemeClr val="tx1"/>
-                </a:solidFill>
-                <a:latin typeface="Lato" panose="020F0502020204030203" pitchFamily="34" charset="0"/>
-                <a:ea typeface="Lato" panose="020F0502020204030203" pitchFamily="34" charset="0"/>
-                <a:cs typeface="Lato" panose="020F0502020204030203" pitchFamily="34" charset="0"/>
-              </a:defRPr>
-            </a:lvl3pPr>
-            <a:lvl4pPr marL="1600200" indent="-228600" algn="l" defTabSz="914400" rtl="0" eaLnBrk="1" latinLnBrk="0" hangingPunct="1">
-              <a:spcBef>
-                <a:spcPct val="20000"/>
-              </a:spcBef>
-              <a:buFont typeface="Arial" pitchFamily="34" charset="0"/>
-              <a:buChar char="–"/>
-              <a:defRPr sz="2000" kern="1200">
-                <a:solidFill>
-                  <a:schemeClr val="tx1"/>
-                </a:solidFill>
-                <a:latin typeface="Lato" panose="020F0502020204030203" pitchFamily="34" charset="0"/>
-                <a:ea typeface="Lato" panose="020F0502020204030203" pitchFamily="34" charset="0"/>
-                <a:cs typeface="Lato" panose="020F0502020204030203" pitchFamily="34" charset="0"/>
-              </a:defRPr>
-            </a:lvl4pPr>
-            <a:lvl5pPr marL="2057400" indent="-228600" algn="l" defTabSz="914400" rtl="0" eaLnBrk="1" latinLnBrk="0" hangingPunct="1">
-              <a:spcBef>
-                <a:spcPct val="20000"/>
-              </a:spcBef>
-              <a:buFont typeface="Arial" pitchFamily="34" charset="0"/>
-              <a:buChar char="»"/>
-              <a:defRPr sz="2000" kern="1200">
-                <a:solidFill>
-                  <a:schemeClr val="tx1"/>
-                </a:solidFill>
-                <a:latin typeface="Lato" panose="020F0502020204030203" pitchFamily="34" charset="0"/>
-                <a:ea typeface="Lato" panose="020F0502020204030203" pitchFamily="34" charset="0"/>
-                <a:cs typeface="Lato" panose="020F0502020204030203" pitchFamily="34" charset="0"/>
-              </a:defRPr>
-            </a:lvl5pPr>
-            <a:lvl6pPr marL="2514600" indent="-228600" algn="l" defTabSz="914400" rtl="0" eaLnBrk="1" latinLnBrk="0" hangingPunct="1">
-              <a:spcBef>
-                <a:spcPct val="20000"/>
-              </a:spcBef>
-              <a:buFont typeface="Arial" pitchFamily="34" charset="0"/>
-              <a:buChar char="•"/>
-              <a:defRPr sz="2000" kern="1200">
-                <a:solidFill>
-                  <a:schemeClr val="tx1"/>
-                </a:solidFill>
-                <a:latin typeface="+mn-lt"/>
-                <a:ea typeface="+mn-ea"/>
-                <a:cs typeface="+mn-cs"/>
-              </a:defRPr>
-            </a:lvl6pPr>
-            <a:lvl7pPr marL="2971800" indent="-228600" algn="l" defTabSz="914400" rtl="0" eaLnBrk="1" latinLnBrk="0" hangingPunct="1">
-              <a:spcBef>
-                <a:spcPct val="20000"/>
-              </a:spcBef>
-              <a:buFont typeface="Arial" pitchFamily="34" charset="0"/>
-              <a:buChar char="•"/>
-              <a:defRPr sz="2000" kern="1200">
-                <a:solidFill>
-                  <a:schemeClr val="tx1"/>
-                </a:solidFill>
-                <a:latin typeface="+mn-lt"/>
-                <a:ea typeface="+mn-ea"/>
-                <a:cs typeface="+mn-cs"/>
-              </a:defRPr>
-            </a:lvl7pPr>
-            <a:lvl8pPr marL="3429000" indent="-228600" algn="l" defTabSz="914400" rtl="0" eaLnBrk="1" latinLnBrk="0" hangingPunct="1">
-              <a:spcBef>
-                <a:spcPct val="20000"/>
-              </a:spcBef>
-              <a:buFont typeface="Arial" pitchFamily="34" charset="0"/>
-              <a:buChar char="•"/>
-              <a:defRPr sz="2000" kern="1200">
-                <a:solidFill>
-                  <a:schemeClr val="tx1"/>
-                </a:solidFill>
-                <a:latin typeface="+mn-lt"/>
-                <a:ea typeface="+mn-ea"/>
-                <a:cs typeface="+mn-cs"/>
-              </a:defRPr>
-            </a:lvl8pPr>
-            <a:lvl9pPr marL="3886200" indent="-228600" algn="l" defTabSz="914400" rtl="0" eaLnBrk="1" latinLnBrk="0" hangingPunct="1">
-              <a:spcBef>
-                <a:spcPct val="20000"/>
-              </a:spcBef>
-              <a:buFont typeface="Arial" pitchFamily="34" charset="0"/>
-              <a:buChar char="•"/>
-              <a:defRPr sz="2000" kern="1200">
-                <a:solidFill>
-                  <a:schemeClr val="tx1"/>
-                </a:solidFill>
-                <a:latin typeface="+mn-lt"/>
-                <a:ea typeface="+mn-ea"/>
-                <a:cs typeface="+mn-cs"/>
-              </a:defRPr>
-            </a:lvl9pPr>
-          </a:lstStyle>
-          <a:p>
-            <a:pPr marL="0" indent="0" algn="ctr">
-              <a:buNone/>
-            </a:pPr>
-            <a:r>
-              <a:rPr lang="en-SK" sz="2800" dirty="0">
-                <a:solidFill>
-                  <a:schemeClr val="bg1"/>
-                </a:solidFill>
-              </a:rPr>
-              <a:t>XSD: definícia tvaru správ</a:t>
-            </a:r>
-          </a:p>
-        </p:txBody>
-      </p:sp>
-    </p:spTree>
-    <p:extLst>
-      <p:ext uri="{BB962C8B-B14F-4D97-AF65-F5344CB8AC3E}">
-        <p14:creationId xmlns:p14="http://schemas.microsoft.com/office/powerpoint/2010/main" val="2932392662"/>
-      </p:ext>
-    </p:extLst>
-  </p:cSld>
-  <p:clrMapOvr>
-    <a:masterClrMapping/>
-  </p:clrMapOvr>
-</p:sld>
-</file>
-
-<file path=ppt/slides/slide48.xml><?xml version="1.0" encoding="utf-8"?>
-<p:sld xmlns:a="http://schemas.openxmlformats.org/drawingml/2006/main" xmlns:r="http://schemas.openxmlformats.org/officeDocument/2006/relationships" xmlns:p="http://schemas.openxmlformats.org/presentationml/2006/main">
-  <p:cSld>
-    <p:spTree>
-      <p:nvGrpSpPr>
-        <p:cNvPr id="1" name=""/>
-        <p:cNvGrpSpPr/>
-        <p:nvPr/>
-      </p:nvGrpSpPr>
-      <p:grpSpPr>
-        <a:xfrm>
-          <a:off x="0" y="0"/>
-          <a:ext cx="0" cy="0"/>
-          <a:chOff x="0" y="0"/>
-          <a:chExt cx="0" cy="0"/>
-        </a:xfrm>
-      </p:grpSpPr>
-      <p:sp>
-        <p:nvSpPr>
-          <p:cNvPr id="2" name="Content Placeholder 5">
-            <a:extLst>
-              <a:ext uri="{FF2B5EF4-FFF2-40B4-BE49-F238E27FC236}">
-                <a16:creationId xmlns:a16="http://schemas.microsoft.com/office/drawing/2014/main" id="{8A78565C-B5E5-FCD4-10CD-BF708D076991}"/>
-              </a:ext>
-            </a:extLst>
-          </p:cNvPr>
-          <p:cNvSpPr txBox="1">
-            <a:spLocks/>
-          </p:cNvSpPr>
-          <p:nvPr/>
-        </p:nvSpPr>
-        <p:spPr>
-          <a:xfrm>
-            <a:off x="251520" y="620688"/>
-            <a:ext cx="8437124" cy="3528034"/>
-          </a:xfrm>
-          <a:prstGeom prst="rect">
-            <a:avLst/>
-          </a:prstGeom>
-          <a:solidFill>
-            <a:srgbClr val="D3D3C8"/>
-          </a:solidFill>
-          <a:ln w="38100">
-            <a:solidFill>
-              <a:schemeClr val="accent6"/>
-            </a:solidFill>
-          </a:ln>
-        </p:spPr>
-        <p:txBody>
-          <a:bodyPr vert="horz" lIns="180000" tIns="180000" rIns="180000" bIns="180000" rtlCol="0" anchor="ctr">
-            <a:normAutofit/>
-          </a:bodyPr>
-          <a:lstStyle>
-            <a:lvl1pPr marL="342900" indent="-342900" algn="l" defTabSz="914400" rtl="0" eaLnBrk="1" latinLnBrk="0" hangingPunct="1">
-              <a:spcBef>
-                <a:spcPct val="20000"/>
-              </a:spcBef>
-              <a:buFont typeface="Arial" pitchFamily="34" charset="0"/>
-              <a:buChar char="•"/>
-              <a:defRPr sz="3200" kern="1200">
-                <a:solidFill>
-                  <a:schemeClr val="tx1"/>
-                </a:solidFill>
-                <a:latin typeface="Lato" panose="020F0502020204030203" pitchFamily="34" charset="0"/>
-                <a:ea typeface="Lato" panose="020F0502020204030203" pitchFamily="34" charset="0"/>
-                <a:cs typeface="Lato" panose="020F0502020204030203" pitchFamily="34" charset="0"/>
-              </a:defRPr>
-            </a:lvl1pPr>
-            <a:lvl2pPr marL="742950" indent="-285750" algn="l" defTabSz="914400" rtl="0" eaLnBrk="1" latinLnBrk="0" hangingPunct="1">
-              <a:spcBef>
-                <a:spcPct val="20000"/>
-              </a:spcBef>
-              <a:buFont typeface="Arial" pitchFamily="34" charset="0"/>
-              <a:buChar char="–"/>
-              <a:defRPr sz="2800" kern="1200">
-                <a:solidFill>
-                  <a:schemeClr val="tx1"/>
-                </a:solidFill>
-                <a:latin typeface="Lato" panose="020F0502020204030203" pitchFamily="34" charset="0"/>
-                <a:ea typeface="Lato" panose="020F0502020204030203" pitchFamily="34" charset="0"/>
-                <a:cs typeface="Lato" panose="020F0502020204030203" pitchFamily="34" charset="0"/>
-              </a:defRPr>
-            </a:lvl2pPr>
-            <a:lvl3pPr marL="1143000" indent="-228600" algn="l" defTabSz="914400" rtl="0" eaLnBrk="1" latinLnBrk="0" hangingPunct="1">
-              <a:spcBef>
-                <a:spcPct val="20000"/>
-              </a:spcBef>
-              <a:buFont typeface="Arial" pitchFamily="34" charset="0"/>
-              <a:buChar char="•"/>
-              <a:defRPr sz="2400" kern="1200">
-                <a:solidFill>
-                  <a:schemeClr val="tx1"/>
-                </a:solidFill>
-                <a:latin typeface="Lato" panose="020F0502020204030203" pitchFamily="34" charset="0"/>
-                <a:ea typeface="Lato" panose="020F0502020204030203" pitchFamily="34" charset="0"/>
-                <a:cs typeface="Lato" panose="020F0502020204030203" pitchFamily="34" charset="0"/>
-              </a:defRPr>
-            </a:lvl3pPr>
-            <a:lvl4pPr marL="1600200" indent="-228600" algn="l" defTabSz="914400" rtl="0" eaLnBrk="1" latinLnBrk="0" hangingPunct="1">
-              <a:spcBef>
-                <a:spcPct val="20000"/>
-              </a:spcBef>
-              <a:buFont typeface="Arial" pitchFamily="34" charset="0"/>
-              <a:buChar char="–"/>
-              <a:defRPr sz="2000" kern="1200">
-                <a:solidFill>
-                  <a:schemeClr val="tx1"/>
-                </a:solidFill>
-                <a:latin typeface="Lato" panose="020F0502020204030203" pitchFamily="34" charset="0"/>
-                <a:ea typeface="Lato" panose="020F0502020204030203" pitchFamily="34" charset="0"/>
-                <a:cs typeface="Lato" panose="020F0502020204030203" pitchFamily="34" charset="0"/>
-              </a:defRPr>
-            </a:lvl4pPr>
-            <a:lvl5pPr marL="2057400" indent="-228600" algn="l" defTabSz="914400" rtl="0" eaLnBrk="1" latinLnBrk="0" hangingPunct="1">
-              <a:spcBef>
-                <a:spcPct val="20000"/>
-              </a:spcBef>
-              <a:buFont typeface="Arial" pitchFamily="34" charset="0"/>
-              <a:buChar char="»"/>
-              <a:defRPr sz="2000" kern="1200">
-                <a:solidFill>
-                  <a:schemeClr val="tx1"/>
-                </a:solidFill>
-                <a:latin typeface="Lato" panose="020F0502020204030203" pitchFamily="34" charset="0"/>
-                <a:ea typeface="Lato" panose="020F0502020204030203" pitchFamily="34" charset="0"/>
-                <a:cs typeface="Lato" panose="020F0502020204030203" pitchFamily="34" charset="0"/>
-              </a:defRPr>
-            </a:lvl5pPr>
-            <a:lvl6pPr marL="2514600" indent="-228600" algn="l" defTabSz="914400" rtl="0" eaLnBrk="1" latinLnBrk="0" hangingPunct="1">
-              <a:spcBef>
-                <a:spcPct val="20000"/>
-              </a:spcBef>
-              <a:buFont typeface="Arial" pitchFamily="34" charset="0"/>
-              <a:buChar char="•"/>
-              <a:defRPr sz="2000" kern="1200">
-                <a:solidFill>
-                  <a:schemeClr val="tx1"/>
-                </a:solidFill>
-                <a:latin typeface="+mn-lt"/>
-                <a:ea typeface="+mn-ea"/>
-                <a:cs typeface="+mn-cs"/>
-              </a:defRPr>
-            </a:lvl6pPr>
-            <a:lvl7pPr marL="2971800" indent="-228600" algn="l" defTabSz="914400" rtl="0" eaLnBrk="1" latinLnBrk="0" hangingPunct="1">
-              <a:spcBef>
-                <a:spcPct val="20000"/>
-              </a:spcBef>
-              <a:buFont typeface="Arial" pitchFamily="34" charset="0"/>
-              <a:buChar char="•"/>
-              <a:defRPr sz="2000" kern="1200">
-                <a:solidFill>
-                  <a:schemeClr val="tx1"/>
-                </a:solidFill>
-                <a:latin typeface="+mn-lt"/>
-                <a:ea typeface="+mn-ea"/>
-                <a:cs typeface="+mn-cs"/>
-              </a:defRPr>
-            </a:lvl7pPr>
-            <a:lvl8pPr marL="3429000" indent="-228600" algn="l" defTabSz="914400" rtl="0" eaLnBrk="1" latinLnBrk="0" hangingPunct="1">
-              <a:spcBef>
-                <a:spcPct val="20000"/>
-              </a:spcBef>
-              <a:buFont typeface="Arial" pitchFamily="34" charset="0"/>
-              <a:buChar char="•"/>
-              <a:defRPr sz="2000" kern="1200">
-                <a:solidFill>
-                  <a:schemeClr val="tx1"/>
-                </a:solidFill>
-                <a:latin typeface="+mn-lt"/>
-                <a:ea typeface="+mn-ea"/>
-                <a:cs typeface="+mn-cs"/>
-              </a:defRPr>
-            </a:lvl8pPr>
-            <a:lvl9pPr marL="3886200" indent="-228600" algn="l" defTabSz="914400" rtl="0" eaLnBrk="1" latinLnBrk="0" hangingPunct="1">
-              <a:spcBef>
-                <a:spcPct val="20000"/>
-              </a:spcBef>
-              <a:buFont typeface="Arial" pitchFamily="34" charset="0"/>
-              <a:buChar char="•"/>
-              <a:defRPr sz="2000" kern="1200">
-                <a:solidFill>
-                  <a:schemeClr val="tx1"/>
-                </a:solidFill>
-                <a:latin typeface="+mn-lt"/>
-                <a:ea typeface="+mn-ea"/>
-                <a:cs typeface="+mn-cs"/>
-              </a:defRPr>
-            </a:lvl9pPr>
-          </a:lstStyle>
-          <a:p>
-            <a:pPr marL="0" indent="0">
-              <a:buNone/>
-              <a:tabLst>
-                <a:tab pos="350838" algn="l"/>
-                <a:tab pos="525463" algn="l"/>
-                <a:tab pos="701675" algn="l"/>
-              </a:tabLst>
-            </a:pPr>
-            <a:r>
-              <a:rPr lang="en-GB" sz="2000" dirty="0">
-                <a:latin typeface="Hack" panose="020B0609030202020204" pitchFamily="49" charset="0"/>
-                <a:ea typeface="Hack" panose="020B0609030202020204" pitchFamily="49" charset="0"/>
-                <a:cs typeface="Hack" panose="020B0609030202020204" pitchFamily="49" charset="0"/>
-              </a:rPr>
-              <a:t>&lt;</a:t>
-            </a:r>
-            <a:r>
-              <a:rPr lang="en-GB" sz="2000" dirty="0" err="1">
-                <a:latin typeface="Hack" panose="020B0609030202020204" pitchFamily="49" charset="0"/>
-                <a:ea typeface="Hack" panose="020B0609030202020204" pitchFamily="49" charset="0"/>
-                <a:cs typeface="Hack" panose="020B0609030202020204" pitchFamily="49" charset="0"/>
-              </a:rPr>
-              <a:t>xs:complexType</a:t>
-            </a:r>
-            <a:r>
-              <a:rPr lang="en-GB" sz="2000" dirty="0">
-                <a:latin typeface="Hack" panose="020B0609030202020204" pitchFamily="49" charset="0"/>
-                <a:ea typeface="Hack" panose="020B0609030202020204" pitchFamily="49" charset="0"/>
-                <a:cs typeface="Hack" panose="020B0609030202020204" pitchFamily="49" charset="0"/>
-              </a:rPr>
-              <a:t> name="chocolate"&gt;</a:t>
-            </a:r>
-          </a:p>
-          <a:p>
-            <a:pPr marL="0" indent="0">
-              <a:buNone/>
-              <a:tabLst>
-                <a:tab pos="350838" algn="l"/>
-                <a:tab pos="525463" algn="l"/>
-                <a:tab pos="701675" algn="l"/>
-              </a:tabLst>
-            </a:pPr>
-            <a:r>
-              <a:rPr lang="en-GB" sz="2000" dirty="0">
-                <a:latin typeface="Hack" panose="020B0609030202020204" pitchFamily="49" charset="0"/>
-                <a:ea typeface="Hack" panose="020B0609030202020204" pitchFamily="49" charset="0"/>
-                <a:cs typeface="Hack" panose="020B0609030202020204" pitchFamily="49" charset="0"/>
-              </a:rPr>
-              <a:t>  &lt;</a:t>
-            </a:r>
-            <a:r>
-              <a:rPr lang="en-GB" sz="2000" dirty="0" err="1">
-                <a:latin typeface="Hack" panose="020B0609030202020204" pitchFamily="49" charset="0"/>
-                <a:ea typeface="Hack" panose="020B0609030202020204" pitchFamily="49" charset="0"/>
-                <a:cs typeface="Hack" panose="020B0609030202020204" pitchFamily="49" charset="0"/>
-              </a:rPr>
-              <a:t>xs:sequence</a:t>
-            </a:r>
-            <a:r>
-              <a:rPr lang="en-GB" sz="2000" dirty="0">
-                <a:latin typeface="Hack" panose="020B0609030202020204" pitchFamily="49" charset="0"/>
-                <a:ea typeface="Hack" panose="020B0609030202020204" pitchFamily="49" charset="0"/>
-                <a:cs typeface="Hack" panose="020B0609030202020204" pitchFamily="49" charset="0"/>
-              </a:rPr>
-              <a:t>&gt;</a:t>
-            </a:r>
-          </a:p>
-          <a:p>
-            <a:pPr marL="0" indent="0">
-              <a:buNone/>
-              <a:tabLst>
-                <a:tab pos="350838" algn="l"/>
-                <a:tab pos="525463" algn="l"/>
-                <a:tab pos="701675" algn="l"/>
-              </a:tabLst>
-            </a:pPr>
-            <a:r>
-              <a:rPr lang="en-GB" sz="2000" dirty="0">
-                <a:latin typeface="Hack" panose="020B0609030202020204" pitchFamily="49" charset="0"/>
-                <a:ea typeface="Hack" panose="020B0609030202020204" pitchFamily="49" charset="0"/>
-                <a:cs typeface="Hack" panose="020B0609030202020204" pitchFamily="49" charset="0"/>
-              </a:rPr>
-              <a:t>    &lt;</a:t>
-            </a:r>
-            <a:r>
-              <a:rPr lang="en-GB" sz="2000" dirty="0" err="1">
-                <a:latin typeface="Hack" panose="020B0609030202020204" pitchFamily="49" charset="0"/>
-                <a:ea typeface="Hack" panose="020B0609030202020204" pitchFamily="49" charset="0"/>
-                <a:cs typeface="Hack" panose="020B0609030202020204" pitchFamily="49" charset="0"/>
-              </a:rPr>
-              <a:t>xs:element</a:t>
-            </a:r>
-            <a:r>
-              <a:rPr lang="en-GB" sz="2000" dirty="0">
-                <a:latin typeface="Hack" panose="020B0609030202020204" pitchFamily="49" charset="0"/>
-                <a:ea typeface="Hack" panose="020B0609030202020204" pitchFamily="49" charset="0"/>
-                <a:cs typeface="Hack" panose="020B0609030202020204" pitchFamily="49" charset="0"/>
-              </a:rPr>
-              <a:t> name="</a:t>
-            </a:r>
-            <a:r>
-              <a:rPr lang="en-GB" sz="2000" dirty="0">
-                <a:solidFill>
-                  <a:srgbClr val="9F2B00"/>
-                </a:solidFill>
-                <a:latin typeface="Hack" panose="020B0609030202020204" pitchFamily="49" charset="0"/>
-                <a:ea typeface="Hack" panose="020B0609030202020204" pitchFamily="49" charset="0"/>
-                <a:cs typeface="Hack" panose="020B0609030202020204" pitchFamily="49" charset="0"/>
-              </a:rPr>
-              <a:t>id</a:t>
-            </a:r>
-            <a:r>
-              <a:rPr lang="en-GB" sz="2000" dirty="0">
-                <a:latin typeface="Hack" panose="020B0609030202020204" pitchFamily="49" charset="0"/>
-                <a:ea typeface="Hack" panose="020B0609030202020204" pitchFamily="49" charset="0"/>
-                <a:cs typeface="Hack" panose="020B0609030202020204" pitchFamily="49" charset="0"/>
-              </a:rPr>
-              <a:t>" </a:t>
-            </a:r>
-          </a:p>
-          <a:p>
-            <a:pPr marL="0" indent="0">
-              <a:buNone/>
-              <a:tabLst>
-                <a:tab pos="350838" algn="l"/>
-                <a:tab pos="525463" algn="l"/>
-                <a:tab pos="701675" algn="l"/>
-              </a:tabLst>
-            </a:pPr>
-            <a:r>
-              <a:rPr lang="en-GB" sz="2000" dirty="0">
-                <a:latin typeface="Hack" panose="020B0609030202020204" pitchFamily="49" charset="0"/>
-                <a:ea typeface="Hack" panose="020B0609030202020204" pitchFamily="49" charset="0"/>
-                <a:cs typeface="Hack" panose="020B0609030202020204" pitchFamily="49" charset="0"/>
-              </a:rPr>
-              <a:t>                type="</a:t>
-            </a:r>
-            <a:r>
-              <a:rPr lang="en-GB" sz="2000" dirty="0" err="1">
-                <a:latin typeface="Hack" panose="020B0609030202020204" pitchFamily="49" charset="0"/>
-                <a:ea typeface="Hack" panose="020B0609030202020204" pitchFamily="49" charset="0"/>
-                <a:cs typeface="Hack" panose="020B0609030202020204" pitchFamily="49" charset="0"/>
-              </a:rPr>
-              <a:t>xs:long</a:t>
-            </a:r>
-            <a:r>
-              <a:rPr lang="en-GB" sz="2000" dirty="0">
-                <a:latin typeface="Hack" panose="020B0609030202020204" pitchFamily="49" charset="0"/>
-                <a:ea typeface="Hack" panose="020B0609030202020204" pitchFamily="49" charset="0"/>
-                <a:cs typeface="Hack" panose="020B0609030202020204" pitchFamily="49" charset="0"/>
-              </a:rPr>
-              <a:t>" </a:t>
-            </a:r>
-          </a:p>
-          <a:p>
-            <a:pPr marL="0" indent="0">
-              <a:buNone/>
-              <a:tabLst>
-                <a:tab pos="350838" algn="l"/>
-                <a:tab pos="525463" algn="l"/>
-                <a:tab pos="701675" algn="l"/>
-              </a:tabLst>
-            </a:pPr>
-            <a:r>
-              <a:rPr lang="en-GB" sz="2000" dirty="0">
-                <a:latin typeface="Hack" panose="020B0609030202020204" pitchFamily="49" charset="0"/>
-                <a:ea typeface="Hack" panose="020B0609030202020204" pitchFamily="49" charset="0"/>
-                <a:cs typeface="Hack" panose="020B0609030202020204" pitchFamily="49" charset="0"/>
-              </a:rPr>
-              <a:t>                minOccurs="0" /&gt;</a:t>
-            </a:r>
-          </a:p>
-          <a:p>
-            <a:pPr marL="0" indent="0">
-              <a:buNone/>
-              <a:tabLst>
-                <a:tab pos="350838" algn="l"/>
-                <a:tab pos="525463" algn="l"/>
-                <a:tab pos="701675" algn="l"/>
-              </a:tabLst>
-            </a:pPr>
-            <a:r>
-              <a:rPr lang="en-GB" sz="2000" dirty="0">
-                <a:latin typeface="Hack" panose="020B0609030202020204" pitchFamily="49" charset="0"/>
-                <a:ea typeface="Hack" panose="020B0609030202020204" pitchFamily="49" charset="0"/>
-                <a:cs typeface="Hack" panose="020B0609030202020204" pitchFamily="49" charset="0"/>
-              </a:rPr>
-              <a:t>    &lt;</a:t>
-            </a:r>
-            <a:r>
-              <a:rPr lang="en-GB" sz="2000" dirty="0" err="1">
-                <a:latin typeface="Hack" panose="020B0609030202020204" pitchFamily="49" charset="0"/>
-                <a:ea typeface="Hack" panose="020B0609030202020204" pitchFamily="49" charset="0"/>
-                <a:cs typeface="Hack" panose="020B0609030202020204" pitchFamily="49" charset="0"/>
-              </a:rPr>
-              <a:t>xs:element</a:t>
-            </a:r>
-            <a:r>
-              <a:rPr lang="en-GB" sz="2000" dirty="0">
-                <a:latin typeface="Hack" panose="020B0609030202020204" pitchFamily="49" charset="0"/>
-                <a:ea typeface="Hack" panose="020B0609030202020204" pitchFamily="49" charset="0"/>
-                <a:cs typeface="Hack" panose="020B0609030202020204" pitchFamily="49" charset="0"/>
-              </a:rPr>
-              <a:t> name="title" type="</a:t>
-            </a:r>
-            <a:r>
-              <a:rPr lang="en-GB" sz="2000" dirty="0" err="1">
-                <a:latin typeface="Hack" panose="020B0609030202020204" pitchFamily="49" charset="0"/>
-                <a:ea typeface="Hack" panose="020B0609030202020204" pitchFamily="49" charset="0"/>
-                <a:cs typeface="Hack" panose="020B0609030202020204" pitchFamily="49" charset="0"/>
-              </a:rPr>
-              <a:t>xs:string</a:t>
-            </a:r>
-            <a:r>
-              <a:rPr lang="en-GB" sz="2000" dirty="0">
-                <a:latin typeface="Hack" panose="020B0609030202020204" pitchFamily="49" charset="0"/>
-                <a:ea typeface="Hack" panose="020B0609030202020204" pitchFamily="49" charset="0"/>
-                <a:cs typeface="Hack" panose="020B0609030202020204" pitchFamily="49" charset="0"/>
-              </a:rPr>
-              <a:t>" /&gt;</a:t>
-            </a:r>
-          </a:p>
-          <a:p>
-            <a:pPr marL="0" indent="0">
-              <a:buNone/>
-              <a:tabLst>
-                <a:tab pos="350838" algn="l"/>
-                <a:tab pos="525463" algn="l"/>
-                <a:tab pos="701675" algn="l"/>
-              </a:tabLst>
-            </a:pPr>
-            <a:r>
-              <a:rPr lang="en-GB" sz="2000" dirty="0">
-                <a:latin typeface="Hack" panose="020B0609030202020204" pitchFamily="49" charset="0"/>
-                <a:ea typeface="Hack" panose="020B0609030202020204" pitchFamily="49" charset="0"/>
-                <a:cs typeface="Hack" panose="020B0609030202020204" pitchFamily="49" charset="0"/>
-              </a:rPr>
-              <a:t>  &lt;/</a:t>
-            </a:r>
-            <a:r>
-              <a:rPr lang="en-GB" sz="2000" dirty="0" err="1">
-                <a:latin typeface="Hack" panose="020B0609030202020204" pitchFamily="49" charset="0"/>
-                <a:ea typeface="Hack" panose="020B0609030202020204" pitchFamily="49" charset="0"/>
-                <a:cs typeface="Hack" panose="020B0609030202020204" pitchFamily="49" charset="0"/>
-              </a:rPr>
-              <a:t>xs:sequence</a:t>
-            </a:r>
-            <a:r>
-              <a:rPr lang="en-GB" sz="2000" dirty="0">
-                <a:latin typeface="Hack" panose="020B0609030202020204" pitchFamily="49" charset="0"/>
-                <a:ea typeface="Hack" panose="020B0609030202020204" pitchFamily="49" charset="0"/>
-                <a:cs typeface="Hack" panose="020B0609030202020204" pitchFamily="49" charset="0"/>
-              </a:rPr>
-              <a:t>&gt;</a:t>
-            </a:r>
-          </a:p>
-          <a:p>
-            <a:pPr marL="0" indent="0">
-              <a:buNone/>
-              <a:tabLst>
-                <a:tab pos="350838" algn="l"/>
-                <a:tab pos="525463" algn="l"/>
-                <a:tab pos="701675" algn="l"/>
-              </a:tabLst>
-            </a:pPr>
-            <a:r>
-              <a:rPr lang="en-GB" sz="2000" dirty="0">
-                <a:latin typeface="Hack" panose="020B0609030202020204" pitchFamily="49" charset="0"/>
-                <a:ea typeface="Hack" panose="020B0609030202020204" pitchFamily="49" charset="0"/>
-                <a:cs typeface="Hack" panose="020B0609030202020204" pitchFamily="49" charset="0"/>
-              </a:rPr>
-              <a:t>&lt;/</a:t>
-            </a:r>
-            <a:r>
-              <a:rPr lang="en-GB" sz="2000" dirty="0" err="1">
-                <a:latin typeface="Hack" panose="020B0609030202020204" pitchFamily="49" charset="0"/>
-                <a:ea typeface="Hack" panose="020B0609030202020204" pitchFamily="49" charset="0"/>
-                <a:cs typeface="Hack" panose="020B0609030202020204" pitchFamily="49" charset="0"/>
-              </a:rPr>
-              <a:t>xs:complexType</a:t>
-            </a:r>
-            <a:r>
-              <a:rPr lang="en-GB" sz="2000" dirty="0">
-                <a:latin typeface="Hack" panose="020B0609030202020204" pitchFamily="49" charset="0"/>
-                <a:ea typeface="Hack" panose="020B0609030202020204" pitchFamily="49" charset="0"/>
-                <a:cs typeface="Hack" panose="020B0609030202020204" pitchFamily="49" charset="0"/>
-              </a:rPr>
-              <a:t>&gt;</a:t>
-            </a:r>
-          </a:p>
-        </p:txBody>
-      </p:sp>
-      <p:sp>
-        <p:nvSpPr>
-          <p:cNvPr id="4" name="Content Placeholder 5">
-            <a:extLst>
-              <a:ext uri="{FF2B5EF4-FFF2-40B4-BE49-F238E27FC236}">
-                <a16:creationId xmlns:a16="http://schemas.microsoft.com/office/drawing/2014/main" id="{3C0B851F-5BCF-7332-A557-757E825133BD}"/>
-              </a:ext>
-            </a:extLst>
-          </p:cNvPr>
-          <p:cNvSpPr txBox="1">
-            <a:spLocks/>
-          </p:cNvSpPr>
-          <p:nvPr/>
-        </p:nvSpPr>
-        <p:spPr>
-          <a:xfrm>
-            <a:off x="5796136" y="-16308"/>
-            <a:ext cx="3347864" cy="1501092"/>
-          </a:xfrm>
-          <a:prstGeom prst="rect">
-            <a:avLst/>
-          </a:prstGeom>
-          <a:solidFill>
-            <a:srgbClr val="9F2B00"/>
-          </a:solidFill>
-          <a:ln>
-            <a:noFill/>
-          </a:ln>
-        </p:spPr>
-        <p:txBody>
-          <a:bodyPr vert="horz" lIns="91440" tIns="45720" rIns="91440" bIns="45720" rtlCol="0" anchor="ctr">
-            <a:normAutofit/>
-          </a:bodyPr>
-          <a:lstStyle>
-            <a:lvl1pPr marL="342900" indent="-342900" algn="l" defTabSz="914400" rtl="0" eaLnBrk="1" latinLnBrk="0" hangingPunct="1">
-              <a:spcBef>
-                <a:spcPct val="20000"/>
-              </a:spcBef>
-              <a:buFont typeface="Arial" pitchFamily="34" charset="0"/>
-              <a:buChar char="•"/>
-              <a:defRPr sz="3200" kern="1200">
-                <a:solidFill>
-                  <a:schemeClr val="tx1"/>
-                </a:solidFill>
-                <a:latin typeface="Lato" panose="020F0502020204030203" pitchFamily="34" charset="0"/>
-                <a:ea typeface="Lato" panose="020F0502020204030203" pitchFamily="34" charset="0"/>
-                <a:cs typeface="Lato" panose="020F0502020204030203" pitchFamily="34" charset="0"/>
-              </a:defRPr>
-            </a:lvl1pPr>
-            <a:lvl2pPr marL="742950" indent="-285750" algn="l" defTabSz="914400" rtl="0" eaLnBrk="1" latinLnBrk="0" hangingPunct="1">
-              <a:spcBef>
-                <a:spcPct val="20000"/>
-              </a:spcBef>
-              <a:buFont typeface="Arial" pitchFamily="34" charset="0"/>
-              <a:buChar char="–"/>
-              <a:defRPr sz="2800" kern="1200">
-                <a:solidFill>
-                  <a:schemeClr val="tx1"/>
-                </a:solidFill>
-                <a:latin typeface="Lato" panose="020F0502020204030203" pitchFamily="34" charset="0"/>
-                <a:ea typeface="Lato" panose="020F0502020204030203" pitchFamily="34" charset="0"/>
-                <a:cs typeface="Lato" panose="020F0502020204030203" pitchFamily="34" charset="0"/>
-              </a:defRPr>
-            </a:lvl2pPr>
-            <a:lvl3pPr marL="1143000" indent="-228600" algn="l" defTabSz="914400" rtl="0" eaLnBrk="1" latinLnBrk="0" hangingPunct="1">
-              <a:spcBef>
-                <a:spcPct val="20000"/>
-              </a:spcBef>
-              <a:buFont typeface="Arial" pitchFamily="34" charset="0"/>
-              <a:buChar char="•"/>
-              <a:defRPr sz="2400" kern="1200">
-                <a:solidFill>
-                  <a:schemeClr val="tx1"/>
-                </a:solidFill>
-                <a:latin typeface="Lato" panose="020F0502020204030203" pitchFamily="34" charset="0"/>
-                <a:ea typeface="Lato" panose="020F0502020204030203" pitchFamily="34" charset="0"/>
-                <a:cs typeface="Lato" panose="020F0502020204030203" pitchFamily="34" charset="0"/>
-              </a:defRPr>
-            </a:lvl3pPr>
-            <a:lvl4pPr marL="1600200" indent="-228600" algn="l" defTabSz="914400" rtl="0" eaLnBrk="1" latinLnBrk="0" hangingPunct="1">
-              <a:spcBef>
-                <a:spcPct val="20000"/>
-              </a:spcBef>
-              <a:buFont typeface="Arial" pitchFamily="34" charset="0"/>
-              <a:buChar char="–"/>
-              <a:defRPr sz="2000" kern="1200">
-                <a:solidFill>
-                  <a:schemeClr val="tx1"/>
-                </a:solidFill>
-                <a:latin typeface="Lato" panose="020F0502020204030203" pitchFamily="34" charset="0"/>
-                <a:ea typeface="Lato" panose="020F0502020204030203" pitchFamily="34" charset="0"/>
-                <a:cs typeface="Lato" panose="020F0502020204030203" pitchFamily="34" charset="0"/>
-              </a:defRPr>
-            </a:lvl4pPr>
-            <a:lvl5pPr marL="2057400" indent="-228600" algn="l" defTabSz="914400" rtl="0" eaLnBrk="1" latinLnBrk="0" hangingPunct="1">
-              <a:spcBef>
-                <a:spcPct val="20000"/>
-              </a:spcBef>
-              <a:buFont typeface="Arial" pitchFamily="34" charset="0"/>
-              <a:buChar char="»"/>
-              <a:defRPr sz="2000" kern="1200">
-                <a:solidFill>
-                  <a:schemeClr val="tx1"/>
-                </a:solidFill>
-                <a:latin typeface="Lato" panose="020F0502020204030203" pitchFamily="34" charset="0"/>
-                <a:ea typeface="Lato" panose="020F0502020204030203" pitchFamily="34" charset="0"/>
-                <a:cs typeface="Lato" panose="020F0502020204030203" pitchFamily="34" charset="0"/>
-              </a:defRPr>
-            </a:lvl5pPr>
-            <a:lvl6pPr marL="2514600" indent="-228600" algn="l" defTabSz="914400" rtl="0" eaLnBrk="1" latinLnBrk="0" hangingPunct="1">
-              <a:spcBef>
-                <a:spcPct val="20000"/>
-              </a:spcBef>
-              <a:buFont typeface="Arial" pitchFamily="34" charset="0"/>
-              <a:buChar char="•"/>
-              <a:defRPr sz="2000" kern="1200">
-                <a:solidFill>
-                  <a:schemeClr val="tx1"/>
-                </a:solidFill>
-                <a:latin typeface="+mn-lt"/>
-                <a:ea typeface="+mn-ea"/>
-                <a:cs typeface="+mn-cs"/>
-              </a:defRPr>
-            </a:lvl6pPr>
-            <a:lvl7pPr marL="2971800" indent="-228600" algn="l" defTabSz="914400" rtl="0" eaLnBrk="1" latinLnBrk="0" hangingPunct="1">
-              <a:spcBef>
-                <a:spcPct val="20000"/>
-              </a:spcBef>
-              <a:buFont typeface="Arial" pitchFamily="34" charset="0"/>
-              <a:buChar char="•"/>
-              <a:defRPr sz="2000" kern="1200">
-                <a:solidFill>
-                  <a:schemeClr val="tx1"/>
-                </a:solidFill>
-                <a:latin typeface="+mn-lt"/>
-                <a:ea typeface="+mn-ea"/>
-                <a:cs typeface="+mn-cs"/>
-              </a:defRPr>
-            </a:lvl7pPr>
-            <a:lvl8pPr marL="3429000" indent="-228600" algn="l" defTabSz="914400" rtl="0" eaLnBrk="1" latinLnBrk="0" hangingPunct="1">
-              <a:spcBef>
-                <a:spcPct val="20000"/>
-              </a:spcBef>
-              <a:buFont typeface="Arial" pitchFamily="34" charset="0"/>
-              <a:buChar char="•"/>
-              <a:defRPr sz="2000" kern="1200">
-                <a:solidFill>
-                  <a:schemeClr val="tx1"/>
-                </a:solidFill>
-                <a:latin typeface="+mn-lt"/>
-                <a:ea typeface="+mn-ea"/>
-                <a:cs typeface="+mn-cs"/>
-              </a:defRPr>
-            </a:lvl8pPr>
-            <a:lvl9pPr marL="3886200" indent="-228600" algn="l" defTabSz="914400" rtl="0" eaLnBrk="1" latinLnBrk="0" hangingPunct="1">
-              <a:spcBef>
-                <a:spcPct val="20000"/>
-              </a:spcBef>
-              <a:buFont typeface="Arial" pitchFamily="34" charset="0"/>
-              <a:buChar char="•"/>
-              <a:defRPr sz="2000" kern="1200">
-                <a:solidFill>
-                  <a:schemeClr val="tx1"/>
-                </a:solidFill>
-                <a:latin typeface="+mn-lt"/>
-                <a:ea typeface="+mn-ea"/>
-                <a:cs typeface="+mn-cs"/>
-              </a:defRPr>
-            </a:lvl9pPr>
-          </a:lstStyle>
-          <a:p>
-            <a:pPr marL="0" indent="0" algn="ctr">
-              <a:buNone/>
-            </a:pPr>
-            <a:r>
-              <a:rPr lang="en-SK" sz="2800" dirty="0">
-                <a:solidFill>
-                  <a:schemeClr val="bg1"/>
-                </a:solidFill>
-              </a:rPr>
-              <a:t>časť XSD schémy</a:t>
-            </a:r>
-          </a:p>
-        </p:txBody>
-      </p:sp>
-      <p:sp>
-        <p:nvSpPr>
-          <p:cNvPr id="9" name="Content Placeholder 5">
-            <a:extLst>
-              <a:ext uri="{FF2B5EF4-FFF2-40B4-BE49-F238E27FC236}">
-                <a16:creationId xmlns:a16="http://schemas.microsoft.com/office/drawing/2014/main" id="{82ACC474-2AE2-7392-6DD2-6AB48D6F6DA6}"/>
-              </a:ext>
-            </a:extLst>
-          </p:cNvPr>
-          <p:cNvSpPr txBox="1">
-            <a:spLocks/>
-          </p:cNvSpPr>
-          <p:nvPr/>
-        </p:nvSpPr>
-        <p:spPr>
-          <a:xfrm>
-            <a:off x="2405220" y="4509120"/>
-            <a:ext cx="6283424" cy="1988840"/>
-          </a:xfrm>
-          <a:prstGeom prst="rect">
-            <a:avLst/>
-          </a:prstGeom>
-          <a:solidFill>
-            <a:srgbClr val="D3750C"/>
-          </a:solidFill>
-          <a:ln w="38100">
-            <a:noFill/>
-          </a:ln>
-        </p:spPr>
-        <p:txBody>
-          <a:bodyPr vert="horz" lIns="180000" tIns="180000" rIns="180000" bIns="180000" rtlCol="0" anchor="ctr">
-            <a:normAutofit/>
-          </a:bodyPr>
-          <a:lstStyle>
-            <a:lvl1pPr marL="342900" indent="-342900" algn="l" defTabSz="914400" rtl="0" eaLnBrk="1" latinLnBrk="0" hangingPunct="1">
-              <a:spcBef>
-                <a:spcPct val="20000"/>
-              </a:spcBef>
-              <a:buFont typeface="Arial" pitchFamily="34" charset="0"/>
-              <a:buChar char="•"/>
-              <a:defRPr sz="3200" kern="1200">
-                <a:solidFill>
-                  <a:schemeClr val="tx1"/>
-                </a:solidFill>
-                <a:latin typeface="Lato" panose="020F0502020204030203" pitchFamily="34" charset="0"/>
-                <a:ea typeface="Lato" panose="020F0502020204030203" pitchFamily="34" charset="0"/>
-                <a:cs typeface="Lato" panose="020F0502020204030203" pitchFamily="34" charset="0"/>
-              </a:defRPr>
-            </a:lvl1pPr>
-            <a:lvl2pPr marL="742950" indent="-285750" algn="l" defTabSz="914400" rtl="0" eaLnBrk="1" latinLnBrk="0" hangingPunct="1">
-              <a:spcBef>
-                <a:spcPct val="20000"/>
-              </a:spcBef>
-              <a:buFont typeface="Arial" pitchFamily="34" charset="0"/>
-              <a:buChar char="–"/>
-              <a:defRPr sz="2800" kern="1200">
-                <a:solidFill>
-                  <a:schemeClr val="tx1"/>
-                </a:solidFill>
-                <a:latin typeface="Lato" panose="020F0502020204030203" pitchFamily="34" charset="0"/>
-                <a:ea typeface="Lato" panose="020F0502020204030203" pitchFamily="34" charset="0"/>
-                <a:cs typeface="Lato" panose="020F0502020204030203" pitchFamily="34" charset="0"/>
-              </a:defRPr>
-            </a:lvl2pPr>
-            <a:lvl3pPr marL="1143000" indent="-228600" algn="l" defTabSz="914400" rtl="0" eaLnBrk="1" latinLnBrk="0" hangingPunct="1">
-              <a:spcBef>
-                <a:spcPct val="20000"/>
-              </a:spcBef>
-              <a:buFont typeface="Arial" pitchFamily="34" charset="0"/>
-              <a:buChar char="•"/>
-              <a:defRPr sz="2400" kern="1200">
-                <a:solidFill>
-                  <a:schemeClr val="tx1"/>
-                </a:solidFill>
-                <a:latin typeface="Lato" panose="020F0502020204030203" pitchFamily="34" charset="0"/>
-                <a:ea typeface="Lato" panose="020F0502020204030203" pitchFamily="34" charset="0"/>
-                <a:cs typeface="Lato" panose="020F0502020204030203" pitchFamily="34" charset="0"/>
-              </a:defRPr>
-            </a:lvl3pPr>
-            <a:lvl4pPr marL="1600200" indent="-228600" algn="l" defTabSz="914400" rtl="0" eaLnBrk="1" latinLnBrk="0" hangingPunct="1">
-              <a:spcBef>
-                <a:spcPct val="20000"/>
-              </a:spcBef>
-              <a:buFont typeface="Arial" pitchFamily="34" charset="0"/>
-              <a:buChar char="–"/>
-              <a:defRPr sz="2000" kern="1200">
-                <a:solidFill>
-                  <a:schemeClr val="tx1"/>
-                </a:solidFill>
-                <a:latin typeface="Lato" panose="020F0502020204030203" pitchFamily="34" charset="0"/>
-                <a:ea typeface="Lato" panose="020F0502020204030203" pitchFamily="34" charset="0"/>
-                <a:cs typeface="Lato" panose="020F0502020204030203" pitchFamily="34" charset="0"/>
-              </a:defRPr>
-            </a:lvl4pPr>
-            <a:lvl5pPr marL="2057400" indent="-228600" algn="l" defTabSz="914400" rtl="0" eaLnBrk="1" latinLnBrk="0" hangingPunct="1">
-              <a:spcBef>
-                <a:spcPct val="20000"/>
-              </a:spcBef>
-              <a:buFont typeface="Arial" pitchFamily="34" charset="0"/>
-              <a:buChar char="»"/>
-              <a:defRPr sz="2000" kern="1200">
-                <a:solidFill>
-                  <a:schemeClr val="tx1"/>
-                </a:solidFill>
-                <a:latin typeface="Lato" panose="020F0502020204030203" pitchFamily="34" charset="0"/>
-                <a:ea typeface="Lato" panose="020F0502020204030203" pitchFamily="34" charset="0"/>
-                <a:cs typeface="Lato" panose="020F0502020204030203" pitchFamily="34" charset="0"/>
-              </a:defRPr>
-            </a:lvl5pPr>
-            <a:lvl6pPr marL="2514600" indent="-228600" algn="l" defTabSz="914400" rtl="0" eaLnBrk="1" latinLnBrk="0" hangingPunct="1">
-              <a:spcBef>
-                <a:spcPct val="20000"/>
-              </a:spcBef>
-              <a:buFont typeface="Arial" pitchFamily="34" charset="0"/>
-              <a:buChar char="•"/>
-              <a:defRPr sz="2000" kern="1200">
-                <a:solidFill>
-                  <a:schemeClr val="tx1"/>
-                </a:solidFill>
-                <a:latin typeface="+mn-lt"/>
-                <a:ea typeface="+mn-ea"/>
-                <a:cs typeface="+mn-cs"/>
-              </a:defRPr>
-            </a:lvl6pPr>
-            <a:lvl7pPr marL="2971800" indent="-228600" algn="l" defTabSz="914400" rtl="0" eaLnBrk="1" latinLnBrk="0" hangingPunct="1">
-              <a:spcBef>
-                <a:spcPct val="20000"/>
-              </a:spcBef>
-              <a:buFont typeface="Arial" pitchFamily="34" charset="0"/>
-              <a:buChar char="•"/>
-              <a:defRPr sz="2000" kern="1200">
-                <a:solidFill>
-                  <a:schemeClr val="tx1"/>
-                </a:solidFill>
-                <a:latin typeface="+mn-lt"/>
-                <a:ea typeface="+mn-ea"/>
-                <a:cs typeface="+mn-cs"/>
-              </a:defRPr>
-            </a:lvl7pPr>
-            <a:lvl8pPr marL="3429000" indent="-228600" algn="l" defTabSz="914400" rtl="0" eaLnBrk="1" latinLnBrk="0" hangingPunct="1">
-              <a:spcBef>
-                <a:spcPct val="20000"/>
-              </a:spcBef>
-              <a:buFont typeface="Arial" pitchFamily="34" charset="0"/>
-              <a:buChar char="•"/>
-              <a:defRPr sz="2000" kern="1200">
-                <a:solidFill>
-                  <a:schemeClr val="tx1"/>
-                </a:solidFill>
-                <a:latin typeface="+mn-lt"/>
-                <a:ea typeface="+mn-ea"/>
-                <a:cs typeface="+mn-cs"/>
-              </a:defRPr>
-            </a:lvl8pPr>
-            <a:lvl9pPr marL="3886200" indent="-228600" algn="l" defTabSz="914400" rtl="0" eaLnBrk="1" latinLnBrk="0" hangingPunct="1">
-              <a:spcBef>
-                <a:spcPct val="20000"/>
-              </a:spcBef>
-              <a:buFont typeface="Arial" pitchFamily="34" charset="0"/>
-              <a:buChar char="•"/>
-              <a:defRPr sz="2000" kern="1200">
-                <a:solidFill>
-                  <a:schemeClr val="tx1"/>
-                </a:solidFill>
-                <a:latin typeface="+mn-lt"/>
-                <a:ea typeface="+mn-ea"/>
-                <a:cs typeface="+mn-cs"/>
-              </a:defRPr>
-            </a:lvl9pPr>
-          </a:lstStyle>
-          <a:p>
-            <a:pPr marL="0" indent="0">
-              <a:buNone/>
-              <a:tabLst>
-                <a:tab pos="350838" algn="l"/>
-                <a:tab pos="525463" algn="l"/>
-                <a:tab pos="701675" algn="l"/>
-              </a:tabLst>
-            </a:pPr>
-            <a:r>
-              <a:rPr lang="en-GB" sz="2000" dirty="0">
-                <a:solidFill>
-                  <a:schemeClr val="bg1"/>
-                </a:solidFill>
-                <a:latin typeface="Hack" panose="020B0609030202020204" pitchFamily="49" charset="0"/>
-                <a:ea typeface="Hack" panose="020B0609030202020204" pitchFamily="49" charset="0"/>
-                <a:cs typeface="Hack" panose="020B0609030202020204" pitchFamily="49" charset="0"/>
-              </a:rPr>
-              <a:t>public class Chocolate {</a:t>
-            </a:r>
-          </a:p>
-          <a:p>
-            <a:pPr marL="0" indent="0">
-              <a:buNone/>
-              <a:tabLst>
-                <a:tab pos="350838" algn="l"/>
-                <a:tab pos="525463" algn="l"/>
-                <a:tab pos="701675" algn="l"/>
-              </a:tabLst>
-            </a:pPr>
-            <a:r>
-              <a:rPr lang="en-GB" sz="2000" dirty="0">
-                <a:solidFill>
-                  <a:schemeClr val="bg1"/>
-                </a:solidFill>
-                <a:latin typeface="Hack" panose="020B0609030202020204" pitchFamily="49" charset="0"/>
-                <a:ea typeface="Hack" panose="020B0609030202020204" pitchFamily="49" charset="0"/>
-                <a:cs typeface="Hack" panose="020B0609030202020204" pitchFamily="49" charset="0"/>
-              </a:rPr>
-              <a:t>  private long </a:t>
-            </a:r>
-            <a:r>
-              <a:rPr lang="en-GB" sz="2000" dirty="0">
-                <a:solidFill>
-                  <a:srgbClr val="9F2B00"/>
-                </a:solidFill>
-                <a:latin typeface="Hack" panose="020B0609030202020204" pitchFamily="49" charset="0"/>
-                <a:ea typeface="Hack" panose="020B0609030202020204" pitchFamily="49" charset="0"/>
-                <a:cs typeface="Hack" panose="020B0609030202020204" pitchFamily="49" charset="0"/>
-              </a:rPr>
-              <a:t>id</a:t>
-            </a:r>
-            <a:r>
-              <a:rPr lang="en-GB" sz="2000" dirty="0">
-                <a:solidFill>
-                  <a:schemeClr val="bg1"/>
-                </a:solidFill>
-                <a:latin typeface="Hack" panose="020B0609030202020204" pitchFamily="49" charset="0"/>
-                <a:ea typeface="Hack" panose="020B0609030202020204" pitchFamily="49" charset="0"/>
-                <a:cs typeface="Hack" panose="020B0609030202020204" pitchFamily="49" charset="0"/>
-              </a:rPr>
-              <a:t>;</a:t>
-            </a:r>
-          </a:p>
-          <a:p>
-            <a:pPr marL="0" indent="0">
-              <a:buNone/>
-              <a:tabLst>
-                <a:tab pos="350838" algn="l"/>
-                <a:tab pos="525463" algn="l"/>
-                <a:tab pos="701675" algn="l"/>
-              </a:tabLst>
-            </a:pPr>
-            <a:r>
-              <a:rPr lang="en-GB" sz="2000" dirty="0">
-                <a:solidFill>
-                  <a:schemeClr val="bg1"/>
-                </a:solidFill>
-                <a:latin typeface="Hack" panose="020B0609030202020204" pitchFamily="49" charset="0"/>
-                <a:ea typeface="Hack" panose="020B0609030202020204" pitchFamily="49" charset="0"/>
-                <a:cs typeface="Hack" panose="020B0609030202020204" pitchFamily="49" charset="0"/>
-              </a:rPr>
-              <a:t>  private String title;</a:t>
-            </a:r>
-          </a:p>
-          <a:p>
-            <a:pPr marL="0" indent="0">
-              <a:buNone/>
-              <a:tabLst>
-                <a:tab pos="350838" algn="l"/>
-                <a:tab pos="525463" algn="l"/>
-                <a:tab pos="701675" algn="l"/>
-              </a:tabLst>
-            </a:pPr>
-            <a:r>
-              <a:rPr lang="en-GB" sz="2000" dirty="0">
-                <a:solidFill>
-                  <a:schemeClr val="bg1"/>
-                </a:solidFill>
-                <a:latin typeface="Hack" panose="020B0609030202020204" pitchFamily="49" charset="0"/>
-                <a:ea typeface="Hack" panose="020B0609030202020204" pitchFamily="49" charset="0"/>
-                <a:cs typeface="Hack" panose="020B0609030202020204" pitchFamily="49" charset="0"/>
-              </a:rPr>
-              <a:t>}</a:t>
-            </a:r>
-          </a:p>
-        </p:txBody>
-      </p:sp>
-    </p:spTree>
-    <p:extLst>
-      <p:ext uri="{BB962C8B-B14F-4D97-AF65-F5344CB8AC3E}">
-        <p14:creationId xmlns:p14="http://schemas.microsoft.com/office/powerpoint/2010/main" val="841540411"/>
-      </p:ext>
-    </p:extLst>
-  </p:cSld>
-  <p:clrMapOvr>
-    <a:masterClrMapping/>
-  </p:clrMapOvr>
-</p:sld>
-</file>
-
-<file path=ppt/slides/slide49.xml><?xml version="1.0" encoding="utf-8"?>
-<p:sld xmlns:a="http://schemas.openxmlformats.org/drawingml/2006/main" xmlns:r="http://schemas.openxmlformats.org/officeDocument/2006/relationships" xmlns:p="http://schemas.openxmlformats.org/presentationml/2006/main">
-  <p:cSld>
-    <p:spTree>
-      <p:nvGrpSpPr>
-        <p:cNvPr id="1" name=""/>
-        <p:cNvGrpSpPr/>
-        <p:nvPr/>
-      </p:nvGrpSpPr>
-      <p:grpSpPr>
-        <a:xfrm>
-          <a:off x="0" y="0"/>
-          <a:ext cx="0" cy="0"/>
-          <a:chOff x="0" y="0"/>
-          <a:chExt cx="0" cy="0"/>
-        </a:xfrm>
-      </p:grpSpPr>
-      <p:sp>
-        <p:nvSpPr>
           <p:cNvPr id="7" name="Zástupný symbol obsahu 6"/>
           <p:cNvSpPr>
             <a:spLocks noGrp="1"/>
@@ -21810,145 +20962,7 @@
 </p:sld>
 </file>
 
-<file path=ppt/slides/slide5.xml><?xml version="1.0" encoding="utf-8"?>
-<p:sld xmlns:a="http://schemas.openxmlformats.org/drawingml/2006/main" xmlns:r="http://schemas.openxmlformats.org/officeDocument/2006/relationships" xmlns:p="http://schemas.openxmlformats.org/presentationml/2006/main">
-  <p:cSld>
-    <p:spTree>
-      <p:nvGrpSpPr>
-        <p:cNvPr id="1" name=""/>
-        <p:cNvGrpSpPr/>
-        <p:nvPr/>
-      </p:nvGrpSpPr>
-      <p:grpSpPr>
-        <a:xfrm>
-          <a:off x="0" y="0"/>
-          <a:ext cx="0" cy="0"/>
-          <a:chOff x="0" y="0"/>
-          <a:chExt cx="0" cy="0"/>
-        </a:xfrm>
-      </p:grpSpPr>
-      <p:sp>
-        <p:nvSpPr>
-          <p:cNvPr id="2" name="Nadpis 1"/>
-          <p:cNvSpPr>
-            <a:spLocks noGrp="1"/>
-          </p:cNvSpPr>
-          <p:nvPr>
-            <p:ph type="title"/>
-          </p:nvPr>
-        </p:nvSpPr>
-        <p:spPr/>
-        <p:txBody>
-          <a:bodyPr>
-            <a:normAutofit/>
-          </a:bodyPr>
-          <a:lstStyle/>
-          <a:p>
-            <a:r>
-              <a:rPr lang="sk-SK" b="0" dirty="0"/>
-              <a:t>21. storočie v RPC</a:t>
-            </a:r>
-          </a:p>
-        </p:txBody>
-      </p:sp>
-      <p:sp>
-        <p:nvSpPr>
-          <p:cNvPr id="3" name="Zástupný symbol obsahu 2"/>
-          <p:cNvSpPr>
-            <a:spLocks noGrp="1"/>
-          </p:cNvSpPr>
-          <p:nvPr>
-            <p:ph idx="1"/>
-          </p:nvPr>
-        </p:nvSpPr>
-        <p:spPr/>
-        <p:txBody>
-          <a:bodyPr/>
-          <a:lstStyle/>
-          <a:p>
-            <a:r>
-              <a:rPr lang="sk-SK" dirty="0"/>
-              <a:t>REST</a:t>
-            </a:r>
-          </a:p>
-          <a:p>
-            <a:r>
-              <a:rPr lang="sk-SK" dirty="0" err="1"/>
-              <a:t>gRPC</a:t>
-            </a:r>
-            <a:r>
-              <a:rPr lang="sk-SK" dirty="0"/>
-              <a:t> (Google)</a:t>
-            </a:r>
-          </a:p>
-          <a:p>
-            <a:r>
-              <a:rPr lang="sk-SK" dirty="0"/>
-              <a:t>Apache </a:t>
-            </a:r>
-            <a:r>
-              <a:rPr lang="sk-SK" dirty="0" err="1"/>
-              <a:t>Avro</a:t>
-            </a:r>
-            <a:endParaRPr lang="sk-SK" dirty="0"/>
-          </a:p>
-          <a:p>
-            <a:r>
-              <a:rPr lang="sk-SK" dirty="0" err="1"/>
-              <a:t>WebSockets</a:t>
-            </a:r>
-            <a:endParaRPr lang="sk-SK" dirty="0"/>
-          </a:p>
-          <a:p>
-            <a:r>
-              <a:rPr lang="sk-SK" dirty="0" err="1"/>
-              <a:t>RSocket</a:t>
-            </a:r>
-            <a:r>
-              <a:rPr lang="sk-SK" dirty="0"/>
-              <a:t> (</a:t>
-            </a:r>
-            <a:r>
-              <a:rPr lang="sk-SK" dirty="0" err="1"/>
-              <a:t>Netflix</a:t>
-            </a:r>
-            <a:r>
-              <a:rPr lang="sk-SK" dirty="0"/>
-              <a:t>)</a:t>
-            </a:r>
-          </a:p>
-          <a:p>
-            <a:r>
-              <a:rPr lang="sk-SK" dirty="0">
-                <a:solidFill>
-                  <a:srgbClr val="9F2B00"/>
-                </a:solidFill>
-              </a:rPr>
-              <a:t>SOAP</a:t>
-            </a:r>
-          </a:p>
-          <a:p>
-            <a:endParaRPr lang="sk-SK" dirty="0"/>
-          </a:p>
-          <a:p>
-            <a:endParaRPr lang="sk-SK" dirty="0"/>
-          </a:p>
-        </p:txBody>
-      </p:sp>
-    </p:spTree>
-    <p:extLst>
-      <p:ext uri="{BB962C8B-B14F-4D97-AF65-F5344CB8AC3E}">
-        <p14:creationId xmlns:p14="http://schemas.microsoft.com/office/powerpoint/2010/main" val="2315867410"/>
-      </p:ext>
-    </p:extLst>
-  </p:cSld>
-  <p:clrMapOvr>
-    <a:masterClrMapping/>
-  </p:clrMapOvr>
-</p:sld>
-</file>
-
-<file path=ppt/slides/slide50.xml><?xml version="1.0" encoding="utf-8"?>
+<file path=ppt/slides/slide47.xml><?xml version="1.0" encoding="utf-8"?>
 <p:sld xmlns:a="http://schemas.openxmlformats.org/drawingml/2006/main" xmlns:r="http://schemas.openxmlformats.org/officeDocument/2006/relationships" xmlns:p="http://schemas.openxmlformats.org/presentationml/2006/main">
   <p:cSld>
     <p:spTree>
@@ -22003,7 +21017,7 @@
 </p:sld>
 </file>
 
-<file path=ppt/slides/slide51.xml><?xml version="1.0" encoding="utf-8"?>
+<file path=ppt/slides/slide48.xml><?xml version="1.0" encoding="utf-8"?>
 <p:sld xmlns:a="http://schemas.openxmlformats.org/drawingml/2006/main" xmlns:r="http://schemas.openxmlformats.org/officeDocument/2006/relationships" xmlns:p="http://schemas.openxmlformats.org/presentationml/2006/main">
   <p:cSld>
     <p:spTree>
@@ -22271,7 +21285,7 @@
 </p:sld>
 </file>
 
-<file path=ppt/slides/slide52.xml><?xml version="1.0" encoding="utf-8"?>
+<file path=ppt/slides/slide49.xml><?xml version="1.0" encoding="utf-8"?>
 <p:sld xmlns:a="http://schemas.openxmlformats.org/drawingml/2006/main" xmlns:r="http://schemas.openxmlformats.org/officeDocument/2006/relationships" xmlns:p="http://schemas.openxmlformats.org/presentationml/2006/main">
   <p:cSld>
     <p:spTree>
@@ -22524,7 +21538,145 @@
 </p:sld>
 </file>
 
-<file path=ppt/slides/slide53.xml><?xml version="1.0" encoding="utf-8"?>
+<file path=ppt/slides/slide5.xml><?xml version="1.0" encoding="utf-8"?>
+<p:sld xmlns:a="http://schemas.openxmlformats.org/drawingml/2006/main" xmlns:r="http://schemas.openxmlformats.org/officeDocument/2006/relationships" xmlns:p="http://schemas.openxmlformats.org/presentationml/2006/main">
+  <p:cSld>
+    <p:spTree>
+      <p:nvGrpSpPr>
+        <p:cNvPr id="1" name=""/>
+        <p:cNvGrpSpPr/>
+        <p:nvPr/>
+      </p:nvGrpSpPr>
+      <p:grpSpPr>
+        <a:xfrm>
+          <a:off x="0" y="0"/>
+          <a:ext cx="0" cy="0"/>
+          <a:chOff x="0" y="0"/>
+          <a:chExt cx="0" cy="0"/>
+        </a:xfrm>
+      </p:grpSpPr>
+      <p:sp>
+        <p:nvSpPr>
+          <p:cNvPr id="2" name="Nadpis 1"/>
+          <p:cNvSpPr>
+            <a:spLocks noGrp="1"/>
+          </p:cNvSpPr>
+          <p:nvPr>
+            <p:ph type="title"/>
+          </p:nvPr>
+        </p:nvSpPr>
+        <p:spPr/>
+        <p:txBody>
+          <a:bodyPr>
+            <a:normAutofit/>
+          </a:bodyPr>
+          <a:lstStyle/>
+          <a:p>
+            <a:r>
+              <a:rPr lang="sk-SK" b="0" dirty="0"/>
+              <a:t>21. storočie v RPC</a:t>
+            </a:r>
+          </a:p>
+        </p:txBody>
+      </p:sp>
+      <p:sp>
+        <p:nvSpPr>
+          <p:cNvPr id="3" name="Zástupný symbol obsahu 2"/>
+          <p:cNvSpPr>
+            <a:spLocks noGrp="1"/>
+          </p:cNvSpPr>
+          <p:nvPr>
+            <p:ph idx="1"/>
+          </p:nvPr>
+        </p:nvSpPr>
+        <p:spPr/>
+        <p:txBody>
+          <a:bodyPr/>
+          <a:lstStyle/>
+          <a:p>
+            <a:r>
+              <a:rPr lang="sk-SK" dirty="0"/>
+              <a:t>REST</a:t>
+            </a:r>
+          </a:p>
+          <a:p>
+            <a:r>
+              <a:rPr lang="sk-SK" dirty="0" err="1"/>
+              <a:t>gRPC</a:t>
+            </a:r>
+            <a:r>
+              <a:rPr lang="sk-SK" dirty="0"/>
+              <a:t> (Google)</a:t>
+            </a:r>
+          </a:p>
+          <a:p>
+            <a:r>
+              <a:rPr lang="sk-SK" dirty="0"/>
+              <a:t>Apache </a:t>
+            </a:r>
+            <a:r>
+              <a:rPr lang="sk-SK" dirty="0" err="1"/>
+              <a:t>Avro</a:t>
+            </a:r>
+            <a:endParaRPr lang="sk-SK" dirty="0"/>
+          </a:p>
+          <a:p>
+            <a:r>
+              <a:rPr lang="sk-SK" dirty="0" err="1"/>
+              <a:t>WebSockets</a:t>
+            </a:r>
+            <a:endParaRPr lang="sk-SK" dirty="0"/>
+          </a:p>
+          <a:p>
+            <a:r>
+              <a:rPr lang="sk-SK" dirty="0" err="1"/>
+              <a:t>RSocket</a:t>
+            </a:r>
+            <a:r>
+              <a:rPr lang="sk-SK" dirty="0"/>
+              <a:t> (</a:t>
+            </a:r>
+            <a:r>
+              <a:rPr lang="sk-SK" dirty="0" err="1"/>
+              <a:t>Netflix</a:t>
+            </a:r>
+            <a:r>
+              <a:rPr lang="sk-SK" dirty="0"/>
+              <a:t>)</a:t>
+            </a:r>
+          </a:p>
+          <a:p>
+            <a:r>
+              <a:rPr lang="sk-SK" dirty="0">
+                <a:solidFill>
+                  <a:srgbClr val="9F2B00"/>
+                </a:solidFill>
+              </a:rPr>
+              <a:t>SOAP</a:t>
+            </a:r>
+          </a:p>
+          <a:p>
+            <a:endParaRPr lang="sk-SK" dirty="0"/>
+          </a:p>
+          <a:p>
+            <a:endParaRPr lang="sk-SK" dirty="0"/>
+          </a:p>
+        </p:txBody>
+      </p:sp>
+    </p:spTree>
+    <p:extLst>
+      <p:ext uri="{BB962C8B-B14F-4D97-AF65-F5344CB8AC3E}">
+        <p14:creationId xmlns:p14="http://schemas.microsoft.com/office/powerpoint/2010/main" val="2315867410"/>
+      </p:ext>
+    </p:extLst>
+  </p:cSld>
+  <p:clrMapOvr>
+    <a:masterClrMapping/>
+  </p:clrMapOvr>
+</p:sld>
+</file>
+
+<file path=ppt/slides/slide50.xml><?xml version="1.0" encoding="utf-8"?>
 <p:sld xmlns:a="http://schemas.openxmlformats.org/drawingml/2006/main" xmlns:r="http://schemas.openxmlformats.org/officeDocument/2006/relationships" xmlns:p="http://schemas.openxmlformats.org/presentationml/2006/main">
   <p:cSld>
     <p:spTree>
@@ -23235,7 +22387,7 @@
 </p:sld>
 </file>
 
-<file path=ppt/slides/slide54.xml><?xml version="1.0" encoding="utf-8"?>
+<file path=ppt/slides/slide51.xml><?xml version="1.0" encoding="utf-8"?>
 <p:sld xmlns:a="http://schemas.openxmlformats.org/drawingml/2006/main" xmlns:r="http://schemas.openxmlformats.org/officeDocument/2006/relationships" xmlns:p="http://schemas.openxmlformats.org/presentationml/2006/main">
   <p:cSld>
     <p:spTree>
@@ -23599,7 +22751,7 @@
 </p:sld>
 </file>
 
-<file path=ppt/slides/slide55.xml><?xml version="1.0" encoding="utf-8"?>
+<file path=ppt/slides/slide52.xml><?xml version="1.0" encoding="utf-8"?>
 <p:sld xmlns:a="http://schemas.openxmlformats.org/drawingml/2006/main" xmlns:r="http://schemas.openxmlformats.org/officeDocument/2006/relationships" xmlns:p="http://schemas.openxmlformats.org/presentationml/2006/main">
   <p:cSld>
     <p:spTree>
@@ -24034,7 +23186,7 @@
 </p:sld>
 </file>
 
-<file path=ppt/slides/slide56.xml><?xml version="1.0" encoding="utf-8"?>
+<file path=ppt/slides/slide53.xml><?xml version="1.0" encoding="utf-8"?>
 <p:sld xmlns:a="http://schemas.openxmlformats.org/drawingml/2006/main" xmlns:r="http://schemas.openxmlformats.org/officeDocument/2006/relationships" xmlns:p="http://schemas.openxmlformats.org/presentationml/2006/main">
   <p:cSld>
     <p:spTree>
@@ -24547,7 +23699,7 @@
 </p:sld>
 </file>
 
-<file path=ppt/slides/slide57.xml><?xml version="1.0" encoding="utf-8"?>
+<file path=ppt/slides/slide54.xml><?xml version="1.0" encoding="utf-8"?>
 <p:sld xmlns:a="http://schemas.openxmlformats.org/drawingml/2006/main" xmlns:r="http://schemas.openxmlformats.org/officeDocument/2006/relationships" xmlns:p="http://schemas.openxmlformats.org/presentationml/2006/main">
   <p:cSld>
     <p:spTree>
@@ -24882,7 +24034,7 @@
 </p:sld>
 </file>
 
-<file path=ppt/slides/slide58.xml><?xml version="1.0" encoding="utf-8"?>
+<file path=ppt/slides/slide55.xml><?xml version="1.0" encoding="utf-8"?>
 <p:sld xmlns:a="http://schemas.openxmlformats.org/drawingml/2006/main" xmlns:r="http://schemas.openxmlformats.org/officeDocument/2006/relationships" xmlns:p="http://schemas.openxmlformats.org/presentationml/2006/main">
   <p:cSld>
     <p:spTree>
@@ -24991,7 +24143,7 @@
 </p:sld>
 </file>
 
-<file path=ppt/slides/slide59.xml><?xml version="1.0" encoding="utf-8"?>
+<file path=ppt/slides/slide56.xml><?xml version="1.0" encoding="utf-8"?>
 <p:sld xmlns:a="http://schemas.openxmlformats.org/drawingml/2006/main" xmlns:r="http://schemas.openxmlformats.org/officeDocument/2006/relationships" xmlns:p="http://schemas.openxmlformats.org/presentationml/2006/main">
   <p:cSld>
     <p:spTree>
@@ -25547,110 +24699,7 @@
 </p:sld>
 </file>
 
-<file path=ppt/slides/slide6.xml><?xml version="1.0" encoding="utf-8"?>
-<p:sld xmlns:a="http://schemas.openxmlformats.org/drawingml/2006/main" xmlns:r="http://schemas.openxmlformats.org/officeDocument/2006/relationships" xmlns:p="http://schemas.openxmlformats.org/presentationml/2006/main">
-  <p:cSld>
-    <p:spTree>
-      <p:nvGrpSpPr>
-        <p:cNvPr id="1" name=""/>
-        <p:cNvGrpSpPr/>
-        <p:nvPr/>
-      </p:nvGrpSpPr>
-      <p:grpSpPr>
-        <a:xfrm>
-          <a:off x="0" y="0"/>
-          <a:ext cx="0" cy="0"/>
-          <a:chOff x="0" y="0"/>
-          <a:chExt cx="0" cy="0"/>
-        </a:xfrm>
-      </p:grpSpPr>
-      <p:sp>
-        <p:nvSpPr>
-          <p:cNvPr id="3" name="Zástupný symbol obsahu 2"/>
-          <p:cNvSpPr>
-            <a:spLocks noGrp="1"/>
-          </p:cNvSpPr>
-          <p:nvPr>
-            <p:ph idx="4294967295"/>
-          </p:nvPr>
-        </p:nvSpPr>
-        <p:spPr>
-          <a:xfrm>
-            <a:off x="457200" y="1600200"/>
-            <a:ext cx="8229600" cy="4525963"/>
-          </a:xfrm>
-        </p:spPr>
-        <p:txBody>
-          <a:bodyPr anchor="ctr">
-            <a:normAutofit/>
-          </a:bodyPr>
-          <a:lstStyle/>
-          <a:p>
-            <a:pPr marL="0" indent="0" algn="ctr">
-              <a:buNone/>
-            </a:pPr>
-            <a:r>
-              <a:rPr lang="sk-SK" sz="6000" dirty="0"/>
-              <a:t>SOAP == </a:t>
-            </a:r>
-            <a:r>
-              <a:rPr lang="sk-SK" sz="6000" dirty="0" err="1"/>
-              <a:t>webservisy</a:t>
-            </a:r>
-            <a:endParaRPr lang="sk-SK" sz="6000" dirty="0"/>
-          </a:p>
-        </p:txBody>
-      </p:sp>
-      <p:sp>
-        <p:nvSpPr>
-          <p:cNvPr id="6" name="Nadpis 1">
-            <a:extLst>
-              <a:ext uri="{FF2B5EF4-FFF2-40B4-BE49-F238E27FC236}">
-                <a16:creationId xmlns:a16="http://schemas.microsoft.com/office/drawing/2014/main" id="{12E3EE1B-1C16-C1D4-08C1-080A85968E84}"/>
-              </a:ext>
-            </a:extLst>
-          </p:cNvPr>
-          <p:cNvSpPr>
-            <a:spLocks noGrp="1"/>
-          </p:cNvSpPr>
-          <p:nvPr>
-            <p:ph type="title"/>
-          </p:nvPr>
-        </p:nvSpPr>
-        <p:spPr>
-          <a:xfrm>
-            <a:off x="457200" y="274638"/>
-            <a:ext cx="8229600" cy="1143000"/>
-          </a:xfrm>
-        </p:spPr>
-        <p:txBody>
-          <a:bodyPr>
-            <a:normAutofit/>
-          </a:bodyPr>
-          <a:lstStyle/>
-          <a:p>
-            <a:pPr algn="ctr"/>
-            <a:r>
-              <a:rPr lang="sk-SK" b="0" dirty="0"/>
-              <a:t>Folklór</a:t>
-            </a:r>
-          </a:p>
-        </p:txBody>
-      </p:sp>
-    </p:spTree>
-    <p:extLst>
-      <p:ext uri="{BB962C8B-B14F-4D97-AF65-F5344CB8AC3E}">
-        <p14:creationId xmlns:p14="http://schemas.microsoft.com/office/powerpoint/2010/main" val="1406717637"/>
-      </p:ext>
-    </p:extLst>
-  </p:cSld>
-  <p:clrMapOvr>
-    <a:masterClrMapping/>
-  </p:clrMapOvr>
-</p:sld>
-</file>
-
-<file path=ppt/slides/slide60.xml><?xml version="1.0" encoding="utf-8"?>
+<file path=ppt/slides/slide57.xml><?xml version="1.0" encoding="utf-8"?>
 <p:sld xmlns:a="http://schemas.openxmlformats.org/drawingml/2006/main" xmlns:r="http://schemas.openxmlformats.org/officeDocument/2006/relationships" xmlns:p="http://schemas.openxmlformats.org/presentationml/2006/main">
   <p:cSld>
     <p:spTree>
@@ -25905,7 +24954,7 @@
 </p:sld>
 </file>
 
-<file path=ppt/slides/slide61.xml><?xml version="1.0" encoding="utf-8"?>
+<file path=ppt/slides/slide58.xml><?xml version="1.0" encoding="utf-8"?>
 <p:sld xmlns:a="http://schemas.openxmlformats.org/drawingml/2006/main" xmlns:r="http://schemas.openxmlformats.org/officeDocument/2006/relationships" xmlns:p="http://schemas.openxmlformats.org/presentationml/2006/main">
   <p:cSld>
     <p:spTree>
@@ -25961,7 +25010,7 @@
           <a:p>
             <a:r>
               <a:rPr lang="sk-SK" dirty="0"/>
-              <a:t>z WSDL vygenerujeme JAX-WS 2.0 klienta</a:t>
+              <a:t>z WSDL vygenerujeme JAX-WS klienta</a:t>
             </a:r>
           </a:p>
           <a:p>
@@ -26161,6 +25210,109 @@
     <p:extLst>
       <p:ext uri="{BB962C8B-B14F-4D97-AF65-F5344CB8AC3E}">
         <p14:creationId xmlns:p14="http://schemas.microsoft.com/office/powerpoint/2010/main" val="494340866"/>
+      </p:ext>
+    </p:extLst>
+  </p:cSld>
+  <p:clrMapOvr>
+    <a:masterClrMapping/>
+  </p:clrMapOvr>
+</p:sld>
+</file>
+
+<file path=ppt/slides/slide6.xml><?xml version="1.0" encoding="utf-8"?>
+<p:sld xmlns:a="http://schemas.openxmlformats.org/drawingml/2006/main" xmlns:r="http://schemas.openxmlformats.org/officeDocument/2006/relationships" xmlns:p="http://schemas.openxmlformats.org/presentationml/2006/main">
+  <p:cSld>
+    <p:spTree>
+      <p:nvGrpSpPr>
+        <p:cNvPr id="1" name=""/>
+        <p:cNvGrpSpPr/>
+        <p:nvPr/>
+      </p:nvGrpSpPr>
+      <p:grpSpPr>
+        <a:xfrm>
+          <a:off x="0" y="0"/>
+          <a:ext cx="0" cy="0"/>
+          <a:chOff x="0" y="0"/>
+          <a:chExt cx="0" cy="0"/>
+        </a:xfrm>
+      </p:grpSpPr>
+      <p:sp>
+        <p:nvSpPr>
+          <p:cNvPr id="3" name="Zástupný symbol obsahu 2"/>
+          <p:cNvSpPr>
+            <a:spLocks noGrp="1"/>
+          </p:cNvSpPr>
+          <p:nvPr>
+            <p:ph idx="4294967295"/>
+          </p:nvPr>
+        </p:nvSpPr>
+        <p:spPr>
+          <a:xfrm>
+            <a:off x="457200" y="1600200"/>
+            <a:ext cx="8229600" cy="4525963"/>
+          </a:xfrm>
+        </p:spPr>
+        <p:txBody>
+          <a:bodyPr anchor="ctr">
+            <a:normAutofit/>
+          </a:bodyPr>
+          <a:lstStyle/>
+          <a:p>
+            <a:pPr marL="0" indent="0" algn="ctr">
+              <a:buNone/>
+            </a:pPr>
+            <a:r>
+              <a:rPr lang="sk-SK" sz="6000" dirty="0"/>
+              <a:t>SOAP == </a:t>
+            </a:r>
+            <a:r>
+              <a:rPr lang="sk-SK" sz="6000" dirty="0" err="1"/>
+              <a:t>webservisy</a:t>
+            </a:r>
+            <a:endParaRPr lang="sk-SK" sz="6000" dirty="0"/>
+          </a:p>
+        </p:txBody>
+      </p:sp>
+      <p:sp>
+        <p:nvSpPr>
+          <p:cNvPr id="6" name="Nadpis 1">
+            <a:extLst>
+              <a:ext uri="{FF2B5EF4-FFF2-40B4-BE49-F238E27FC236}">
+                <a16:creationId xmlns:a16="http://schemas.microsoft.com/office/drawing/2014/main" id="{12E3EE1B-1C16-C1D4-08C1-080A85968E84}"/>
+              </a:ext>
+            </a:extLst>
+          </p:cNvPr>
+          <p:cNvSpPr>
+            <a:spLocks noGrp="1"/>
+          </p:cNvSpPr>
+          <p:nvPr>
+            <p:ph type="title"/>
+          </p:nvPr>
+        </p:nvSpPr>
+        <p:spPr>
+          <a:xfrm>
+            <a:off x="457200" y="274638"/>
+            <a:ext cx="8229600" cy="1143000"/>
+          </a:xfrm>
+        </p:spPr>
+        <p:txBody>
+          <a:bodyPr>
+            <a:normAutofit/>
+          </a:bodyPr>
+          <a:lstStyle/>
+          <a:p>
+            <a:pPr algn="ctr"/>
+            <a:r>
+              <a:rPr lang="sk-SK" b="0" dirty="0"/>
+              <a:t>Folklór</a:t>
+            </a:r>
+          </a:p>
+        </p:txBody>
+      </p:sp>
+    </p:spTree>
+    <p:extLst>
+      <p:ext uri="{BB962C8B-B14F-4D97-AF65-F5344CB8AC3E}">
+        <p14:creationId xmlns:p14="http://schemas.microsoft.com/office/powerpoint/2010/main" val="1406717637"/>
       </p:ext>
     </p:extLst>
   </p:cSld>

--- a/content/soap-web-services/kopr-soap-web-services.pptx
+++ b/content/soap-web-services/kopr-soap-web-services.pptx
@@ -240,15 +240,6 @@
             <p14:sldId id="322"/>
             <p14:sldId id="323"/>
           </p14:sldIdLst>
-        </p14:section>
-        <p14:section name="SOAP Encoding Rules" id="{662AC94E-9E15-1142-B4A2-4BCA5F9A2E30}">
-          <p14:sldIdLst/>
-        </p14:section>
-        <p14:section name="RPC/encoded" id="{0BC88F07-6D44-DB49-888F-41F82DED6B89}">
-          <p14:sldIdLst/>
-        </p14:section>
-        <p14:section name="SOAP a iné jazyky" id="{E89513E5-5BB8-E246-814B-4AA3C9D51F74}">
-          <p14:sldIdLst/>
         </p14:section>
       </p14:sectionLst>
     </p:ext>
